--- a/diagrams/Diagrams.pptx
+++ b/diagrams/Diagrams.pptx
@@ -2,19 +2,20 @@
 <file path=ppt/presentation.xml><?xml version="1.0" encoding="utf-8"?>
 <p:presentation xmlns:a="http://schemas.openxmlformats.org/drawingml/2006/main" xmlns:r="http://schemas.openxmlformats.org/officeDocument/2006/relationships" xmlns:p="http://schemas.openxmlformats.org/presentationml/2006/main" saveSubsetFonts="1">
   <p:sldMasterIdLst>
-    <p:sldMasterId id="2147483648" r:id="rId1"/>
+    <p:sldMasterId id="2147483760" r:id="rId1"/>
   </p:sldMasterIdLst>
   <p:notesMasterIdLst>
-    <p:notesMasterId r:id="rId3"/>
+    <p:notesMasterId r:id="rId4"/>
   </p:notesMasterIdLst>
   <p:sldIdLst>
-    <p:sldId id="257" r:id="rId2"/>
+    <p:sldId id="258" r:id="rId2"/>
+    <p:sldId id="257" r:id="rId3"/>
   </p:sldIdLst>
   <p:sldSz cx="12192000" cy="6858000"/>
   <p:notesSz cx="6858000" cy="9144000"/>
   <p:defaultTextStyle>
     <a:defPPr>
-      <a:defRPr lang="de-DE"/>
+      <a:defRPr lang="en-US"/>
     </a:defPPr>
     <a:lvl1pPr marL="0" algn="l" defTabSz="914400" rtl="0" eaLnBrk="1" latinLnBrk="0" hangingPunct="1">
       <a:defRPr sz="1800" kern="1200">
@@ -199,9 +200,9 @@
             </a:lvl1pPr>
           </a:lstStyle>
           <a:p>
-            <a:fld id="{7DC6343F-604A-4F05-90C1-62B30A400802}" type="datetimeFigureOut">
+            <a:fld id="{E8FC022E-7A88-4E07-B0A9-2AEF3ED7599F}" type="datetimeFigureOut">
               <a:rPr lang="en-US" smtClean="0"/>
-              <a:t>23-Oct-17</a:t>
+              <a:t>12/11/2017</a:t>
             </a:fld>
             <a:endParaRPr lang="en-US"/>
           </a:p>
@@ -357,7 +358,7 @@
             </a:lvl1pPr>
           </a:lstStyle>
           <a:p>
-            <a:fld id="{0C415D25-E617-4A69-BB71-A8D03A86905C}" type="slidenum">
+            <a:fld id="{46063028-13F5-47ED-94CA-78FE90AFBC9A}" type="slidenum">
               <a:rPr lang="en-US" smtClean="0"/>
               <a:t>‹#›</a:t>
             </a:fld>
@@ -368,7 +369,7 @@
     </p:spTree>
     <p:extLst>
       <p:ext uri="{BB962C8B-B14F-4D97-AF65-F5344CB8AC3E}">
-        <p14:creationId xmlns:p14="http://schemas.microsoft.com/office/powerpoint/2010/main" val="2282364782"/>
+        <p14:creationId xmlns:p14="http://schemas.microsoft.com/office/powerpoint/2010/main" val="3100958523"/>
       </p:ext>
     </p:extLst>
   </p:cSld>
@@ -542,7 +543,91 @@
     </p:spTree>
     <p:extLst>
       <p:ext uri="{BB962C8B-B14F-4D97-AF65-F5344CB8AC3E}">
-        <p14:creationId xmlns:p14="http://schemas.microsoft.com/office/powerpoint/2010/main" val="2522561475"/>
+        <p14:creationId xmlns:p14="http://schemas.microsoft.com/office/powerpoint/2010/main" val="1451961690"/>
+      </p:ext>
+    </p:extLst>
+  </p:cSld>
+  <p:clrMapOvr>
+    <a:masterClrMapping/>
+  </p:clrMapOvr>
+</p:notes>
+</file>
+
+<file path=ppt/notesSlides/notesSlide2.xml><?xml version="1.0" encoding="utf-8"?>
+<p:notes xmlns:a="http://schemas.openxmlformats.org/drawingml/2006/main" xmlns:r="http://schemas.openxmlformats.org/officeDocument/2006/relationships" xmlns:p="http://schemas.openxmlformats.org/presentationml/2006/main">
+  <p:cSld>
+    <p:spTree>
+      <p:nvGrpSpPr>
+        <p:cNvPr id="1" name=""/>
+        <p:cNvGrpSpPr/>
+        <p:nvPr/>
+      </p:nvGrpSpPr>
+      <p:grpSpPr>
+        <a:xfrm>
+          <a:off x="0" y="0"/>
+          <a:ext cx="0" cy="0"/>
+          <a:chOff x="0" y="0"/>
+          <a:chExt cx="0" cy="0"/>
+        </a:xfrm>
+      </p:grpSpPr>
+      <p:sp>
+        <p:nvSpPr>
+          <p:cNvPr id="2" name="Slide Image Placeholder 1"/>
+          <p:cNvSpPr>
+            <a:spLocks noGrp="1" noRot="1" noChangeAspect="1"/>
+          </p:cNvSpPr>
+          <p:nvPr>
+            <p:ph type="sldImg"/>
+          </p:nvPr>
+        </p:nvSpPr>
+        <p:spPr/>
+      </p:sp>
+      <p:sp>
+        <p:nvSpPr>
+          <p:cNvPr id="3" name="Notes Placeholder 2"/>
+          <p:cNvSpPr>
+            <a:spLocks noGrp="1"/>
+          </p:cNvSpPr>
+          <p:nvPr>
+            <p:ph type="body" idx="1"/>
+          </p:nvPr>
+        </p:nvSpPr>
+        <p:spPr/>
+        <p:txBody>
+          <a:bodyPr/>
+          <a:lstStyle/>
+          <a:p>
+            <a:endParaRPr lang="en-US"/>
+          </a:p>
+        </p:txBody>
+      </p:sp>
+      <p:sp>
+        <p:nvSpPr>
+          <p:cNvPr id="4" name="Slide Number Placeholder 3"/>
+          <p:cNvSpPr>
+            <a:spLocks noGrp="1"/>
+          </p:cNvSpPr>
+          <p:nvPr>
+            <p:ph type="sldNum" sz="quarter" idx="10"/>
+          </p:nvPr>
+        </p:nvSpPr>
+        <p:spPr/>
+        <p:txBody>
+          <a:bodyPr/>
+          <a:lstStyle/>
+          <a:p>
+            <a:fld id="{75BB00AD-3030-4859-A0F1-A4C8F4BE2BCF}" type="slidenum">
+              <a:rPr lang="en-US" smtClean="0"/>
+              <a:t>2</a:t>
+            </a:fld>
+            <a:endParaRPr lang="en-US"/>
+          </a:p>
+        </p:txBody>
+      </p:sp>
+    </p:spTree>
+    <p:extLst>
+      <p:ext uri="{BB962C8B-B14F-4D97-AF65-F5344CB8AC3E}">
+        <p14:creationId xmlns:p14="http://schemas.microsoft.com/office/powerpoint/2010/main" val="1936417425"/>
       </p:ext>
     </p:extLst>
   </p:cSld>
@@ -574,7 +659,7 @@
           <p:cNvPr id="2" name="Title 1">
             <a:extLst>
               <a:ext uri="{FF2B5EF4-FFF2-40B4-BE49-F238E27FC236}">
-                <a16:creationId xmlns:a16="http://schemas.microsoft.com/office/drawing/2014/main" id="{30C9108D-B6BE-43EF-98A4-7CC14F79A168}"/>
+                <a16:creationId xmlns:a16="http://schemas.microsoft.com/office/drawing/2014/main" id="{D92B335F-4FAD-4CF8-A60B-9ACCF93C5C49}"/>
               </a:ext>
             </a:extLst>
           </p:cNvPr>
@@ -603,7 +688,6 @@
               <a:rPr lang="en-US"/>
               <a:t>Click to edit Master title style</a:t>
             </a:r>
-            <a:endParaRPr lang="de-CH"/>
           </a:p>
         </p:txBody>
       </p:sp>
@@ -612,7 +696,7 @@
           <p:cNvPr id="3" name="Subtitle 2">
             <a:extLst>
               <a:ext uri="{FF2B5EF4-FFF2-40B4-BE49-F238E27FC236}">
-                <a16:creationId xmlns:a16="http://schemas.microsoft.com/office/drawing/2014/main" id="{9AD59BA2-3477-417D-80A0-169DF9F941AC}"/>
+                <a16:creationId xmlns:a16="http://schemas.microsoft.com/office/drawing/2014/main" id="{489B34FC-8605-4176-8B5D-91BDEC0BAF23}"/>
               </a:ext>
             </a:extLst>
           </p:cNvPr>
@@ -674,7 +758,6 @@
               <a:rPr lang="en-US"/>
               <a:t>Click to edit Master subtitle style</a:t>
             </a:r>
-            <a:endParaRPr lang="de-CH"/>
           </a:p>
         </p:txBody>
       </p:sp>
@@ -683,7 +766,7 @@
           <p:cNvPr id="4" name="Date Placeholder 3">
             <a:extLst>
               <a:ext uri="{FF2B5EF4-FFF2-40B4-BE49-F238E27FC236}">
-                <a16:creationId xmlns:a16="http://schemas.microsoft.com/office/drawing/2014/main" id="{005EE6D9-740D-4058-9254-2D132C97002B}"/>
+                <a16:creationId xmlns:a16="http://schemas.microsoft.com/office/drawing/2014/main" id="{ED49D986-E820-4F38-8A65-69237C08739E}"/>
               </a:ext>
             </a:extLst>
           </p:cNvPr>
@@ -699,11 +782,11 @@
           <a:bodyPr/>
           <a:lstStyle/>
           <a:p>
-            <a:fld id="{C205101A-A054-4A2A-8130-FC8A50C86D4F}" type="datetimeFigureOut">
-              <a:rPr lang="de-CH" smtClean="0"/>
-              <a:t>23.10.2017</a:t>
+            <a:fld id="{0AF5C23E-192E-4BB4-809D-54029D4D2301}" type="datetimeFigureOut">
+              <a:rPr lang="en-US" smtClean="0"/>
+              <a:t>12/11/2017</a:t>
             </a:fld>
-            <a:endParaRPr lang="de-CH"/>
+            <a:endParaRPr lang="en-US"/>
           </a:p>
         </p:txBody>
       </p:sp>
@@ -712,7 +795,7 @@
           <p:cNvPr id="5" name="Footer Placeholder 4">
             <a:extLst>
               <a:ext uri="{FF2B5EF4-FFF2-40B4-BE49-F238E27FC236}">
-                <a16:creationId xmlns:a16="http://schemas.microsoft.com/office/drawing/2014/main" id="{0D0B8B4C-C90C-4E4E-B85F-69FF1B0BE435}"/>
+                <a16:creationId xmlns:a16="http://schemas.microsoft.com/office/drawing/2014/main" id="{D9B14114-CA44-4B73-AFC0-5980E0BA98F2}"/>
               </a:ext>
             </a:extLst>
           </p:cNvPr>
@@ -728,7 +811,7 @@
           <a:bodyPr/>
           <a:lstStyle/>
           <a:p>
-            <a:endParaRPr lang="de-CH"/>
+            <a:endParaRPr lang="en-US"/>
           </a:p>
         </p:txBody>
       </p:sp>
@@ -737,7 +820,7 @@
           <p:cNvPr id="6" name="Slide Number Placeholder 5">
             <a:extLst>
               <a:ext uri="{FF2B5EF4-FFF2-40B4-BE49-F238E27FC236}">
-                <a16:creationId xmlns:a16="http://schemas.microsoft.com/office/drawing/2014/main" id="{4EAB2938-3090-4E27-BFC9-041BC0E16FE3}"/>
+                <a16:creationId xmlns:a16="http://schemas.microsoft.com/office/drawing/2014/main" id="{41546671-018C-48D7-9B01-70ADC566B368}"/>
               </a:ext>
             </a:extLst>
           </p:cNvPr>
@@ -753,18 +836,18 @@
           <a:bodyPr/>
           <a:lstStyle/>
           <a:p>
-            <a:fld id="{2EA6EEE5-689C-4BC6-9E76-23C3E1DD7325}" type="slidenum">
-              <a:rPr lang="de-CH" smtClean="0"/>
+            <a:fld id="{89D20CAF-B330-417C-A2B3-A6265A9E2088}" type="slidenum">
+              <a:rPr lang="en-US" smtClean="0"/>
               <a:t>‹#›</a:t>
             </a:fld>
-            <a:endParaRPr lang="de-CH"/>
+            <a:endParaRPr lang="en-US"/>
           </a:p>
         </p:txBody>
       </p:sp>
     </p:spTree>
     <p:extLst>
       <p:ext uri="{BB962C8B-B14F-4D97-AF65-F5344CB8AC3E}">
-        <p14:creationId xmlns:p14="http://schemas.microsoft.com/office/powerpoint/2010/main" val="4052009110"/>
+        <p14:creationId xmlns:p14="http://schemas.microsoft.com/office/powerpoint/2010/main" val="1867772271"/>
       </p:ext>
     </p:extLst>
   </p:cSld>
@@ -796,7 +879,7 @@
           <p:cNvPr id="2" name="Title 1">
             <a:extLst>
               <a:ext uri="{FF2B5EF4-FFF2-40B4-BE49-F238E27FC236}">
-                <a16:creationId xmlns:a16="http://schemas.microsoft.com/office/drawing/2014/main" id="{47ADF50C-A6DC-434B-BDC4-5AA997BE1E26}"/>
+                <a16:creationId xmlns:a16="http://schemas.microsoft.com/office/drawing/2014/main" id="{50286477-8E93-46E4-8304-F1E96328B5BD}"/>
               </a:ext>
             </a:extLst>
           </p:cNvPr>
@@ -816,7 +899,6 @@
               <a:rPr lang="en-US"/>
               <a:t>Click to edit Master title style</a:t>
             </a:r>
-            <a:endParaRPr lang="de-CH"/>
           </a:p>
         </p:txBody>
       </p:sp>
@@ -825,7 +907,7 @@
           <p:cNvPr id="3" name="Vertical Text Placeholder 2">
             <a:extLst>
               <a:ext uri="{FF2B5EF4-FFF2-40B4-BE49-F238E27FC236}">
-                <a16:creationId xmlns:a16="http://schemas.microsoft.com/office/drawing/2014/main" id="{612690A8-EBEA-4F41-A39A-D364A6BC5F69}"/>
+                <a16:creationId xmlns:a16="http://schemas.microsoft.com/office/drawing/2014/main" id="{4C45F4A2-010A-47CE-9E11-446A1B4FB45D}"/>
               </a:ext>
             </a:extLst>
           </p:cNvPr>
@@ -874,7 +956,6 @@
               <a:rPr lang="en-US"/>
               <a:t>Fifth level</a:t>
             </a:r>
-            <a:endParaRPr lang="de-CH"/>
           </a:p>
         </p:txBody>
       </p:sp>
@@ -883,7 +964,7 @@
           <p:cNvPr id="4" name="Date Placeholder 3">
             <a:extLst>
               <a:ext uri="{FF2B5EF4-FFF2-40B4-BE49-F238E27FC236}">
-                <a16:creationId xmlns:a16="http://schemas.microsoft.com/office/drawing/2014/main" id="{493432C7-7A00-4B2D-92D4-B9F3610B7224}"/>
+                <a16:creationId xmlns:a16="http://schemas.microsoft.com/office/drawing/2014/main" id="{91825B15-3A52-4542-BF0E-D01B9669A0D0}"/>
               </a:ext>
             </a:extLst>
           </p:cNvPr>
@@ -899,11 +980,11 @@
           <a:bodyPr/>
           <a:lstStyle/>
           <a:p>
-            <a:fld id="{C205101A-A054-4A2A-8130-FC8A50C86D4F}" type="datetimeFigureOut">
-              <a:rPr lang="de-CH" smtClean="0"/>
-              <a:t>23.10.2017</a:t>
+            <a:fld id="{0AF5C23E-192E-4BB4-809D-54029D4D2301}" type="datetimeFigureOut">
+              <a:rPr lang="en-US" smtClean="0"/>
+              <a:t>12/11/2017</a:t>
             </a:fld>
-            <a:endParaRPr lang="de-CH"/>
+            <a:endParaRPr lang="en-US"/>
           </a:p>
         </p:txBody>
       </p:sp>
@@ -912,7 +993,7 @@
           <p:cNvPr id="5" name="Footer Placeholder 4">
             <a:extLst>
               <a:ext uri="{FF2B5EF4-FFF2-40B4-BE49-F238E27FC236}">
-                <a16:creationId xmlns:a16="http://schemas.microsoft.com/office/drawing/2014/main" id="{65710FFE-9397-492C-9F74-5C2B1586BFB0}"/>
+                <a16:creationId xmlns:a16="http://schemas.microsoft.com/office/drawing/2014/main" id="{3F2E8441-CF00-4C4A-8E67-B98F9F959B4B}"/>
               </a:ext>
             </a:extLst>
           </p:cNvPr>
@@ -928,7 +1009,7 @@
           <a:bodyPr/>
           <a:lstStyle/>
           <a:p>
-            <a:endParaRPr lang="de-CH"/>
+            <a:endParaRPr lang="en-US"/>
           </a:p>
         </p:txBody>
       </p:sp>
@@ -937,7 +1018,7 @@
           <p:cNvPr id="6" name="Slide Number Placeholder 5">
             <a:extLst>
               <a:ext uri="{FF2B5EF4-FFF2-40B4-BE49-F238E27FC236}">
-                <a16:creationId xmlns:a16="http://schemas.microsoft.com/office/drawing/2014/main" id="{7615F345-8975-4CF1-ACB4-EFD425159B17}"/>
+                <a16:creationId xmlns:a16="http://schemas.microsoft.com/office/drawing/2014/main" id="{3577CD39-4FA0-46CA-8836-D0E11D401031}"/>
               </a:ext>
             </a:extLst>
           </p:cNvPr>
@@ -953,18 +1034,18 @@
           <a:bodyPr/>
           <a:lstStyle/>
           <a:p>
-            <a:fld id="{2EA6EEE5-689C-4BC6-9E76-23C3E1DD7325}" type="slidenum">
-              <a:rPr lang="de-CH" smtClean="0"/>
+            <a:fld id="{89D20CAF-B330-417C-A2B3-A6265A9E2088}" type="slidenum">
+              <a:rPr lang="en-US" smtClean="0"/>
               <a:t>‹#›</a:t>
             </a:fld>
-            <a:endParaRPr lang="de-CH"/>
+            <a:endParaRPr lang="en-US"/>
           </a:p>
         </p:txBody>
       </p:sp>
     </p:spTree>
     <p:extLst>
       <p:ext uri="{BB962C8B-B14F-4D97-AF65-F5344CB8AC3E}">
-        <p14:creationId xmlns:p14="http://schemas.microsoft.com/office/powerpoint/2010/main" val="2922697077"/>
+        <p14:creationId xmlns:p14="http://schemas.microsoft.com/office/powerpoint/2010/main" val="3175144124"/>
       </p:ext>
     </p:extLst>
   </p:cSld>
@@ -996,7 +1077,7 @@
           <p:cNvPr id="2" name="Vertical Title 1">
             <a:extLst>
               <a:ext uri="{FF2B5EF4-FFF2-40B4-BE49-F238E27FC236}">
-                <a16:creationId xmlns:a16="http://schemas.microsoft.com/office/drawing/2014/main" id="{36E1CF9F-CB92-4D92-85F9-25BBCAD24B52}"/>
+                <a16:creationId xmlns:a16="http://schemas.microsoft.com/office/drawing/2014/main" id="{F9365053-7C25-4176-999D-719B236E7257}"/>
               </a:ext>
             </a:extLst>
           </p:cNvPr>
@@ -1021,7 +1102,6 @@
               <a:rPr lang="en-US"/>
               <a:t>Click to edit Master title style</a:t>
             </a:r>
-            <a:endParaRPr lang="de-CH"/>
           </a:p>
         </p:txBody>
       </p:sp>
@@ -1030,7 +1110,7 @@
           <p:cNvPr id="3" name="Vertical Text Placeholder 2">
             <a:extLst>
               <a:ext uri="{FF2B5EF4-FFF2-40B4-BE49-F238E27FC236}">
-                <a16:creationId xmlns:a16="http://schemas.microsoft.com/office/drawing/2014/main" id="{62178114-360D-4F27-94E5-62FF38A95051}"/>
+                <a16:creationId xmlns:a16="http://schemas.microsoft.com/office/drawing/2014/main" id="{452E9213-9E77-49EC-A924-4E1F46A47A15}"/>
               </a:ext>
             </a:extLst>
           </p:cNvPr>
@@ -1084,7 +1164,6 @@
               <a:rPr lang="en-US"/>
               <a:t>Fifth level</a:t>
             </a:r>
-            <a:endParaRPr lang="de-CH"/>
           </a:p>
         </p:txBody>
       </p:sp>
@@ -1093,7 +1172,7 @@
           <p:cNvPr id="4" name="Date Placeholder 3">
             <a:extLst>
               <a:ext uri="{FF2B5EF4-FFF2-40B4-BE49-F238E27FC236}">
-                <a16:creationId xmlns:a16="http://schemas.microsoft.com/office/drawing/2014/main" id="{F2DA01CE-BDDF-46AE-B5B6-B027DDB9853E}"/>
+                <a16:creationId xmlns:a16="http://schemas.microsoft.com/office/drawing/2014/main" id="{827C49A3-49E3-464F-9898-6C6777EBF719}"/>
               </a:ext>
             </a:extLst>
           </p:cNvPr>
@@ -1109,11 +1188,11 @@
           <a:bodyPr/>
           <a:lstStyle/>
           <a:p>
-            <a:fld id="{C205101A-A054-4A2A-8130-FC8A50C86D4F}" type="datetimeFigureOut">
-              <a:rPr lang="de-CH" smtClean="0"/>
-              <a:t>23.10.2017</a:t>
+            <a:fld id="{0AF5C23E-192E-4BB4-809D-54029D4D2301}" type="datetimeFigureOut">
+              <a:rPr lang="en-US" smtClean="0"/>
+              <a:t>12/11/2017</a:t>
             </a:fld>
-            <a:endParaRPr lang="de-CH"/>
+            <a:endParaRPr lang="en-US"/>
           </a:p>
         </p:txBody>
       </p:sp>
@@ -1122,7 +1201,7 @@
           <p:cNvPr id="5" name="Footer Placeholder 4">
             <a:extLst>
               <a:ext uri="{FF2B5EF4-FFF2-40B4-BE49-F238E27FC236}">
-                <a16:creationId xmlns:a16="http://schemas.microsoft.com/office/drawing/2014/main" id="{18AB62D6-4FC7-413C-BE26-306D5DA9E05D}"/>
+                <a16:creationId xmlns:a16="http://schemas.microsoft.com/office/drawing/2014/main" id="{B378A03F-5E44-42AA-A8DF-95DAF916BD5D}"/>
               </a:ext>
             </a:extLst>
           </p:cNvPr>
@@ -1138,7 +1217,7 @@
           <a:bodyPr/>
           <a:lstStyle/>
           <a:p>
-            <a:endParaRPr lang="de-CH"/>
+            <a:endParaRPr lang="en-US"/>
           </a:p>
         </p:txBody>
       </p:sp>
@@ -1147,7 +1226,7 @@
           <p:cNvPr id="6" name="Slide Number Placeholder 5">
             <a:extLst>
               <a:ext uri="{FF2B5EF4-FFF2-40B4-BE49-F238E27FC236}">
-                <a16:creationId xmlns:a16="http://schemas.microsoft.com/office/drawing/2014/main" id="{AE498ACB-1122-48CF-B0DD-0C9C2BC372B7}"/>
+                <a16:creationId xmlns:a16="http://schemas.microsoft.com/office/drawing/2014/main" id="{3101E043-53EA-401C-AFC2-142F7218F022}"/>
               </a:ext>
             </a:extLst>
           </p:cNvPr>
@@ -1163,24 +1242,88 @@
           <a:bodyPr/>
           <a:lstStyle/>
           <a:p>
-            <a:fld id="{2EA6EEE5-689C-4BC6-9E76-23C3E1DD7325}" type="slidenum">
-              <a:rPr lang="de-CH" smtClean="0"/>
+            <a:fld id="{89D20CAF-B330-417C-A2B3-A6265A9E2088}" type="slidenum">
+              <a:rPr lang="en-US" smtClean="0"/>
               <a:t>‹#›</a:t>
             </a:fld>
-            <a:endParaRPr lang="de-CH"/>
+            <a:endParaRPr lang="en-US"/>
           </a:p>
         </p:txBody>
       </p:sp>
     </p:spTree>
     <p:extLst>
       <p:ext uri="{BB962C8B-B14F-4D97-AF65-F5344CB8AC3E}">
-        <p14:creationId xmlns:p14="http://schemas.microsoft.com/office/powerpoint/2010/main" val="3031358332"/>
+        <p14:creationId xmlns:p14="http://schemas.microsoft.com/office/powerpoint/2010/main" val="3361597355"/>
       </p:ext>
     </p:extLst>
   </p:cSld>
   <p:clrMapOvr>
     <a:masterClrMapping/>
   </p:clrMapOvr>
+</p:sldLayout>
+</file>
+
+<file path=ppt/slideLayouts/slideLayout12.xml><?xml version="1.0" encoding="utf-8"?>
+<p:sldLayout xmlns:a="http://schemas.openxmlformats.org/drawingml/2006/main" xmlns:r="http://schemas.openxmlformats.org/officeDocument/2006/relationships" xmlns:p="http://schemas.openxmlformats.org/presentationml/2006/main" userDrawn="1">
+  <p:cSld name="Custom Layout">
+    <p:spTree>
+      <p:nvGrpSpPr>
+        <p:cNvPr id="1" name=""/>
+        <p:cNvGrpSpPr/>
+        <p:nvPr/>
+      </p:nvGrpSpPr>
+      <p:grpSpPr>
+        <a:xfrm>
+          <a:off x="0" y="0"/>
+          <a:ext cx="0" cy="0"/>
+          <a:chOff x="0" y="0"/>
+          <a:chExt cx="0" cy="0"/>
+        </a:xfrm>
+      </p:grpSpPr>
+      <p:sp>
+        <p:nvSpPr>
+          <p:cNvPr id="2" name="Title 1"/>
+          <p:cNvSpPr>
+            <a:spLocks noGrp="1"/>
+          </p:cNvSpPr>
+          <p:nvPr>
+            <p:ph type="title"/>
+          </p:nvPr>
+        </p:nvSpPr>
+        <p:spPr/>
+        <p:txBody>
+          <a:bodyPr/>
+          <a:lstStyle/>
+          <a:p>
+            <a:r>
+              <a:rPr lang="en-US" dirty="0"/>
+              <a:t>Click to edit Master title style</a:t>
+            </a:r>
+          </a:p>
+        </p:txBody>
+      </p:sp>
+    </p:spTree>
+    <p:extLst>
+      <p:ext uri="{BB962C8B-B14F-4D97-AF65-F5344CB8AC3E}">
+        <p14:creationId xmlns:p14="http://schemas.microsoft.com/office/powerpoint/2010/main" val="941022283"/>
+      </p:ext>
+    </p:extLst>
+  </p:cSld>
+  <p:clrMapOvr>
+    <a:masterClrMapping/>
+  </p:clrMapOvr>
+  <mc:AlternateContent xmlns:mc="http://schemas.openxmlformats.org/markup-compatibility/2006" xmlns:p14="http://schemas.microsoft.com/office/powerpoint/2010/main">
+    <mc:Choice Requires="p14">
+      <p:transition p14:dur="250">
+        <p:fade/>
+      </p:transition>
+    </mc:Choice>
+    <mc:Fallback xmlns="">
+      <p:transition>
+        <p:fade/>
+      </p:transition>
+    </mc:Fallback>
+  </mc:AlternateContent>
 </p:sldLayout>
 </file>
 
@@ -1206,7 +1349,7 @@
           <p:cNvPr id="2" name="Title 1">
             <a:extLst>
               <a:ext uri="{FF2B5EF4-FFF2-40B4-BE49-F238E27FC236}">
-                <a16:creationId xmlns:a16="http://schemas.microsoft.com/office/drawing/2014/main" id="{54B59B25-9718-4BAD-A0DA-DF6184317572}"/>
+                <a16:creationId xmlns:a16="http://schemas.microsoft.com/office/drawing/2014/main" id="{4E90F6A7-E7F8-40D8-9B5B-4D30A2DD7C47}"/>
               </a:ext>
             </a:extLst>
           </p:cNvPr>
@@ -1226,7 +1369,6 @@
               <a:rPr lang="en-US"/>
               <a:t>Click to edit Master title style</a:t>
             </a:r>
-            <a:endParaRPr lang="de-CH"/>
           </a:p>
         </p:txBody>
       </p:sp>
@@ -1235,7 +1377,7 @@
           <p:cNvPr id="3" name="Content Placeholder 2">
             <a:extLst>
               <a:ext uri="{FF2B5EF4-FFF2-40B4-BE49-F238E27FC236}">
-                <a16:creationId xmlns:a16="http://schemas.microsoft.com/office/drawing/2014/main" id="{568166BD-7657-4E13-AD7F-DBDCFF60FD9F}"/>
+                <a16:creationId xmlns:a16="http://schemas.microsoft.com/office/drawing/2014/main" id="{45AD11F1-5494-4972-94BB-AC9A7458F268}"/>
               </a:ext>
             </a:extLst>
           </p:cNvPr>
@@ -1284,7 +1426,6 @@
               <a:rPr lang="en-US"/>
               <a:t>Fifth level</a:t>
             </a:r>
-            <a:endParaRPr lang="de-CH"/>
           </a:p>
         </p:txBody>
       </p:sp>
@@ -1293,7 +1434,7 @@
           <p:cNvPr id="4" name="Date Placeholder 3">
             <a:extLst>
               <a:ext uri="{FF2B5EF4-FFF2-40B4-BE49-F238E27FC236}">
-                <a16:creationId xmlns:a16="http://schemas.microsoft.com/office/drawing/2014/main" id="{6B5B7921-3AE8-48A0-98FC-E1EAAB2D1F4D}"/>
+                <a16:creationId xmlns:a16="http://schemas.microsoft.com/office/drawing/2014/main" id="{4204DEC3-6F99-4ACE-8BE0-8F435A991C8D}"/>
               </a:ext>
             </a:extLst>
           </p:cNvPr>
@@ -1309,11 +1450,11 @@
           <a:bodyPr/>
           <a:lstStyle/>
           <a:p>
-            <a:fld id="{C205101A-A054-4A2A-8130-FC8A50C86D4F}" type="datetimeFigureOut">
-              <a:rPr lang="de-CH" smtClean="0"/>
-              <a:t>23.10.2017</a:t>
+            <a:fld id="{0AF5C23E-192E-4BB4-809D-54029D4D2301}" type="datetimeFigureOut">
+              <a:rPr lang="en-US" smtClean="0"/>
+              <a:t>12/11/2017</a:t>
             </a:fld>
-            <a:endParaRPr lang="de-CH"/>
+            <a:endParaRPr lang="en-US"/>
           </a:p>
         </p:txBody>
       </p:sp>
@@ -1322,7 +1463,7 @@
           <p:cNvPr id="5" name="Footer Placeholder 4">
             <a:extLst>
               <a:ext uri="{FF2B5EF4-FFF2-40B4-BE49-F238E27FC236}">
-                <a16:creationId xmlns:a16="http://schemas.microsoft.com/office/drawing/2014/main" id="{F08778CF-357E-46D4-916B-CFC107EB23D1}"/>
+                <a16:creationId xmlns:a16="http://schemas.microsoft.com/office/drawing/2014/main" id="{2A0C8D33-E113-424D-89BA-6BCFFED7A60C}"/>
               </a:ext>
             </a:extLst>
           </p:cNvPr>
@@ -1338,7 +1479,7 @@
           <a:bodyPr/>
           <a:lstStyle/>
           <a:p>
-            <a:endParaRPr lang="de-CH"/>
+            <a:endParaRPr lang="en-US"/>
           </a:p>
         </p:txBody>
       </p:sp>
@@ -1347,7 +1488,7 @@
           <p:cNvPr id="6" name="Slide Number Placeholder 5">
             <a:extLst>
               <a:ext uri="{FF2B5EF4-FFF2-40B4-BE49-F238E27FC236}">
-                <a16:creationId xmlns:a16="http://schemas.microsoft.com/office/drawing/2014/main" id="{C10558E5-70CC-4393-840B-3AA0DD4B96D0}"/>
+                <a16:creationId xmlns:a16="http://schemas.microsoft.com/office/drawing/2014/main" id="{1B414A2F-F789-4C1B-AF1A-414FF8BD7D7C}"/>
               </a:ext>
             </a:extLst>
           </p:cNvPr>
@@ -1363,18 +1504,18 @@
           <a:bodyPr/>
           <a:lstStyle/>
           <a:p>
-            <a:fld id="{2EA6EEE5-689C-4BC6-9E76-23C3E1DD7325}" type="slidenum">
-              <a:rPr lang="de-CH" smtClean="0"/>
+            <a:fld id="{89D20CAF-B330-417C-A2B3-A6265A9E2088}" type="slidenum">
+              <a:rPr lang="en-US" smtClean="0"/>
               <a:t>‹#›</a:t>
             </a:fld>
-            <a:endParaRPr lang="de-CH"/>
+            <a:endParaRPr lang="en-US"/>
           </a:p>
         </p:txBody>
       </p:sp>
     </p:spTree>
     <p:extLst>
       <p:ext uri="{BB962C8B-B14F-4D97-AF65-F5344CB8AC3E}">
-        <p14:creationId xmlns:p14="http://schemas.microsoft.com/office/powerpoint/2010/main" val="636256925"/>
+        <p14:creationId xmlns:p14="http://schemas.microsoft.com/office/powerpoint/2010/main" val="3984218955"/>
       </p:ext>
     </p:extLst>
   </p:cSld>
@@ -1406,7 +1547,7 @@
           <p:cNvPr id="2" name="Title 1">
             <a:extLst>
               <a:ext uri="{FF2B5EF4-FFF2-40B4-BE49-F238E27FC236}">
-                <a16:creationId xmlns:a16="http://schemas.microsoft.com/office/drawing/2014/main" id="{06E96957-F386-4D5C-A96D-15EB7EF421C5}"/>
+                <a16:creationId xmlns:a16="http://schemas.microsoft.com/office/drawing/2014/main" id="{DC6CAE0A-D9E6-4EB2-B881-60E48F4EE4FA}"/>
               </a:ext>
             </a:extLst>
           </p:cNvPr>
@@ -1435,7 +1576,6 @@
               <a:rPr lang="en-US"/>
               <a:t>Click to edit Master title style</a:t>
             </a:r>
-            <a:endParaRPr lang="de-CH"/>
           </a:p>
         </p:txBody>
       </p:sp>
@@ -1444,7 +1584,7 @@
           <p:cNvPr id="3" name="Text Placeholder 2">
             <a:extLst>
               <a:ext uri="{FF2B5EF4-FFF2-40B4-BE49-F238E27FC236}">
-                <a16:creationId xmlns:a16="http://schemas.microsoft.com/office/drawing/2014/main" id="{067863B1-F10A-4F50-A3E8-333D07F23FE9}"/>
+                <a16:creationId xmlns:a16="http://schemas.microsoft.com/office/drawing/2014/main" id="{47F2D439-F6C8-4C9C-A4D4-7FB7D9DFEBF8}"/>
               </a:ext>
             </a:extLst>
           </p:cNvPr>
@@ -1569,7 +1709,7 @@
           <p:cNvPr id="4" name="Date Placeholder 3">
             <a:extLst>
               <a:ext uri="{FF2B5EF4-FFF2-40B4-BE49-F238E27FC236}">
-                <a16:creationId xmlns:a16="http://schemas.microsoft.com/office/drawing/2014/main" id="{83FCDED1-D432-4826-88EA-AF01477ABC34}"/>
+                <a16:creationId xmlns:a16="http://schemas.microsoft.com/office/drawing/2014/main" id="{2156D0EE-D85B-4CD2-B9B3-AD55EF963FAE}"/>
               </a:ext>
             </a:extLst>
           </p:cNvPr>
@@ -1585,11 +1725,11 @@
           <a:bodyPr/>
           <a:lstStyle/>
           <a:p>
-            <a:fld id="{C205101A-A054-4A2A-8130-FC8A50C86D4F}" type="datetimeFigureOut">
-              <a:rPr lang="de-CH" smtClean="0"/>
-              <a:t>23.10.2017</a:t>
+            <a:fld id="{0AF5C23E-192E-4BB4-809D-54029D4D2301}" type="datetimeFigureOut">
+              <a:rPr lang="en-US" smtClean="0"/>
+              <a:t>12/11/2017</a:t>
             </a:fld>
-            <a:endParaRPr lang="de-CH"/>
+            <a:endParaRPr lang="en-US"/>
           </a:p>
         </p:txBody>
       </p:sp>
@@ -1598,7 +1738,7 @@
           <p:cNvPr id="5" name="Footer Placeholder 4">
             <a:extLst>
               <a:ext uri="{FF2B5EF4-FFF2-40B4-BE49-F238E27FC236}">
-                <a16:creationId xmlns:a16="http://schemas.microsoft.com/office/drawing/2014/main" id="{15373375-79E0-4E14-B2C9-EC789505284C}"/>
+                <a16:creationId xmlns:a16="http://schemas.microsoft.com/office/drawing/2014/main" id="{DCD0766F-19B2-498C-983D-E7D1E2630DBB}"/>
               </a:ext>
             </a:extLst>
           </p:cNvPr>
@@ -1614,7 +1754,7 @@
           <a:bodyPr/>
           <a:lstStyle/>
           <a:p>
-            <a:endParaRPr lang="de-CH"/>
+            <a:endParaRPr lang="en-US"/>
           </a:p>
         </p:txBody>
       </p:sp>
@@ -1623,7 +1763,7 @@
           <p:cNvPr id="6" name="Slide Number Placeholder 5">
             <a:extLst>
               <a:ext uri="{FF2B5EF4-FFF2-40B4-BE49-F238E27FC236}">
-                <a16:creationId xmlns:a16="http://schemas.microsoft.com/office/drawing/2014/main" id="{03E3CB10-4296-4FA3-8C88-1C0EE448B48D}"/>
+                <a16:creationId xmlns:a16="http://schemas.microsoft.com/office/drawing/2014/main" id="{C062BC2F-1342-4494-B16C-D1997AA6AF3E}"/>
               </a:ext>
             </a:extLst>
           </p:cNvPr>
@@ -1639,18 +1779,18 @@
           <a:bodyPr/>
           <a:lstStyle/>
           <a:p>
-            <a:fld id="{2EA6EEE5-689C-4BC6-9E76-23C3E1DD7325}" type="slidenum">
-              <a:rPr lang="de-CH" smtClean="0"/>
+            <a:fld id="{89D20CAF-B330-417C-A2B3-A6265A9E2088}" type="slidenum">
+              <a:rPr lang="en-US" smtClean="0"/>
               <a:t>‹#›</a:t>
             </a:fld>
-            <a:endParaRPr lang="de-CH"/>
+            <a:endParaRPr lang="en-US"/>
           </a:p>
         </p:txBody>
       </p:sp>
     </p:spTree>
     <p:extLst>
       <p:ext uri="{BB962C8B-B14F-4D97-AF65-F5344CB8AC3E}">
-        <p14:creationId xmlns:p14="http://schemas.microsoft.com/office/powerpoint/2010/main" val="4137492644"/>
+        <p14:creationId xmlns:p14="http://schemas.microsoft.com/office/powerpoint/2010/main" val="1011815186"/>
       </p:ext>
     </p:extLst>
   </p:cSld>
@@ -1682,7 +1822,7 @@
           <p:cNvPr id="2" name="Title 1">
             <a:extLst>
               <a:ext uri="{FF2B5EF4-FFF2-40B4-BE49-F238E27FC236}">
-                <a16:creationId xmlns:a16="http://schemas.microsoft.com/office/drawing/2014/main" id="{D36009FA-819C-4A4E-8F86-E55036819AAA}"/>
+                <a16:creationId xmlns:a16="http://schemas.microsoft.com/office/drawing/2014/main" id="{9DC25D45-DE9B-436A-A4CC-699497819F4C}"/>
               </a:ext>
             </a:extLst>
           </p:cNvPr>
@@ -1702,7 +1842,6 @@
               <a:rPr lang="en-US"/>
               <a:t>Click to edit Master title style</a:t>
             </a:r>
-            <a:endParaRPr lang="de-CH"/>
           </a:p>
         </p:txBody>
       </p:sp>
@@ -1711,7 +1850,7 @@
           <p:cNvPr id="3" name="Content Placeholder 2">
             <a:extLst>
               <a:ext uri="{FF2B5EF4-FFF2-40B4-BE49-F238E27FC236}">
-                <a16:creationId xmlns:a16="http://schemas.microsoft.com/office/drawing/2014/main" id="{64556AD7-4FE8-4664-848C-FFB70E65802D}"/>
+                <a16:creationId xmlns:a16="http://schemas.microsoft.com/office/drawing/2014/main" id="{34ACF4F9-CAB9-494F-8E5C-9551561E83A1}"/>
               </a:ext>
             </a:extLst>
           </p:cNvPr>
@@ -1765,7 +1904,6 @@
               <a:rPr lang="en-US"/>
               <a:t>Fifth level</a:t>
             </a:r>
-            <a:endParaRPr lang="de-CH"/>
           </a:p>
         </p:txBody>
       </p:sp>
@@ -1774,7 +1912,7 @@
           <p:cNvPr id="4" name="Content Placeholder 3">
             <a:extLst>
               <a:ext uri="{FF2B5EF4-FFF2-40B4-BE49-F238E27FC236}">
-                <a16:creationId xmlns:a16="http://schemas.microsoft.com/office/drawing/2014/main" id="{EAB997D0-CC06-4186-AC58-547B5ADC2678}"/>
+                <a16:creationId xmlns:a16="http://schemas.microsoft.com/office/drawing/2014/main" id="{C3B229E3-E6D6-40AC-A074-E04DC1551B67}"/>
               </a:ext>
             </a:extLst>
           </p:cNvPr>
@@ -1828,7 +1966,6 @@
               <a:rPr lang="en-US"/>
               <a:t>Fifth level</a:t>
             </a:r>
-            <a:endParaRPr lang="de-CH"/>
           </a:p>
         </p:txBody>
       </p:sp>
@@ -1837,7 +1974,7 @@
           <p:cNvPr id="5" name="Date Placeholder 4">
             <a:extLst>
               <a:ext uri="{FF2B5EF4-FFF2-40B4-BE49-F238E27FC236}">
-                <a16:creationId xmlns:a16="http://schemas.microsoft.com/office/drawing/2014/main" id="{73A3F52E-5F3B-45B3-A486-0F7B5F129B2C}"/>
+                <a16:creationId xmlns:a16="http://schemas.microsoft.com/office/drawing/2014/main" id="{1BE61981-CEAB-4938-9209-1842A11A6257}"/>
               </a:ext>
             </a:extLst>
           </p:cNvPr>
@@ -1853,11 +1990,11 @@
           <a:bodyPr/>
           <a:lstStyle/>
           <a:p>
-            <a:fld id="{C205101A-A054-4A2A-8130-FC8A50C86D4F}" type="datetimeFigureOut">
-              <a:rPr lang="de-CH" smtClean="0"/>
-              <a:t>23.10.2017</a:t>
+            <a:fld id="{0AF5C23E-192E-4BB4-809D-54029D4D2301}" type="datetimeFigureOut">
+              <a:rPr lang="en-US" smtClean="0"/>
+              <a:t>12/11/2017</a:t>
             </a:fld>
-            <a:endParaRPr lang="de-CH"/>
+            <a:endParaRPr lang="en-US"/>
           </a:p>
         </p:txBody>
       </p:sp>
@@ -1866,7 +2003,7 @@
           <p:cNvPr id="6" name="Footer Placeholder 5">
             <a:extLst>
               <a:ext uri="{FF2B5EF4-FFF2-40B4-BE49-F238E27FC236}">
-                <a16:creationId xmlns:a16="http://schemas.microsoft.com/office/drawing/2014/main" id="{D45B2B56-F59D-41EF-87DA-28D118573B05}"/>
+                <a16:creationId xmlns:a16="http://schemas.microsoft.com/office/drawing/2014/main" id="{A1B9B923-A99F-4129-B7AB-838BF5A36585}"/>
               </a:ext>
             </a:extLst>
           </p:cNvPr>
@@ -1882,7 +2019,7 @@
           <a:bodyPr/>
           <a:lstStyle/>
           <a:p>
-            <a:endParaRPr lang="de-CH"/>
+            <a:endParaRPr lang="en-US"/>
           </a:p>
         </p:txBody>
       </p:sp>
@@ -1891,7 +2028,7 @@
           <p:cNvPr id="7" name="Slide Number Placeholder 6">
             <a:extLst>
               <a:ext uri="{FF2B5EF4-FFF2-40B4-BE49-F238E27FC236}">
-                <a16:creationId xmlns:a16="http://schemas.microsoft.com/office/drawing/2014/main" id="{7BB2AFBB-91E4-479A-9E03-3A18E9220CAB}"/>
+                <a16:creationId xmlns:a16="http://schemas.microsoft.com/office/drawing/2014/main" id="{E45B986D-1A5D-4076-A404-E54A343B7048}"/>
               </a:ext>
             </a:extLst>
           </p:cNvPr>
@@ -1907,18 +2044,18 @@
           <a:bodyPr/>
           <a:lstStyle/>
           <a:p>
-            <a:fld id="{2EA6EEE5-689C-4BC6-9E76-23C3E1DD7325}" type="slidenum">
-              <a:rPr lang="de-CH" smtClean="0"/>
+            <a:fld id="{89D20CAF-B330-417C-A2B3-A6265A9E2088}" type="slidenum">
+              <a:rPr lang="en-US" smtClean="0"/>
               <a:t>‹#›</a:t>
             </a:fld>
-            <a:endParaRPr lang="de-CH"/>
+            <a:endParaRPr lang="en-US"/>
           </a:p>
         </p:txBody>
       </p:sp>
     </p:spTree>
     <p:extLst>
       <p:ext uri="{BB962C8B-B14F-4D97-AF65-F5344CB8AC3E}">
-        <p14:creationId xmlns:p14="http://schemas.microsoft.com/office/powerpoint/2010/main" val="518047751"/>
+        <p14:creationId xmlns:p14="http://schemas.microsoft.com/office/powerpoint/2010/main" val="2300996"/>
       </p:ext>
     </p:extLst>
   </p:cSld>
@@ -1950,7 +2087,7 @@
           <p:cNvPr id="2" name="Title 1">
             <a:extLst>
               <a:ext uri="{FF2B5EF4-FFF2-40B4-BE49-F238E27FC236}">
-                <a16:creationId xmlns:a16="http://schemas.microsoft.com/office/drawing/2014/main" id="{463C84EB-2CBA-447D-8A6F-265E38E0FE18}"/>
+                <a16:creationId xmlns:a16="http://schemas.microsoft.com/office/drawing/2014/main" id="{F40E72D5-FAD1-488F-99B8-26FDFC9BEB97}"/>
               </a:ext>
             </a:extLst>
           </p:cNvPr>
@@ -1975,7 +2112,6 @@
               <a:rPr lang="en-US"/>
               <a:t>Click to edit Master title style</a:t>
             </a:r>
-            <a:endParaRPr lang="de-CH"/>
           </a:p>
         </p:txBody>
       </p:sp>
@@ -1984,7 +2120,7 @@
           <p:cNvPr id="3" name="Text Placeholder 2">
             <a:extLst>
               <a:ext uri="{FF2B5EF4-FFF2-40B4-BE49-F238E27FC236}">
-                <a16:creationId xmlns:a16="http://schemas.microsoft.com/office/drawing/2014/main" id="{7C71AB6D-3C80-479C-98B7-59F9D1E85A89}"/>
+                <a16:creationId xmlns:a16="http://schemas.microsoft.com/office/drawing/2014/main" id="{0A6A68BE-FE12-4507-B089-FFE4EFA4CB81}"/>
               </a:ext>
             </a:extLst>
           </p:cNvPr>
@@ -2055,7 +2191,7 @@
           <p:cNvPr id="4" name="Content Placeholder 3">
             <a:extLst>
               <a:ext uri="{FF2B5EF4-FFF2-40B4-BE49-F238E27FC236}">
-                <a16:creationId xmlns:a16="http://schemas.microsoft.com/office/drawing/2014/main" id="{D4461CAF-6676-42DE-9ED4-F68B64BA2D5D}"/>
+                <a16:creationId xmlns:a16="http://schemas.microsoft.com/office/drawing/2014/main" id="{D8CF73DE-658E-4DBD-945A-41F2E1B76B5E}"/>
               </a:ext>
             </a:extLst>
           </p:cNvPr>
@@ -2109,7 +2245,6 @@
               <a:rPr lang="en-US"/>
               <a:t>Fifth level</a:t>
             </a:r>
-            <a:endParaRPr lang="de-CH"/>
           </a:p>
         </p:txBody>
       </p:sp>
@@ -2118,7 +2253,7 @@
           <p:cNvPr id="5" name="Text Placeholder 4">
             <a:extLst>
               <a:ext uri="{FF2B5EF4-FFF2-40B4-BE49-F238E27FC236}">
-                <a16:creationId xmlns:a16="http://schemas.microsoft.com/office/drawing/2014/main" id="{B299EA3A-1503-46D0-9F65-21CAFB88C595}"/>
+                <a16:creationId xmlns:a16="http://schemas.microsoft.com/office/drawing/2014/main" id="{BE6F17F4-7CAB-4C5B-9196-AE5ECB0C61BD}"/>
               </a:ext>
             </a:extLst>
           </p:cNvPr>
@@ -2189,7 +2324,7 @@
           <p:cNvPr id="6" name="Content Placeholder 5">
             <a:extLst>
               <a:ext uri="{FF2B5EF4-FFF2-40B4-BE49-F238E27FC236}">
-                <a16:creationId xmlns:a16="http://schemas.microsoft.com/office/drawing/2014/main" id="{E9FD9E3F-C4A3-4650-9C0C-38935BDCB384}"/>
+                <a16:creationId xmlns:a16="http://schemas.microsoft.com/office/drawing/2014/main" id="{79217265-F854-458D-B8B4-422C8AEC3A67}"/>
               </a:ext>
             </a:extLst>
           </p:cNvPr>
@@ -2243,7 +2378,6 @@
               <a:rPr lang="en-US"/>
               <a:t>Fifth level</a:t>
             </a:r>
-            <a:endParaRPr lang="de-CH"/>
           </a:p>
         </p:txBody>
       </p:sp>
@@ -2252,7 +2386,7 @@
           <p:cNvPr id="7" name="Date Placeholder 6">
             <a:extLst>
               <a:ext uri="{FF2B5EF4-FFF2-40B4-BE49-F238E27FC236}">
-                <a16:creationId xmlns:a16="http://schemas.microsoft.com/office/drawing/2014/main" id="{9CC1DF65-E5D9-47DA-9332-08ECD135053F}"/>
+                <a16:creationId xmlns:a16="http://schemas.microsoft.com/office/drawing/2014/main" id="{744B7781-00C4-4160-B114-F87C40AC21B2}"/>
               </a:ext>
             </a:extLst>
           </p:cNvPr>
@@ -2268,11 +2402,11 @@
           <a:bodyPr/>
           <a:lstStyle/>
           <a:p>
-            <a:fld id="{C205101A-A054-4A2A-8130-FC8A50C86D4F}" type="datetimeFigureOut">
-              <a:rPr lang="de-CH" smtClean="0"/>
-              <a:t>23.10.2017</a:t>
+            <a:fld id="{0AF5C23E-192E-4BB4-809D-54029D4D2301}" type="datetimeFigureOut">
+              <a:rPr lang="en-US" smtClean="0"/>
+              <a:t>12/11/2017</a:t>
             </a:fld>
-            <a:endParaRPr lang="de-CH"/>
+            <a:endParaRPr lang="en-US"/>
           </a:p>
         </p:txBody>
       </p:sp>
@@ -2281,7 +2415,7 @@
           <p:cNvPr id="8" name="Footer Placeholder 7">
             <a:extLst>
               <a:ext uri="{FF2B5EF4-FFF2-40B4-BE49-F238E27FC236}">
-                <a16:creationId xmlns:a16="http://schemas.microsoft.com/office/drawing/2014/main" id="{C2A30243-E447-4057-9891-8BAA6E299C14}"/>
+                <a16:creationId xmlns:a16="http://schemas.microsoft.com/office/drawing/2014/main" id="{BB086004-E841-4D98-8867-69171DF3B577}"/>
               </a:ext>
             </a:extLst>
           </p:cNvPr>
@@ -2297,7 +2431,7 @@
           <a:bodyPr/>
           <a:lstStyle/>
           <a:p>
-            <a:endParaRPr lang="de-CH"/>
+            <a:endParaRPr lang="en-US"/>
           </a:p>
         </p:txBody>
       </p:sp>
@@ -2306,7 +2440,7 @@
           <p:cNvPr id="9" name="Slide Number Placeholder 8">
             <a:extLst>
               <a:ext uri="{FF2B5EF4-FFF2-40B4-BE49-F238E27FC236}">
-                <a16:creationId xmlns:a16="http://schemas.microsoft.com/office/drawing/2014/main" id="{2BB21729-472A-455A-A8AF-A78A53E1D16A}"/>
+                <a16:creationId xmlns:a16="http://schemas.microsoft.com/office/drawing/2014/main" id="{E074FF06-9041-436B-87CA-60932252F8DC}"/>
               </a:ext>
             </a:extLst>
           </p:cNvPr>
@@ -2322,18 +2456,18 @@
           <a:bodyPr/>
           <a:lstStyle/>
           <a:p>
-            <a:fld id="{2EA6EEE5-689C-4BC6-9E76-23C3E1DD7325}" type="slidenum">
-              <a:rPr lang="de-CH" smtClean="0"/>
+            <a:fld id="{89D20CAF-B330-417C-A2B3-A6265A9E2088}" type="slidenum">
+              <a:rPr lang="en-US" smtClean="0"/>
               <a:t>‹#›</a:t>
             </a:fld>
-            <a:endParaRPr lang="de-CH"/>
+            <a:endParaRPr lang="en-US"/>
           </a:p>
         </p:txBody>
       </p:sp>
     </p:spTree>
     <p:extLst>
       <p:ext uri="{BB962C8B-B14F-4D97-AF65-F5344CB8AC3E}">
-        <p14:creationId xmlns:p14="http://schemas.microsoft.com/office/powerpoint/2010/main" val="3400366827"/>
+        <p14:creationId xmlns:p14="http://schemas.microsoft.com/office/powerpoint/2010/main" val="1442085674"/>
       </p:ext>
     </p:extLst>
   </p:cSld>
@@ -2365,7 +2499,7 @@
           <p:cNvPr id="2" name="Title 1">
             <a:extLst>
               <a:ext uri="{FF2B5EF4-FFF2-40B4-BE49-F238E27FC236}">
-                <a16:creationId xmlns:a16="http://schemas.microsoft.com/office/drawing/2014/main" id="{BD10D022-B203-4276-BFC8-E121ABE6DD6F}"/>
+                <a16:creationId xmlns:a16="http://schemas.microsoft.com/office/drawing/2014/main" id="{3FFA6E28-AC51-4DD3-9BCB-7377FD1FA742}"/>
               </a:ext>
             </a:extLst>
           </p:cNvPr>
@@ -2385,7 +2519,6 @@
               <a:rPr lang="en-US"/>
               <a:t>Click to edit Master title style</a:t>
             </a:r>
-            <a:endParaRPr lang="de-CH"/>
           </a:p>
         </p:txBody>
       </p:sp>
@@ -2394,7 +2527,7 @@
           <p:cNvPr id="3" name="Date Placeholder 2">
             <a:extLst>
               <a:ext uri="{FF2B5EF4-FFF2-40B4-BE49-F238E27FC236}">
-                <a16:creationId xmlns:a16="http://schemas.microsoft.com/office/drawing/2014/main" id="{BABC1C5C-163E-40D5-82B6-DF173A26DF9D}"/>
+                <a16:creationId xmlns:a16="http://schemas.microsoft.com/office/drawing/2014/main" id="{1E093790-1676-422C-BEA6-1258BDD545EE}"/>
               </a:ext>
             </a:extLst>
           </p:cNvPr>
@@ -2410,11 +2543,11 @@
           <a:bodyPr/>
           <a:lstStyle/>
           <a:p>
-            <a:fld id="{C205101A-A054-4A2A-8130-FC8A50C86D4F}" type="datetimeFigureOut">
-              <a:rPr lang="de-CH" smtClean="0"/>
-              <a:t>23.10.2017</a:t>
+            <a:fld id="{0AF5C23E-192E-4BB4-809D-54029D4D2301}" type="datetimeFigureOut">
+              <a:rPr lang="en-US" smtClean="0"/>
+              <a:t>12/11/2017</a:t>
             </a:fld>
-            <a:endParaRPr lang="de-CH"/>
+            <a:endParaRPr lang="en-US"/>
           </a:p>
         </p:txBody>
       </p:sp>
@@ -2423,7 +2556,7 @@
           <p:cNvPr id="4" name="Footer Placeholder 3">
             <a:extLst>
               <a:ext uri="{FF2B5EF4-FFF2-40B4-BE49-F238E27FC236}">
-                <a16:creationId xmlns:a16="http://schemas.microsoft.com/office/drawing/2014/main" id="{570CE743-7EE8-4E3E-BC46-EF813CF47C80}"/>
+                <a16:creationId xmlns:a16="http://schemas.microsoft.com/office/drawing/2014/main" id="{B551BCD6-324A-4A83-BDD2-D96A3F85ECC8}"/>
               </a:ext>
             </a:extLst>
           </p:cNvPr>
@@ -2439,7 +2572,7 @@
           <a:bodyPr/>
           <a:lstStyle/>
           <a:p>
-            <a:endParaRPr lang="de-CH"/>
+            <a:endParaRPr lang="en-US"/>
           </a:p>
         </p:txBody>
       </p:sp>
@@ -2448,7 +2581,7 @@
           <p:cNvPr id="5" name="Slide Number Placeholder 4">
             <a:extLst>
               <a:ext uri="{FF2B5EF4-FFF2-40B4-BE49-F238E27FC236}">
-                <a16:creationId xmlns:a16="http://schemas.microsoft.com/office/drawing/2014/main" id="{F9E0D417-C1D9-4BB3-A6E8-0052039A1CBF}"/>
+                <a16:creationId xmlns:a16="http://schemas.microsoft.com/office/drawing/2014/main" id="{68B53633-D664-450A-8DE9-2AE58676E2E2}"/>
               </a:ext>
             </a:extLst>
           </p:cNvPr>
@@ -2464,18 +2597,18 @@
           <a:bodyPr/>
           <a:lstStyle/>
           <a:p>
-            <a:fld id="{2EA6EEE5-689C-4BC6-9E76-23C3E1DD7325}" type="slidenum">
-              <a:rPr lang="de-CH" smtClean="0"/>
+            <a:fld id="{89D20CAF-B330-417C-A2B3-A6265A9E2088}" type="slidenum">
+              <a:rPr lang="en-US" smtClean="0"/>
               <a:t>‹#›</a:t>
             </a:fld>
-            <a:endParaRPr lang="de-CH"/>
+            <a:endParaRPr lang="en-US"/>
           </a:p>
         </p:txBody>
       </p:sp>
     </p:spTree>
     <p:extLst>
       <p:ext uri="{BB962C8B-B14F-4D97-AF65-F5344CB8AC3E}">
-        <p14:creationId xmlns:p14="http://schemas.microsoft.com/office/powerpoint/2010/main" val="1512626133"/>
+        <p14:creationId xmlns:p14="http://schemas.microsoft.com/office/powerpoint/2010/main" val="2478836878"/>
       </p:ext>
     </p:extLst>
   </p:cSld>
@@ -2507,7 +2640,7 @@
           <p:cNvPr id="2" name="Date Placeholder 1">
             <a:extLst>
               <a:ext uri="{FF2B5EF4-FFF2-40B4-BE49-F238E27FC236}">
-                <a16:creationId xmlns:a16="http://schemas.microsoft.com/office/drawing/2014/main" id="{E13AC583-275B-4AAF-89A1-4EBEE23EAAEF}"/>
+                <a16:creationId xmlns:a16="http://schemas.microsoft.com/office/drawing/2014/main" id="{45BAA21B-D2EB-4BE6-8DD3-D3726B7C8BCF}"/>
               </a:ext>
             </a:extLst>
           </p:cNvPr>
@@ -2523,11 +2656,11 @@
           <a:bodyPr/>
           <a:lstStyle/>
           <a:p>
-            <a:fld id="{C205101A-A054-4A2A-8130-FC8A50C86D4F}" type="datetimeFigureOut">
-              <a:rPr lang="de-CH" smtClean="0"/>
-              <a:t>23.10.2017</a:t>
+            <a:fld id="{0AF5C23E-192E-4BB4-809D-54029D4D2301}" type="datetimeFigureOut">
+              <a:rPr lang="en-US" smtClean="0"/>
+              <a:t>12/11/2017</a:t>
             </a:fld>
-            <a:endParaRPr lang="de-CH"/>
+            <a:endParaRPr lang="en-US"/>
           </a:p>
         </p:txBody>
       </p:sp>
@@ -2536,7 +2669,7 @@
           <p:cNvPr id="3" name="Footer Placeholder 2">
             <a:extLst>
               <a:ext uri="{FF2B5EF4-FFF2-40B4-BE49-F238E27FC236}">
-                <a16:creationId xmlns:a16="http://schemas.microsoft.com/office/drawing/2014/main" id="{4DD82E44-CA99-4C42-A535-182E20344054}"/>
+                <a16:creationId xmlns:a16="http://schemas.microsoft.com/office/drawing/2014/main" id="{0F96F284-28FF-4998-B438-E5A3B713752B}"/>
               </a:ext>
             </a:extLst>
           </p:cNvPr>
@@ -2552,7 +2685,7 @@
           <a:bodyPr/>
           <a:lstStyle/>
           <a:p>
-            <a:endParaRPr lang="de-CH"/>
+            <a:endParaRPr lang="en-US"/>
           </a:p>
         </p:txBody>
       </p:sp>
@@ -2561,7 +2694,7 @@
           <p:cNvPr id="4" name="Slide Number Placeholder 3">
             <a:extLst>
               <a:ext uri="{FF2B5EF4-FFF2-40B4-BE49-F238E27FC236}">
-                <a16:creationId xmlns:a16="http://schemas.microsoft.com/office/drawing/2014/main" id="{31C6919F-6934-446D-B4DE-36BFCA1AC560}"/>
+                <a16:creationId xmlns:a16="http://schemas.microsoft.com/office/drawing/2014/main" id="{133AD6DC-9763-4FA8-8717-38EA05DD4BF4}"/>
               </a:ext>
             </a:extLst>
           </p:cNvPr>
@@ -2577,18 +2710,18 @@
           <a:bodyPr/>
           <a:lstStyle/>
           <a:p>
-            <a:fld id="{2EA6EEE5-689C-4BC6-9E76-23C3E1DD7325}" type="slidenum">
-              <a:rPr lang="de-CH" smtClean="0"/>
+            <a:fld id="{89D20CAF-B330-417C-A2B3-A6265A9E2088}" type="slidenum">
+              <a:rPr lang="en-US" smtClean="0"/>
               <a:t>‹#›</a:t>
             </a:fld>
-            <a:endParaRPr lang="de-CH"/>
+            <a:endParaRPr lang="en-US"/>
           </a:p>
         </p:txBody>
       </p:sp>
     </p:spTree>
     <p:extLst>
       <p:ext uri="{BB962C8B-B14F-4D97-AF65-F5344CB8AC3E}">
-        <p14:creationId xmlns:p14="http://schemas.microsoft.com/office/powerpoint/2010/main" val="3375999992"/>
+        <p14:creationId xmlns:p14="http://schemas.microsoft.com/office/powerpoint/2010/main" val="3973054952"/>
       </p:ext>
     </p:extLst>
   </p:cSld>
@@ -2620,7 +2753,7 @@
           <p:cNvPr id="2" name="Title 1">
             <a:extLst>
               <a:ext uri="{FF2B5EF4-FFF2-40B4-BE49-F238E27FC236}">
-                <a16:creationId xmlns:a16="http://schemas.microsoft.com/office/drawing/2014/main" id="{D7975EF7-432C-4DD6-9883-E33EAE6C0567}"/>
+                <a16:creationId xmlns:a16="http://schemas.microsoft.com/office/drawing/2014/main" id="{178F9428-0FE4-430A-9E9D-896912E9A9B9}"/>
               </a:ext>
             </a:extLst>
           </p:cNvPr>
@@ -2649,7 +2782,6 @@
               <a:rPr lang="en-US"/>
               <a:t>Click to edit Master title style</a:t>
             </a:r>
-            <a:endParaRPr lang="de-CH"/>
           </a:p>
         </p:txBody>
       </p:sp>
@@ -2658,7 +2790,7 @@
           <p:cNvPr id="3" name="Content Placeholder 2">
             <a:extLst>
               <a:ext uri="{FF2B5EF4-FFF2-40B4-BE49-F238E27FC236}">
-                <a16:creationId xmlns:a16="http://schemas.microsoft.com/office/drawing/2014/main" id="{0CB76628-837D-4829-ADA1-3C35AF57DEE4}"/>
+                <a16:creationId xmlns:a16="http://schemas.microsoft.com/office/drawing/2014/main" id="{9625248F-8CC1-4A10-BF05-A744BFA67981}"/>
               </a:ext>
             </a:extLst>
           </p:cNvPr>
@@ -2740,7 +2872,6 @@
               <a:rPr lang="en-US"/>
               <a:t>Fifth level</a:t>
             </a:r>
-            <a:endParaRPr lang="de-CH"/>
           </a:p>
         </p:txBody>
       </p:sp>
@@ -2749,7 +2880,7 @@
           <p:cNvPr id="4" name="Text Placeholder 3">
             <a:extLst>
               <a:ext uri="{FF2B5EF4-FFF2-40B4-BE49-F238E27FC236}">
-                <a16:creationId xmlns:a16="http://schemas.microsoft.com/office/drawing/2014/main" id="{6BACFFCA-3178-40DC-BAFB-68AF025D7A9D}"/>
+                <a16:creationId xmlns:a16="http://schemas.microsoft.com/office/drawing/2014/main" id="{7D49BEE4-B39F-4B43-B6A9-A5ECDE1DB00D}"/>
               </a:ext>
             </a:extLst>
           </p:cNvPr>
@@ -2820,7 +2951,7 @@
           <p:cNvPr id="5" name="Date Placeholder 4">
             <a:extLst>
               <a:ext uri="{FF2B5EF4-FFF2-40B4-BE49-F238E27FC236}">
-                <a16:creationId xmlns:a16="http://schemas.microsoft.com/office/drawing/2014/main" id="{4283E879-6832-4CAE-A9DE-8EFAA68C94D1}"/>
+                <a16:creationId xmlns:a16="http://schemas.microsoft.com/office/drawing/2014/main" id="{10AF8589-564A-4B28-A2A5-5A6B52C3EB71}"/>
               </a:ext>
             </a:extLst>
           </p:cNvPr>
@@ -2836,11 +2967,11 @@
           <a:bodyPr/>
           <a:lstStyle/>
           <a:p>
-            <a:fld id="{C205101A-A054-4A2A-8130-FC8A50C86D4F}" type="datetimeFigureOut">
-              <a:rPr lang="de-CH" smtClean="0"/>
-              <a:t>23.10.2017</a:t>
+            <a:fld id="{0AF5C23E-192E-4BB4-809D-54029D4D2301}" type="datetimeFigureOut">
+              <a:rPr lang="en-US" smtClean="0"/>
+              <a:t>12/11/2017</a:t>
             </a:fld>
-            <a:endParaRPr lang="de-CH"/>
+            <a:endParaRPr lang="en-US"/>
           </a:p>
         </p:txBody>
       </p:sp>
@@ -2849,7 +2980,7 @@
           <p:cNvPr id="6" name="Footer Placeholder 5">
             <a:extLst>
               <a:ext uri="{FF2B5EF4-FFF2-40B4-BE49-F238E27FC236}">
-                <a16:creationId xmlns:a16="http://schemas.microsoft.com/office/drawing/2014/main" id="{A9A5DBB3-12CC-4CC2-B9FD-277134A9DE61}"/>
+                <a16:creationId xmlns:a16="http://schemas.microsoft.com/office/drawing/2014/main" id="{AB58A70A-E4A7-433F-A179-7121409A2CB0}"/>
               </a:ext>
             </a:extLst>
           </p:cNvPr>
@@ -2865,7 +2996,7 @@
           <a:bodyPr/>
           <a:lstStyle/>
           <a:p>
-            <a:endParaRPr lang="de-CH"/>
+            <a:endParaRPr lang="en-US"/>
           </a:p>
         </p:txBody>
       </p:sp>
@@ -2874,7 +3005,7 @@
           <p:cNvPr id="7" name="Slide Number Placeholder 6">
             <a:extLst>
               <a:ext uri="{FF2B5EF4-FFF2-40B4-BE49-F238E27FC236}">
-                <a16:creationId xmlns:a16="http://schemas.microsoft.com/office/drawing/2014/main" id="{36ECBBE6-18EE-4B2D-8D58-1F0EE72AAD1D}"/>
+                <a16:creationId xmlns:a16="http://schemas.microsoft.com/office/drawing/2014/main" id="{C717FACC-1D25-4D15-9447-93DD31E3D0E7}"/>
               </a:ext>
             </a:extLst>
           </p:cNvPr>
@@ -2890,18 +3021,18 @@
           <a:bodyPr/>
           <a:lstStyle/>
           <a:p>
-            <a:fld id="{2EA6EEE5-689C-4BC6-9E76-23C3E1DD7325}" type="slidenum">
-              <a:rPr lang="de-CH" smtClean="0"/>
+            <a:fld id="{89D20CAF-B330-417C-A2B3-A6265A9E2088}" type="slidenum">
+              <a:rPr lang="en-US" smtClean="0"/>
               <a:t>‹#›</a:t>
             </a:fld>
-            <a:endParaRPr lang="de-CH"/>
+            <a:endParaRPr lang="en-US"/>
           </a:p>
         </p:txBody>
       </p:sp>
     </p:spTree>
     <p:extLst>
       <p:ext uri="{BB962C8B-B14F-4D97-AF65-F5344CB8AC3E}">
-        <p14:creationId xmlns:p14="http://schemas.microsoft.com/office/powerpoint/2010/main" val="2807325884"/>
+        <p14:creationId xmlns:p14="http://schemas.microsoft.com/office/powerpoint/2010/main" val="401665182"/>
       </p:ext>
     </p:extLst>
   </p:cSld>
@@ -2933,7 +3064,7 @@
           <p:cNvPr id="2" name="Title 1">
             <a:extLst>
               <a:ext uri="{FF2B5EF4-FFF2-40B4-BE49-F238E27FC236}">
-                <a16:creationId xmlns:a16="http://schemas.microsoft.com/office/drawing/2014/main" id="{9CB809AD-246E-431A-81FF-825D7DB0F6A8}"/>
+                <a16:creationId xmlns:a16="http://schemas.microsoft.com/office/drawing/2014/main" id="{E6FC9688-C833-4B5D-9B8F-E95FB119B5EE}"/>
               </a:ext>
             </a:extLst>
           </p:cNvPr>
@@ -2962,7 +3093,6 @@
               <a:rPr lang="en-US"/>
               <a:t>Click to edit Master title style</a:t>
             </a:r>
-            <a:endParaRPr lang="de-CH"/>
           </a:p>
         </p:txBody>
       </p:sp>
@@ -2971,7 +3101,7 @@
           <p:cNvPr id="3" name="Picture Placeholder 2">
             <a:extLst>
               <a:ext uri="{FF2B5EF4-FFF2-40B4-BE49-F238E27FC236}">
-                <a16:creationId xmlns:a16="http://schemas.microsoft.com/office/drawing/2014/main" id="{D0B7D7B6-5F85-4FD4-A325-E0E635B260AD}"/>
+                <a16:creationId xmlns:a16="http://schemas.microsoft.com/office/drawing/2014/main" id="{0DD2A1B5-09B0-49CD-81AA-8C6E01E218A2}"/>
               </a:ext>
             </a:extLst>
           </p:cNvPr>
@@ -3029,7 +3159,7 @@
             </a:lvl9pPr>
           </a:lstStyle>
           <a:p>
-            <a:endParaRPr lang="de-CH"/>
+            <a:endParaRPr lang="en-US"/>
           </a:p>
         </p:txBody>
       </p:sp>
@@ -3038,7 +3168,7 @@
           <p:cNvPr id="4" name="Text Placeholder 3">
             <a:extLst>
               <a:ext uri="{FF2B5EF4-FFF2-40B4-BE49-F238E27FC236}">
-                <a16:creationId xmlns:a16="http://schemas.microsoft.com/office/drawing/2014/main" id="{5C6A5F67-9713-4F49-8B22-CCA5F1651A9E}"/>
+                <a16:creationId xmlns:a16="http://schemas.microsoft.com/office/drawing/2014/main" id="{6AB51312-B16F-4912-85D8-23458F603D81}"/>
               </a:ext>
             </a:extLst>
           </p:cNvPr>
@@ -3109,7 +3239,7 @@
           <p:cNvPr id="5" name="Date Placeholder 4">
             <a:extLst>
               <a:ext uri="{FF2B5EF4-FFF2-40B4-BE49-F238E27FC236}">
-                <a16:creationId xmlns:a16="http://schemas.microsoft.com/office/drawing/2014/main" id="{10CD5084-3405-413E-BEBA-32CC4B84FC11}"/>
+                <a16:creationId xmlns:a16="http://schemas.microsoft.com/office/drawing/2014/main" id="{7943BD27-193A-44C5-A0E4-18B016A123CE}"/>
               </a:ext>
             </a:extLst>
           </p:cNvPr>
@@ -3125,11 +3255,11 @@
           <a:bodyPr/>
           <a:lstStyle/>
           <a:p>
-            <a:fld id="{C205101A-A054-4A2A-8130-FC8A50C86D4F}" type="datetimeFigureOut">
-              <a:rPr lang="de-CH" smtClean="0"/>
-              <a:t>23.10.2017</a:t>
+            <a:fld id="{0AF5C23E-192E-4BB4-809D-54029D4D2301}" type="datetimeFigureOut">
+              <a:rPr lang="en-US" smtClean="0"/>
+              <a:t>12/11/2017</a:t>
             </a:fld>
-            <a:endParaRPr lang="de-CH"/>
+            <a:endParaRPr lang="en-US"/>
           </a:p>
         </p:txBody>
       </p:sp>
@@ -3138,7 +3268,7 @@
           <p:cNvPr id="6" name="Footer Placeholder 5">
             <a:extLst>
               <a:ext uri="{FF2B5EF4-FFF2-40B4-BE49-F238E27FC236}">
-                <a16:creationId xmlns:a16="http://schemas.microsoft.com/office/drawing/2014/main" id="{F8D16517-92B1-4670-8B9C-EC7E7F7CC980}"/>
+                <a16:creationId xmlns:a16="http://schemas.microsoft.com/office/drawing/2014/main" id="{84026250-E9DC-48B3-8F8D-B9705C9B7EDF}"/>
               </a:ext>
             </a:extLst>
           </p:cNvPr>
@@ -3154,7 +3284,7 @@
           <a:bodyPr/>
           <a:lstStyle/>
           <a:p>
-            <a:endParaRPr lang="de-CH"/>
+            <a:endParaRPr lang="en-US"/>
           </a:p>
         </p:txBody>
       </p:sp>
@@ -3163,7 +3293,7 @@
           <p:cNvPr id="7" name="Slide Number Placeholder 6">
             <a:extLst>
               <a:ext uri="{FF2B5EF4-FFF2-40B4-BE49-F238E27FC236}">
-                <a16:creationId xmlns:a16="http://schemas.microsoft.com/office/drawing/2014/main" id="{B085AF3A-34EB-4C82-AFE7-D46F96E743D1}"/>
+                <a16:creationId xmlns:a16="http://schemas.microsoft.com/office/drawing/2014/main" id="{E0D5FF77-3081-49C5-940C-4E33CEAADF27}"/>
               </a:ext>
             </a:extLst>
           </p:cNvPr>
@@ -3179,18 +3309,18 @@
           <a:bodyPr/>
           <a:lstStyle/>
           <a:p>
-            <a:fld id="{2EA6EEE5-689C-4BC6-9E76-23C3E1DD7325}" type="slidenum">
-              <a:rPr lang="de-CH" smtClean="0"/>
+            <a:fld id="{89D20CAF-B330-417C-A2B3-A6265A9E2088}" type="slidenum">
+              <a:rPr lang="en-US" smtClean="0"/>
               <a:t>‹#›</a:t>
             </a:fld>
-            <a:endParaRPr lang="de-CH"/>
+            <a:endParaRPr lang="en-US"/>
           </a:p>
         </p:txBody>
       </p:sp>
     </p:spTree>
     <p:extLst>
       <p:ext uri="{BB962C8B-B14F-4D97-AF65-F5344CB8AC3E}">
-        <p14:creationId xmlns:p14="http://schemas.microsoft.com/office/powerpoint/2010/main" val="2822706678"/>
+        <p14:creationId xmlns:p14="http://schemas.microsoft.com/office/powerpoint/2010/main" val="3541966097"/>
       </p:ext>
     </p:extLst>
   </p:cSld>
@@ -3227,7 +3357,7 @@
           <p:cNvPr id="2" name="Title Placeholder 1">
             <a:extLst>
               <a:ext uri="{FF2B5EF4-FFF2-40B4-BE49-F238E27FC236}">
-                <a16:creationId xmlns:a16="http://schemas.microsoft.com/office/drawing/2014/main" id="{2B5575FF-0978-4AB7-90CA-ACDCE77A1C59}"/>
+                <a16:creationId xmlns:a16="http://schemas.microsoft.com/office/drawing/2014/main" id="{41AA2500-3F68-4C8C-AED3-C0A1A24860E2}"/>
               </a:ext>
             </a:extLst>
           </p:cNvPr>
@@ -3257,7 +3387,6 @@
               <a:rPr lang="en-US"/>
               <a:t>Click to edit Master title style</a:t>
             </a:r>
-            <a:endParaRPr lang="de-CH"/>
           </a:p>
         </p:txBody>
       </p:sp>
@@ -3266,7 +3395,7 @@
           <p:cNvPr id="3" name="Text Placeholder 2">
             <a:extLst>
               <a:ext uri="{FF2B5EF4-FFF2-40B4-BE49-F238E27FC236}">
-                <a16:creationId xmlns:a16="http://schemas.microsoft.com/office/drawing/2014/main" id="{9E98DC4A-EC16-42E2-89EE-B7CE50004F91}"/>
+                <a16:creationId xmlns:a16="http://schemas.microsoft.com/office/drawing/2014/main" id="{19C66F16-4AC9-4756-A2F4-C57B908B2E3E}"/>
               </a:ext>
             </a:extLst>
           </p:cNvPr>
@@ -3325,7 +3454,6 @@
               <a:rPr lang="en-US"/>
               <a:t>Fifth level</a:t>
             </a:r>
-            <a:endParaRPr lang="de-CH"/>
           </a:p>
         </p:txBody>
       </p:sp>
@@ -3334,7 +3462,7 @@
           <p:cNvPr id="4" name="Date Placeholder 3">
             <a:extLst>
               <a:ext uri="{FF2B5EF4-FFF2-40B4-BE49-F238E27FC236}">
-                <a16:creationId xmlns:a16="http://schemas.microsoft.com/office/drawing/2014/main" id="{B76A4C44-3D9D-4528-9A5A-2AD7792F4337}"/>
+                <a16:creationId xmlns:a16="http://schemas.microsoft.com/office/drawing/2014/main" id="{F0789833-4CA8-4D35-A00D-3F7AAC9BD78D}"/>
               </a:ext>
             </a:extLst>
           </p:cNvPr>
@@ -3368,11 +3496,11 @@
             </a:lvl1pPr>
           </a:lstStyle>
           <a:p>
-            <a:fld id="{C205101A-A054-4A2A-8130-FC8A50C86D4F}" type="datetimeFigureOut">
-              <a:rPr lang="de-CH" smtClean="0"/>
-              <a:t>23.10.2017</a:t>
+            <a:fld id="{0AF5C23E-192E-4BB4-809D-54029D4D2301}" type="datetimeFigureOut">
+              <a:rPr lang="en-US" smtClean="0"/>
+              <a:t>12/11/2017</a:t>
             </a:fld>
-            <a:endParaRPr lang="de-CH"/>
+            <a:endParaRPr lang="en-US"/>
           </a:p>
         </p:txBody>
       </p:sp>
@@ -3381,7 +3509,7 @@
           <p:cNvPr id="5" name="Footer Placeholder 4">
             <a:extLst>
               <a:ext uri="{FF2B5EF4-FFF2-40B4-BE49-F238E27FC236}">
-                <a16:creationId xmlns:a16="http://schemas.microsoft.com/office/drawing/2014/main" id="{66A14187-4853-4378-8E67-CB9DF9BEE186}"/>
+                <a16:creationId xmlns:a16="http://schemas.microsoft.com/office/drawing/2014/main" id="{1BBCAE64-BFB3-42AC-A541-351D9B7C48A5}"/>
               </a:ext>
             </a:extLst>
           </p:cNvPr>
@@ -3415,7 +3543,7 @@
             </a:lvl1pPr>
           </a:lstStyle>
           <a:p>
-            <a:endParaRPr lang="de-CH"/>
+            <a:endParaRPr lang="en-US"/>
           </a:p>
         </p:txBody>
       </p:sp>
@@ -3424,7 +3552,7 @@
           <p:cNvPr id="6" name="Slide Number Placeholder 5">
             <a:extLst>
               <a:ext uri="{FF2B5EF4-FFF2-40B4-BE49-F238E27FC236}">
-                <a16:creationId xmlns:a16="http://schemas.microsoft.com/office/drawing/2014/main" id="{C1513A6E-5958-4454-83D1-047811C45A8A}"/>
+                <a16:creationId xmlns:a16="http://schemas.microsoft.com/office/drawing/2014/main" id="{AF27E8E3-A49D-42D0-8BC1-824350F3E43D}"/>
               </a:ext>
             </a:extLst>
           </p:cNvPr>
@@ -3458,34 +3586,35 @@
             </a:lvl1pPr>
           </a:lstStyle>
           <a:p>
-            <a:fld id="{2EA6EEE5-689C-4BC6-9E76-23C3E1DD7325}" type="slidenum">
-              <a:rPr lang="de-CH" smtClean="0"/>
+            <a:fld id="{89D20CAF-B330-417C-A2B3-A6265A9E2088}" type="slidenum">
+              <a:rPr lang="en-US" smtClean="0"/>
               <a:t>‹#›</a:t>
             </a:fld>
-            <a:endParaRPr lang="de-CH"/>
+            <a:endParaRPr lang="en-US"/>
           </a:p>
         </p:txBody>
       </p:sp>
     </p:spTree>
     <p:extLst>
       <p:ext uri="{BB962C8B-B14F-4D97-AF65-F5344CB8AC3E}">
-        <p14:creationId xmlns:p14="http://schemas.microsoft.com/office/powerpoint/2010/main" val="1035707417"/>
+        <p14:creationId xmlns:p14="http://schemas.microsoft.com/office/powerpoint/2010/main" val="3194709288"/>
       </p:ext>
     </p:extLst>
   </p:cSld>
   <p:clrMap bg1="lt1" tx1="dk1" bg2="lt2" tx2="dk2" accent1="accent1" accent2="accent2" accent3="accent3" accent4="accent4" accent5="accent5" accent6="accent6" hlink="hlink" folHlink="folHlink"/>
   <p:sldLayoutIdLst>
-    <p:sldLayoutId id="2147483649" r:id="rId1"/>
-    <p:sldLayoutId id="2147483650" r:id="rId2"/>
-    <p:sldLayoutId id="2147483651" r:id="rId3"/>
-    <p:sldLayoutId id="2147483652" r:id="rId4"/>
-    <p:sldLayoutId id="2147483653" r:id="rId5"/>
-    <p:sldLayoutId id="2147483654" r:id="rId6"/>
-    <p:sldLayoutId id="2147483655" r:id="rId7"/>
-    <p:sldLayoutId id="2147483656" r:id="rId8"/>
-    <p:sldLayoutId id="2147483657" r:id="rId9"/>
-    <p:sldLayoutId id="2147483658" r:id="rId10"/>
-    <p:sldLayoutId id="2147483659" r:id="rId11"/>
+    <p:sldLayoutId id="2147483761" r:id="rId1"/>
+    <p:sldLayoutId id="2147483762" r:id="rId2"/>
+    <p:sldLayoutId id="2147483763" r:id="rId3"/>
+    <p:sldLayoutId id="2147483764" r:id="rId4"/>
+    <p:sldLayoutId id="2147483765" r:id="rId5"/>
+    <p:sldLayoutId id="2147483766" r:id="rId6"/>
+    <p:sldLayoutId id="2147483767" r:id="rId7"/>
+    <p:sldLayoutId id="2147483768" r:id="rId8"/>
+    <p:sldLayoutId id="2147483769" r:id="rId9"/>
+    <p:sldLayoutId id="2147483770" r:id="rId10"/>
+    <p:sldLayoutId id="2147483771" r:id="rId11"/>
+    <p:sldLayoutId id="2147483772" r:id="rId12"/>
   </p:sldLayoutIdLst>
   <p:txStyles>
     <p:titleStyle>
@@ -3673,7 +3802,7 @@
     </p:bodyStyle>
     <p:otherStyle>
       <a:defPPr>
-        <a:defRPr lang="de-DE"/>
+        <a:defRPr lang="en-US"/>
       </a:defPPr>
       <a:lvl1pPr marL="0" algn="l" defTabSz="914400" rtl="0" eaLnBrk="1" latinLnBrk="0" hangingPunct="1">
         <a:defRPr sz="1800" kern="1200">
@@ -3789,10 +3918,10 @@
       </p:grpSpPr>
       <p:sp>
         <p:nvSpPr>
-          <p:cNvPr id="26" name="Rectangle 25">
-            <a:extLst>
-              <a:ext uri="{FF2B5EF4-FFF2-40B4-BE49-F238E27FC236}">
-                <a16:creationId xmlns:a16="http://schemas.microsoft.com/office/drawing/2014/main" id="{2E7F5B3D-9E4E-4744-8849-CAE58B950CAE}"/>
+          <p:cNvPr id="53" name="Rectangle 52">
+            <a:extLst>
+              <a:ext uri="{FF2B5EF4-FFF2-40B4-BE49-F238E27FC236}">
+                <a16:creationId xmlns:a16="http://schemas.microsoft.com/office/drawing/2014/main" id="{D29B9A3D-AD06-4051-89D7-4D50558AB60D}"/>
               </a:ext>
             </a:extLst>
           </p:cNvPr>
@@ -3801,17 +3930,14 @@
         </p:nvSpPr>
         <p:spPr>
           <a:xfrm>
-            <a:off x="3471695" y="1805254"/>
-            <a:ext cx="3569682" cy="4072085"/>
+            <a:off x="488748" y="2370887"/>
+            <a:ext cx="1554480" cy="1539240"/>
           </a:xfrm>
           <a:prstGeom prst="rect">
             <a:avLst/>
           </a:prstGeom>
           <a:solidFill>
-            <a:schemeClr val="tx2">
-              <a:lumMod val="20000"/>
-              <a:lumOff val="80000"/>
-            </a:schemeClr>
+            <a:schemeClr val="bg1"/>
           </a:solidFill>
         </p:spPr>
         <p:style>
@@ -3841,10 +3967,10 @@
       </p:sp>
       <p:sp>
         <p:nvSpPr>
-          <p:cNvPr id="81" name="Rectangle 80">
-            <a:extLst>
-              <a:ext uri="{FF2B5EF4-FFF2-40B4-BE49-F238E27FC236}">
-                <a16:creationId xmlns:a16="http://schemas.microsoft.com/office/drawing/2014/main" id="{EDCD11AC-AF15-47E2-B945-FBB0651BA5C4}"/>
+          <p:cNvPr id="52" name="Rectangle 51">
+            <a:extLst>
+              <a:ext uri="{FF2B5EF4-FFF2-40B4-BE49-F238E27FC236}">
+                <a16:creationId xmlns:a16="http://schemas.microsoft.com/office/drawing/2014/main" id="{F3DEE846-F738-4457-82B2-CEA27A14A121}"/>
               </a:ext>
             </a:extLst>
           </p:cNvPr>
@@ -3853,19 +3979,15 @@
         </p:nvSpPr>
         <p:spPr>
           <a:xfrm>
-            <a:off x="624839" y="1872109"/>
-            <a:ext cx="4656107" cy="1648131"/>
+            <a:off x="600556" y="2504620"/>
+            <a:ext cx="1554480" cy="1539240"/>
           </a:xfrm>
           <a:prstGeom prst="rect">
             <a:avLst/>
           </a:prstGeom>
-          <a:noFill/>
-          <a:ln>
-            <a:solidFill>
-              <a:srgbClr val="FFC000"/>
-            </a:solidFill>
-            <a:prstDash val="sysDash"/>
-          </a:ln>
+          <a:solidFill>
+            <a:schemeClr val="bg1"/>
+          </a:solidFill>
         </p:spPr>
         <p:style>
           <a:lnRef idx="2">
@@ -3894,10 +4016,10 @@
       </p:sp>
       <p:sp>
         <p:nvSpPr>
-          <p:cNvPr id="40" name="Rectangle 39">
-            <a:extLst>
-              <a:ext uri="{FF2B5EF4-FFF2-40B4-BE49-F238E27FC236}">
-                <a16:creationId xmlns:a16="http://schemas.microsoft.com/office/drawing/2014/main" id="{7235C9F7-EF6A-4062-9EEC-C66CFF34AC12}"/>
+          <p:cNvPr id="32" name="Rectangle 31">
+            <a:extLst>
+              <a:ext uri="{FF2B5EF4-FFF2-40B4-BE49-F238E27FC236}">
+                <a16:creationId xmlns:a16="http://schemas.microsoft.com/office/drawing/2014/main" id="{06A06DFF-137B-44DB-9C29-FBE4D4E95B2C}"/>
               </a:ext>
             </a:extLst>
           </p:cNvPr>
@@ -3906,17 +4028,14 @@
         </p:nvSpPr>
         <p:spPr>
           <a:xfrm>
-            <a:off x="7885963" y="1797214"/>
-            <a:ext cx="1821917" cy="2246885"/>
+            <a:off x="724188" y="2637725"/>
+            <a:ext cx="1554480" cy="1539240"/>
           </a:xfrm>
           <a:prstGeom prst="rect">
             <a:avLst/>
           </a:prstGeom>
           <a:solidFill>
-            <a:schemeClr val="tx2">
-              <a:lumMod val="20000"/>
-              <a:lumOff val="80000"/>
-            </a:schemeClr>
+            <a:schemeClr val="bg1"/>
           </a:solidFill>
         </p:spPr>
         <p:style>
@@ -3944,258 +4063,29 @@
           </a:p>
         </p:txBody>
       </p:sp>
-      <p:pic>
-        <p:nvPicPr>
-          <p:cNvPr id="2" name="Picture 1">
-            <a:extLst>
-              <a:ext uri="{FF2B5EF4-FFF2-40B4-BE49-F238E27FC236}">
-                <a16:creationId xmlns:a16="http://schemas.microsoft.com/office/drawing/2014/main" id="{7F883AD3-7944-4E2E-8354-01B3D9EA12FE}"/>
-              </a:ext>
-            </a:extLst>
-          </p:cNvPr>
-          <p:cNvPicPr>
-            <a:picLocks noChangeAspect="1"/>
-          </p:cNvPicPr>
+      <p:sp>
+        <p:nvSpPr>
+          <p:cNvPr id="50" name="Rectangle 49">
+            <a:extLst>
+              <a:ext uri="{FF2B5EF4-FFF2-40B4-BE49-F238E27FC236}">
+                <a16:creationId xmlns:a16="http://schemas.microsoft.com/office/drawing/2014/main" id="{E738BEFE-FA60-4B94-BD23-C48F2EF39B3F}"/>
+              </a:ext>
+            </a:extLst>
+          </p:cNvPr>
+          <p:cNvSpPr/>
           <p:nvPr/>
-        </p:nvPicPr>
-        <p:blipFill>
-          <a:blip r:embed="rId3">
-            <a:extLst>
-              <a:ext uri="{28A0092B-C50C-407E-A947-70E740481C1C}">
-                <a14:useLocalDpi xmlns:a14="http://schemas.microsoft.com/office/drawing/2010/main" val="0"/>
-              </a:ext>
-            </a:extLst>
-          </a:blip>
-          <a:stretch>
-            <a:fillRect/>
-          </a:stretch>
-        </p:blipFill>
+        </p:nvSpPr>
         <p:spPr>
           <a:xfrm>
-            <a:off x="5758241" y="349083"/>
-            <a:ext cx="780290" cy="780290"/>
+            <a:off x="5125956" y="337833"/>
+            <a:ext cx="1554480" cy="1539240"/>
           </a:xfrm>
           <a:prstGeom prst="rect">
             <a:avLst/>
           </a:prstGeom>
-        </p:spPr>
-      </p:pic>
-      <p:pic>
-        <p:nvPicPr>
-          <p:cNvPr id="3" name="Picture 2">
-            <a:extLst>
-              <a:ext uri="{FF2B5EF4-FFF2-40B4-BE49-F238E27FC236}">
-                <a16:creationId xmlns:a16="http://schemas.microsoft.com/office/drawing/2014/main" id="{52B3160A-4557-433C-8ED1-B060792F9AE2}"/>
-              </a:ext>
-            </a:extLst>
-          </p:cNvPr>
-          <p:cNvPicPr>
-            <a:picLocks noChangeAspect="1"/>
-          </p:cNvPicPr>
-          <p:nvPr/>
-        </p:nvPicPr>
-        <p:blipFill>
-          <a:blip r:embed="rId4">
-            <a:extLst>
-              <a:ext uri="{28A0092B-C50C-407E-A947-70E740481C1C}">
-                <a14:useLocalDpi xmlns:a14="http://schemas.microsoft.com/office/drawing/2010/main" val="0"/>
-              </a:ext>
-            </a:extLst>
-          </a:blip>
-          <a:stretch>
-            <a:fillRect/>
-          </a:stretch>
-        </p:blipFill>
-        <p:spPr>
-          <a:xfrm>
-            <a:off x="1150078" y="4031181"/>
-            <a:ext cx="780290" cy="780290"/>
-          </a:xfrm>
-          <a:prstGeom prst="rect">
-            <a:avLst/>
-          </a:prstGeom>
-        </p:spPr>
-      </p:pic>
-      <p:pic>
-        <p:nvPicPr>
-          <p:cNvPr id="6" name="Picture 5">
-            <a:extLst>
-              <a:ext uri="{FF2B5EF4-FFF2-40B4-BE49-F238E27FC236}">
-                <a16:creationId xmlns:a16="http://schemas.microsoft.com/office/drawing/2014/main" id="{56670201-8D47-4A17-ACBE-F0FD54F78BD1}"/>
-              </a:ext>
-            </a:extLst>
-          </p:cNvPr>
-          <p:cNvPicPr>
-            <a:picLocks noChangeAspect="1"/>
-          </p:cNvPicPr>
-          <p:nvPr/>
-        </p:nvPicPr>
-        <p:blipFill>
-          <a:blip r:embed="rId5">
-            <a:extLst>
-              <a:ext uri="{28A0092B-C50C-407E-A947-70E740481C1C}">
-                <a14:useLocalDpi xmlns:a14="http://schemas.microsoft.com/office/drawing/2010/main" val="0"/>
-              </a:ext>
-            </a:extLst>
-          </a:blip>
-          <a:stretch>
-            <a:fillRect/>
-          </a:stretch>
-        </p:blipFill>
-        <p:spPr>
-          <a:xfrm>
-            <a:off x="8403335" y="2078541"/>
-            <a:ext cx="780290" cy="780290"/>
-          </a:xfrm>
-          <a:prstGeom prst="rect">
-            <a:avLst/>
-          </a:prstGeom>
-        </p:spPr>
-      </p:pic>
-      <p:pic>
-        <p:nvPicPr>
-          <p:cNvPr id="8" name="Picture 7">
-            <a:extLst>
-              <a:ext uri="{FF2B5EF4-FFF2-40B4-BE49-F238E27FC236}">
-                <a16:creationId xmlns:a16="http://schemas.microsoft.com/office/drawing/2014/main" id="{011E6E2F-9CBD-4937-AADE-80DDED7607D6}"/>
-              </a:ext>
-            </a:extLst>
-          </p:cNvPr>
-          <p:cNvPicPr>
-            <a:picLocks noChangeAspect="1"/>
-          </p:cNvPicPr>
-          <p:nvPr/>
-        </p:nvPicPr>
-        <p:blipFill>
-          <a:blip r:embed="rId6">
-            <a:extLst>
-              <a:ext uri="{28A0092B-C50C-407E-A947-70E740481C1C}">
-                <a14:useLocalDpi xmlns:a14="http://schemas.microsoft.com/office/drawing/2010/main" val="0"/>
-              </a:ext>
-            </a:extLst>
-          </a:blip>
-          <a:stretch>
-            <a:fillRect/>
-          </a:stretch>
-        </p:blipFill>
-        <p:spPr>
-          <a:xfrm>
-            <a:off x="5886658" y="3824782"/>
-            <a:ext cx="780290" cy="780290"/>
-          </a:xfrm>
-          <a:prstGeom prst="rect">
-            <a:avLst/>
-          </a:prstGeom>
-        </p:spPr>
-      </p:pic>
-      <p:pic>
-        <p:nvPicPr>
-          <p:cNvPr id="9" name="Picture 8">
-            <a:extLst>
-              <a:ext uri="{FF2B5EF4-FFF2-40B4-BE49-F238E27FC236}">
-                <a16:creationId xmlns:a16="http://schemas.microsoft.com/office/drawing/2014/main" id="{849DC9DE-13DC-4A55-B602-DAE2EA42175F}"/>
-              </a:ext>
-            </a:extLst>
-          </p:cNvPr>
-          <p:cNvPicPr>
-            <a:picLocks noChangeAspect="1"/>
-          </p:cNvPicPr>
-          <p:nvPr/>
-        </p:nvPicPr>
-        <p:blipFill>
-          <a:blip r:embed="rId7">
-            <a:extLst>
-              <a:ext uri="{28A0092B-C50C-407E-A947-70E740481C1C}">
-                <a14:useLocalDpi xmlns:a14="http://schemas.microsoft.com/office/drawing/2010/main" val="0"/>
-              </a:ext>
-            </a:extLst>
-          </a:blip>
-          <a:stretch>
-            <a:fillRect/>
-          </a:stretch>
-        </p:blipFill>
-        <p:spPr>
-          <a:xfrm>
-            <a:off x="4012454" y="2078541"/>
-            <a:ext cx="780290" cy="780290"/>
-          </a:xfrm>
-          <a:prstGeom prst="rect">
-            <a:avLst/>
-          </a:prstGeom>
-        </p:spPr>
-      </p:pic>
-      <p:sp>
-        <p:nvSpPr>
-          <p:cNvPr id="12" name="Rectangle 11">
-            <a:extLst>
-              <a:ext uri="{FF2B5EF4-FFF2-40B4-BE49-F238E27FC236}">
-                <a16:creationId xmlns:a16="http://schemas.microsoft.com/office/drawing/2014/main" id="{BE5B5384-F811-4A19-AA49-1C6E79730B16}"/>
-              </a:ext>
-            </a:extLst>
-          </p:cNvPr>
-          <p:cNvSpPr/>
-          <p:nvPr/>
-        </p:nvSpPr>
-        <p:spPr>
-          <a:xfrm>
-            <a:off x="3431049" y="2858831"/>
-            <a:ext cx="1943100" cy="461665"/>
-          </a:xfrm>
-          <a:prstGeom prst="rect">
-            <a:avLst/>
-          </a:prstGeom>
-        </p:spPr>
-        <p:txBody>
-          <a:bodyPr wrap="square">
-            <a:spAutoFit/>
-          </a:bodyPr>
-          <a:lstStyle/>
-          <a:p>
-            <a:pPr algn="ctr"/>
-            <a:r>
-              <a:rPr lang="de-CH" sz="1200" dirty="0" err="1"/>
-              <a:t>outlook</a:t>
-            </a:r>
-            <a:r>
-              <a:rPr lang="de-CH" sz="1200" dirty="0"/>
-              <a:t> </a:t>
-            </a:r>
-            <a:r>
-              <a:rPr lang="de-CH" sz="1200" dirty="0" err="1"/>
-              <a:t>integration</a:t>
-            </a:r>
-            <a:br>
-              <a:rPr lang="de-CH" sz="1200" dirty="0"/>
-            </a:br>
-            <a:r>
-              <a:rPr lang="de-CH" sz="1200" dirty="0" err="1"/>
-              <a:t>service</a:t>
-            </a:r>
-            <a:endParaRPr lang="de-CH" sz="1200" dirty="0"/>
-          </a:p>
-        </p:txBody>
-      </p:sp>
-      <p:sp>
-        <p:nvSpPr>
-          <p:cNvPr id="13" name="Rectangle 12">
-            <a:extLst>
-              <a:ext uri="{FF2B5EF4-FFF2-40B4-BE49-F238E27FC236}">
-                <a16:creationId xmlns:a16="http://schemas.microsoft.com/office/drawing/2014/main" id="{3F4FCBA7-B138-4807-8919-5252A121FFC4}"/>
-              </a:ext>
-            </a:extLst>
-          </p:cNvPr>
-          <p:cNvSpPr/>
-          <p:nvPr/>
-        </p:nvSpPr>
-        <p:spPr>
-          <a:xfrm>
-            <a:off x="3611880" y="1920240"/>
-            <a:ext cx="1554480" cy="1539240"/>
-          </a:xfrm>
-          <a:prstGeom prst="rect">
-            <a:avLst/>
-          </a:prstGeom>
-          <a:noFill/>
+          <a:solidFill>
+            <a:schemeClr val="bg1"/>
+          </a:solidFill>
         </p:spPr>
         <p:style>
           <a:lnRef idx="2">
@@ -4222,114 +4112,29 @@
           </a:p>
         </p:txBody>
       </p:sp>
-      <p:pic>
-        <p:nvPicPr>
-          <p:cNvPr id="14" name="Picture 13">
-            <a:extLst>
-              <a:ext uri="{FF2B5EF4-FFF2-40B4-BE49-F238E27FC236}">
-                <a16:creationId xmlns:a16="http://schemas.microsoft.com/office/drawing/2014/main" id="{14D894ED-5F61-42B5-98CD-FE36626F3D7F}"/>
-              </a:ext>
-            </a:extLst>
-          </p:cNvPr>
-          <p:cNvPicPr>
-            <a:picLocks noChangeAspect="1"/>
-          </p:cNvPicPr>
+      <p:sp>
+        <p:nvSpPr>
+          <p:cNvPr id="49" name="Rectangle 48">
+            <a:extLst>
+              <a:ext uri="{FF2B5EF4-FFF2-40B4-BE49-F238E27FC236}">
+                <a16:creationId xmlns:a16="http://schemas.microsoft.com/office/drawing/2014/main" id="{9061C9B6-586A-4AC3-948F-DFBBC6B49C1B}"/>
+              </a:ext>
+            </a:extLst>
+          </p:cNvPr>
+          <p:cNvSpPr/>
           <p:nvPr/>
-        </p:nvPicPr>
-        <p:blipFill>
-          <a:blip r:embed="rId7">
-            <a:extLst>
-              <a:ext uri="{28A0092B-C50C-407E-A947-70E740481C1C}">
-                <a14:useLocalDpi xmlns:a14="http://schemas.microsoft.com/office/drawing/2010/main" val="0"/>
-              </a:ext>
-            </a:extLst>
-          </a:blip>
-          <a:stretch>
-            <a:fillRect/>
-          </a:stretch>
-        </p:blipFill>
+        </p:nvSpPr>
         <p:spPr>
           <a:xfrm>
-            <a:off x="5774723" y="2078541"/>
-            <a:ext cx="780290" cy="780290"/>
+            <a:off x="5254321" y="468822"/>
+            <a:ext cx="1554480" cy="1539240"/>
           </a:xfrm>
           <a:prstGeom prst="rect">
             <a:avLst/>
           </a:prstGeom>
-        </p:spPr>
-      </p:pic>
-      <p:sp>
-        <p:nvSpPr>
-          <p:cNvPr id="15" name="Rectangle 14">
-            <a:extLst>
-              <a:ext uri="{FF2B5EF4-FFF2-40B4-BE49-F238E27FC236}">
-                <a16:creationId xmlns:a16="http://schemas.microsoft.com/office/drawing/2014/main" id="{FE69F70C-8290-469F-A7A9-7BE4BD4ED761}"/>
-              </a:ext>
-            </a:extLst>
-          </p:cNvPr>
-          <p:cNvSpPr/>
-          <p:nvPr/>
-        </p:nvSpPr>
-        <p:spPr>
-          <a:xfrm>
-            <a:off x="5193318" y="2858831"/>
-            <a:ext cx="1943100" cy="461665"/>
-          </a:xfrm>
-          <a:prstGeom prst="rect">
-            <a:avLst/>
-          </a:prstGeom>
-        </p:spPr>
-        <p:txBody>
-          <a:bodyPr wrap="square">
-            <a:spAutoFit/>
-          </a:bodyPr>
-          <a:lstStyle/>
-          <a:p>
-            <a:pPr algn="ctr"/>
-            <a:r>
-              <a:rPr lang="de-CH" sz="1200" dirty="0" err="1"/>
-              <a:t>ibera</a:t>
-            </a:r>
-            <a:r>
-              <a:rPr lang="de-CH" sz="1200" dirty="0"/>
-              <a:t> </a:t>
-            </a:r>
-            <a:r>
-              <a:rPr lang="de-CH" sz="1200" dirty="0" err="1"/>
-              <a:t>core</a:t>
-            </a:r>
-            <a:br>
-              <a:rPr lang="de-CH" sz="1200" dirty="0"/>
-            </a:br>
-            <a:r>
-              <a:rPr lang="de-CH" sz="1200" dirty="0" err="1"/>
-              <a:t>service</a:t>
-            </a:r>
-            <a:endParaRPr lang="de-CH" sz="1200" dirty="0"/>
-          </a:p>
-        </p:txBody>
-      </p:sp>
-      <p:sp>
-        <p:nvSpPr>
-          <p:cNvPr id="16" name="Rectangle 15">
-            <a:extLst>
-              <a:ext uri="{FF2B5EF4-FFF2-40B4-BE49-F238E27FC236}">
-                <a16:creationId xmlns:a16="http://schemas.microsoft.com/office/drawing/2014/main" id="{2FF9EB52-6F2B-4248-9FE8-C536E565EDA2}"/>
-              </a:ext>
-            </a:extLst>
-          </p:cNvPr>
-          <p:cNvSpPr/>
-          <p:nvPr/>
-        </p:nvSpPr>
-        <p:spPr>
-          <a:xfrm>
-            <a:off x="5374149" y="1920240"/>
-            <a:ext cx="1554480" cy="1539240"/>
-          </a:xfrm>
-          <a:prstGeom prst="rect">
-            <a:avLst/>
-          </a:prstGeom>
-          <a:noFill/>
+          <a:solidFill>
+            <a:schemeClr val="bg1"/>
+          </a:solidFill>
         </p:spPr>
         <p:style>
           <a:lnRef idx="2">
@@ -4356,106 +4161,29 @@
           </a:p>
         </p:txBody>
       </p:sp>
-      <p:pic>
-        <p:nvPicPr>
-          <p:cNvPr id="17" name="Picture 16">
-            <a:extLst>
-              <a:ext uri="{FF2B5EF4-FFF2-40B4-BE49-F238E27FC236}">
-                <a16:creationId xmlns:a16="http://schemas.microsoft.com/office/drawing/2014/main" id="{0567C2DE-60F0-424F-9BC2-60AE4525BA10}"/>
-              </a:ext>
-            </a:extLst>
-          </p:cNvPr>
-          <p:cNvPicPr>
-            <a:picLocks noChangeAspect="1"/>
-          </p:cNvPicPr>
+      <p:sp>
+        <p:nvSpPr>
+          <p:cNvPr id="35" name="Rectangle 34">
+            <a:extLst>
+              <a:ext uri="{FF2B5EF4-FFF2-40B4-BE49-F238E27FC236}">
+                <a16:creationId xmlns:a16="http://schemas.microsoft.com/office/drawing/2014/main" id="{F8143A06-E77C-43B9-B27E-4E2782A5FC87}"/>
+              </a:ext>
+            </a:extLst>
+          </p:cNvPr>
+          <p:cNvSpPr/>
           <p:nvPr/>
-        </p:nvPicPr>
-        <p:blipFill>
-          <a:blip r:embed="rId7">
-            <a:extLst>
-              <a:ext uri="{28A0092B-C50C-407E-A947-70E740481C1C}">
-                <a14:useLocalDpi xmlns:a14="http://schemas.microsoft.com/office/drawing/2010/main" val="0"/>
-              </a:ext>
-            </a:extLst>
-          </a:blip>
-          <a:stretch>
-            <a:fillRect/>
-          </a:stretch>
-        </p:blipFill>
+        </p:nvSpPr>
         <p:spPr>
           <a:xfrm>
-            <a:off x="4017629" y="3854769"/>
-            <a:ext cx="780290" cy="780290"/>
+            <a:off x="5374149" y="599643"/>
+            <a:ext cx="1554480" cy="1539240"/>
           </a:xfrm>
           <a:prstGeom prst="rect">
             <a:avLst/>
           </a:prstGeom>
-        </p:spPr>
-      </p:pic>
-      <p:sp>
-        <p:nvSpPr>
-          <p:cNvPr id="18" name="Rectangle 17">
-            <a:extLst>
-              <a:ext uri="{FF2B5EF4-FFF2-40B4-BE49-F238E27FC236}">
-                <a16:creationId xmlns:a16="http://schemas.microsoft.com/office/drawing/2014/main" id="{8F1493E1-A5CC-46C0-AF3B-C939A306A47E}"/>
-              </a:ext>
-            </a:extLst>
-          </p:cNvPr>
-          <p:cNvSpPr/>
-          <p:nvPr/>
-        </p:nvSpPr>
-        <p:spPr>
-          <a:xfrm>
-            <a:off x="3436224" y="4635059"/>
-            <a:ext cx="1943100" cy="461665"/>
-          </a:xfrm>
-          <a:prstGeom prst="rect">
-            <a:avLst/>
-          </a:prstGeom>
-        </p:spPr>
-        <p:txBody>
-          <a:bodyPr wrap="square">
-            <a:spAutoFit/>
-          </a:bodyPr>
-          <a:lstStyle/>
-          <a:p>
-            <a:pPr algn="ctr"/>
-            <a:r>
-              <a:rPr lang="de-CH" sz="1200" dirty="0" err="1"/>
-              <a:t>document</a:t>
-            </a:r>
-            <a:br>
-              <a:rPr lang="de-CH" sz="1200" dirty="0"/>
-            </a:br>
-            <a:r>
-              <a:rPr lang="de-CH" sz="1200" dirty="0" err="1"/>
-              <a:t>service</a:t>
-            </a:r>
-            <a:endParaRPr lang="de-CH" sz="1200" dirty="0"/>
-          </a:p>
-        </p:txBody>
-      </p:sp>
-      <p:sp>
-        <p:nvSpPr>
-          <p:cNvPr id="19" name="Rectangle 18">
-            <a:extLst>
-              <a:ext uri="{FF2B5EF4-FFF2-40B4-BE49-F238E27FC236}">
-                <a16:creationId xmlns:a16="http://schemas.microsoft.com/office/drawing/2014/main" id="{7C2B2AB6-6C27-4662-ADA4-739A6C5596B2}"/>
-              </a:ext>
-            </a:extLst>
-          </p:cNvPr>
-          <p:cNvSpPr/>
-          <p:nvPr/>
-        </p:nvSpPr>
-        <p:spPr>
-          <a:xfrm>
-            <a:off x="3617055" y="3696468"/>
-            <a:ext cx="1554480" cy="1539240"/>
-          </a:xfrm>
-          <a:prstGeom prst="rect">
-            <a:avLst/>
-          </a:prstGeom>
-          <a:noFill/>
+          <a:solidFill>
+            <a:schemeClr val="bg1"/>
+          </a:solidFill>
         </p:spPr>
         <p:style>
           <a:lnRef idx="2">
@@ -4484,10 +4212,10 @@
       </p:sp>
       <p:sp>
         <p:nvSpPr>
-          <p:cNvPr id="20" name="Rectangle 19">
-            <a:extLst>
-              <a:ext uri="{FF2B5EF4-FFF2-40B4-BE49-F238E27FC236}">
-                <a16:creationId xmlns:a16="http://schemas.microsoft.com/office/drawing/2014/main" id="{8FA62892-4557-4EF7-A75B-5412CB951A06}"/>
+          <p:cNvPr id="26" name="Rectangle 25">
+            <a:extLst>
+              <a:ext uri="{FF2B5EF4-FFF2-40B4-BE49-F238E27FC236}">
+                <a16:creationId xmlns:a16="http://schemas.microsoft.com/office/drawing/2014/main" id="{2E7F5B3D-9E4E-4744-8849-CAE58B950CAE}"/>
               </a:ext>
             </a:extLst>
           </p:cNvPr>
@@ -4496,122 +4224,18 @@
         </p:nvSpPr>
         <p:spPr>
           <a:xfrm>
-            <a:off x="5206193" y="4575792"/>
-            <a:ext cx="1943100" cy="461665"/>
+            <a:off x="3431049" y="2479241"/>
+            <a:ext cx="5863346" cy="4072085"/>
           </a:xfrm>
           <a:prstGeom prst="rect">
             <a:avLst/>
           </a:prstGeom>
-        </p:spPr>
-        <p:txBody>
-          <a:bodyPr wrap="square">
-            <a:spAutoFit/>
-          </a:bodyPr>
-          <a:lstStyle/>
-          <a:p>
-            <a:pPr algn="ctr"/>
-            <a:r>
-              <a:rPr lang="de-CH" sz="1200" dirty="0" err="1"/>
-              <a:t>document</a:t>
-            </a:r>
-            <a:r>
-              <a:rPr lang="de-CH" sz="1200" dirty="0"/>
-              <a:t> &amp;</a:t>
-            </a:r>
-            <a:br>
-              <a:rPr lang="de-CH" sz="1200" dirty="0"/>
-            </a:br>
-            <a:r>
-              <a:rPr lang="de-CH" sz="1200" dirty="0" err="1"/>
-              <a:t>key</a:t>
-            </a:r>
-            <a:r>
-              <a:rPr lang="de-CH" sz="1200" dirty="0"/>
-              <a:t> </a:t>
-            </a:r>
-            <a:r>
-              <a:rPr lang="de-CH" sz="1200" dirty="0" err="1"/>
-              <a:t>storage</a:t>
-            </a:r>
-            <a:endParaRPr lang="de-CH" sz="1200" dirty="0"/>
-          </a:p>
-        </p:txBody>
-      </p:sp>
-      <p:sp>
-        <p:nvSpPr>
-          <p:cNvPr id="21" name="Rectangle 20">
-            <a:extLst>
-              <a:ext uri="{FF2B5EF4-FFF2-40B4-BE49-F238E27FC236}">
-                <a16:creationId xmlns:a16="http://schemas.microsoft.com/office/drawing/2014/main" id="{D998568A-E444-4C66-9A63-C6F0FAF74A1A}"/>
-              </a:ext>
-            </a:extLst>
-          </p:cNvPr>
-          <p:cNvSpPr/>
-          <p:nvPr/>
-        </p:nvSpPr>
-        <p:spPr>
-          <a:xfrm>
-            <a:off x="7822218" y="2866451"/>
-            <a:ext cx="1943100" cy="461665"/>
-          </a:xfrm>
-          <a:prstGeom prst="rect">
-            <a:avLst/>
-          </a:prstGeom>
-        </p:spPr>
-        <p:txBody>
-          <a:bodyPr wrap="square">
-            <a:spAutoFit/>
-          </a:bodyPr>
-          <a:lstStyle/>
-          <a:p>
-            <a:pPr algn="ctr"/>
-            <a:r>
-              <a:rPr lang="de-CH" sz="1200" dirty="0" err="1"/>
-              <a:t>Ethereum</a:t>
-            </a:r>
-            <a:r>
-              <a:rPr lang="de-CH" sz="1200" dirty="0"/>
-              <a:t> </a:t>
-            </a:r>
-            <a:r>
-              <a:rPr lang="de-CH" sz="1200" dirty="0" err="1"/>
-              <a:t>client</a:t>
-            </a:r>
-            <a:br>
-              <a:rPr lang="de-CH" sz="1200" dirty="0"/>
-            </a:br>
-            <a:r>
-              <a:rPr lang="de-CH" sz="1200" dirty="0" err="1"/>
-              <a:t>geth-rpc</a:t>
-            </a:r>
-            <a:r>
-              <a:rPr lang="de-CH" sz="1200" dirty="0"/>
-              <a:t> </a:t>
-            </a:r>
-          </a:p>
-        </p:txBody>
-      </p:sp>
-      <p:sp>
-        <p:nvSpPr>
-          <p:cNvPr id="22" name="Rectangle 21">
-            <a:extLst>
-              <a:ext uri="{FF2B5EF4-FFF2-40B4-BE49-F238E27FC236}">
-                <a16:creationId xmlns:a16="http://schemas.microsoft.com/office/drawing/2014/main" id="{DC305452-445B-4467-9992-F075A32761AB}"/>
-              </a:ext>
-            </a:extLst>
-          </p:cNvPr>
-          <p:cNvSpPr/>
-          <p:nvPr/>
-        </p:nvSpPr>
-        <p:spPr>
-          <a:xfrm>
-            <a:off x="8003049" y="1927860"/>
-            <a:ext cx="1554480" cy="1539240"/>
-          </a:xfrm>
-          <a:prstGeom prst="rect">
-            <a:avLst/>
-          </a:prstGeom>
-          <a:noFill/>
+          <a:solidFill>
+            <a:schemeClr val="tx2">
+              <a:lumMod val="20000"/>
+              <a:lumOff val="80000"/>
+            </a:schemeClr>
+          </a:solidFill>
         </p:spPr>
         <p:style>
           <a:lnRef idx="2">
@@ -4638,12 +4262,192 @@
           </a:p>
         </p:txBody>
       </p:sp>
-      <p:sp>
-        <p:nvSpPr>
-          <p:cNvPr id="27" name="Rectangle 26">
-            <a:extLst>
-              <a:ext uri="{FF2B5EF4-FFF2-40B4-BE49-F238E27FC236}">
-                <a16:creationId xmlns:a16="http://schemas.microsoft.com/office/drawing/2014/main" id="{A34993C2-B916-4DF2-92C3-3A7B1A63D96B}"/>
+      <p:pic>
+        <p:nvPicPr>
+          <p:cNvPr id="2" name="Picture 1">
+            <a:extLst>
+              <a:ext uri="{FF2B5EF4-FFF2-40B4-BE49-F238E27FC236}">
+                <a16:creationId xmlns:a16="http://schemas.microsoft.com/office/drawing/2014/main" id="{7F883AD3-7944-4E2E-8354-01B3D9EA12FE}"/>
+              </a:ext>
+            </a:extLst>
+          </p:cNvPr>
+          <p:cNvPicPr>
+            <a:picLocks noChangeAspect="1"/>
+          </p:cNvPicPr>
+          <p:nvPr/>
+        </p:nvPicPr>
+        <p:blipFill>
+          <a:blip r:embed="rId3">
+            <a:extLst>
+              <a:ext uri="{28A0092B-C50C-407E-A947-70E740481C1C}">
+                <a14:useLocalDpi xmlns:a14="http://schemas.microsoft.com/office/drawing/2010/main" val="0"/>
+              </a:ext>
+            </a:extLst>
+          </a:blip>
+          <a:stretch>
+            <a:fillRect/>
+          </a:stretch>
+        </p:blipFill>
+        <p:spPr>
+          <a:xfrm>
+            <a:off x="5758241" y="872456"/>
+            <a:ext cx="780290" cy="780290"/>
+          </a:xfrm>
+          <a:prstGeom prst="rect">
+            <a:avLst/>
+          </a:prstGeom>
+        </p:spPr>
+      </p:pic>
+      <p:pic>
+        <p:nvPicPr>
+          <p:cNvPr id="3" name="Picture 2">
+            <a:extLst>
+              <a:ext uri="{FF2B5EF4-FFF2-40B4-BE49-F238E27FC236}">
+                <a16:creationId xmlns:a16="http://schemas.microsoft.com/office/drawing/2014/main" id="{52B3160A-4557-433C-8ED1-B060792F9AE2}"/>
+              </a:ext>
+            </a:extLst>
+          </p:cNvPr>
+          <p:cNvPicPr>
+            <a:picLocks noChangeAspect="1"/>
+          </p:cNvPicPr>
+          <p:nvPr/>
+        </p:nvPicPr>
+        <p:blipFill>
+          <a:blip r:embed="rId4">
+            <a:extLst>
+              <a:ext uri="{28A0092B-C50C-407E-A947-70E740481C1C}">
+                <a14:useLocalDpi xmlns:a14="http://schemas.microsoft.com/office/drawing/2010/main" val="0"/>
+              </a:ext>
+            </a:extLst>
+          </a:blip>
+          <a:stretch>
+            <a:fillRect/>
+          </a:stretch>
+        </p:blipFill>
+        <p:spPr>
+          <a:xfrm>
+            <a:off x="1111283" y="4534647"/>
+            <a:ext cx="780290" cy="780290"/>
+          </a:xfrm>
+          <a:prstGeom prst="rect">
+            <a:avLst/>
+          </a:prstGeom>
+        </p:spPr>
+      </p:pic>
+      <p:pic>
+        <p:nvPicPr>
+          <p:cNvPr id="6" name="Picture 5">
+            <a:extLst>
+              <a:ext uri="{FF2B5EF4-FFF2-40B4-BE49-F238E27FC236}">
+                <a16:creationId xmlns:a16="http://schemas.microsoft.com/office/drawing/2014/main" id="{56670201-8D47-4A17-ACBE-F0FD54F78BD1}"/>
+              </a:ext>
+            </a:extLst>
+          </p:cNvPr>
+          <p:cNvPicPr>
+            <a:picLocks noChangeAspect="1"/>
+          </p:cNvPicPr>
+          <p:nvPr/>
+        </p:nvPicPr>
+        <p:blipFill>
+          <a:blip r:embed="rId5">
+            <a:extLst>
+              <a:ext uri="{28A0092B-C50C-407E-A947-70E740481C1C}">
+                <a14:useLocalDpi xmlns:a14="http://schemas.microsoft.com/office/drawing/2010/main" val="0"/>
+              </a:ext>
+            </a:extLst>
+          </a:blip>
+          <a:stretch>
+            <a:fillRect/>
+          </a:stretch>
+        </p:blipFill>
+        <p:spPr>
+          <a:xfrm>
+            <a:off x="7999240" y="2788406"/>
+            <a:ext cx="780290" cy="780290"/>
+          </a:xfrm>
+          <a:prstGeom prst="rect">
+            <a:avLst/>
+          </a:prstGeom>
+        </p:spPr>
+      </p:pic>
+      <p:pic>
+        <p:nvPicPr>
+          <p:cNvPr id="8" name="Picture 7">
+            <a:extLst>
+              <a:ext uri="{FF2B5EF4-FFF2-40B4-BE49-F238E27FC236}">
+                <a16:creationId xmlns:a16="http://schemas.microsoft.com/office/drawing/2014/main" id="{011E6E2F-9CBD-4937-AADE-80DDED7607D6}"/>
+              </a:ext>
+            </a:extLst>
+          </p:cNvPr>
+          <p:cNvPicPr>
+            <a:picLocks noChangeAspect="1"/>
+          </p:cNvPicPr>
+          <p:nvPr/>
+        </p:nvPicPr>
+        <p:blipFill>
+          <a:blip r:embed="rId6">
+            <a:extLst>
+              <a:ext uri="{28A0092B-C50C-407E-A947-70E740481C1C}">
+                <a14:useLocalDpi xmlns:a14="http://schemas.microsoft.com/office/drawing/2010/main" val="0"/>
+              </a:ext>
+            </a:extLst>
+          </a:blip>
+          <a:stretch>
+            <a:fillRect/>
+          </a:stretch>
+        </p:blipFill>
+        <p:spPr>
+          <a:xfrm>
+            <a:off x="5886658" y="4534647"/>
+            <a:ext cx="780290" cy="780290"/>
+          </a:xfrm>
+          <a:prstGeom prst="rect">
+            <a:avLst/>
+          </a:prstGeom>
+        </p:spPr>
+      </p:pic>
+      <p:pic>
+        <p:nvPicPr>
+          <p:cNvPr id="9" name="Picture 8">
+            <a:extLst>
+              <a:ext uri="{FF2B5EF4-FFF2-40B4-BE49-F238E27FC236}">
+                <a16:creationId xmlns:a16="http://schemas.microsoft.com/office/drawing/2014/main" id="{849DC9DE-13DC-4A55-B602-DAE2EA42175F}"/>
+              </a:ext>
+            </a:extLst>
+          </p:cNvPr>
+          <p:cNvPicPr>
+            <a:picLocks noChangeAspect="1"/>
+          </p:cNvPicPr>
+          <p:nvPr/>
+        </p:nvPicPr>
+        <p:blipFill>
+          <a:blip r:embed="rId7">
+            <a:extLst>
+              <a:ext uri="{28A0092B-C50C-407E-A947-70E740481C1C}">
+                <a14:useLocalDpi xmlns:a14="http://schemas.microsoft.com/office/drawing/2010/main" val="0"/>
+              </a:ext>
+            </a:extLst>
+          </a:blip>
+          <a:stretch>
+            <a:fillRect/>
+          </a:stretch>
+        </p:blipFill>
+        <p:spPr>
+          <a:xfrm>
+            <a:off x="4012454" y="2788406"/>
+            <a:ext cx="780290" cy="780290"/>
+          </a:xfrm>
+          <a:prstGeom prst="rect">
+            <a:avLst/>
+          </a:prstGeom>
+        </p:spPr>
+      </p:pic>
+      <p:sp>
+        <p:nvSpPr>
+          <p:cNvPr id="12" name="Rectangle 11">
+            <a:extLst>
+              <a:ext uri="{FF2B5EF4-FFF2-40B4-BE49-F238E27FC236}">
+                <a16:creationId xmlns:a16="http://schemas.microsoft.com/office/drawing/2014/main" id="{BE5B5384-F811-4A19-AA49-1C6E79730B16}"/>
               </a:ext>
             </a:extLst>
           </p:cNvPr>
@@ -4652,7 +4456,49 @@
         </p:nvSpPr>
         <p:spPr>
           <a:xfrm>
-            <a:off x="5379324" y="3696468"/>
+            <a:off x="3431049" y="3568696"/>
+            <a:ext cx="1943100" cy="461665"/>
+          </a:xfrm>
+          <a:prstGeom prst="rect">
+            <a:avLst/>
+          </a:prstGeom>
+        </p:spPr>
+        <p:txBody>
+          <a:bodyPr wrap="square">
+            <a:spAutoFit/>
+          </a:bodyPr>
+          <a:lstStyle/>
+          <a:p>
+            <a:pPr algn="ctr"/>
+            <a:r>
+              <a:rPr lang="de-CH" sz="1200" dirty="0"/>
+              <a:t>Outlook Integration</a:t>
+            </a:r>
+            <a:br>
+              <a:rPr lang="de-CH" sz="1200" dirty="0"/>
+            </a:br>
+            <a:r>
+              <a:rPr lang="de-CH" sz="1200" dirty="0"/>
+              <a:t>API</a:t>
+            </a:r>
+          </a:p>
+        </p:txBody>
+      </p:sp>
+      <p:sp>
+        <p:nvSpPr>
+          <p:cNvPr id="13" name="Rectangle 12">
+            <a:extLst>
+              <a:ext uri="{FF2B5EF4-FFF2-40B4-BE49-F238E27FC236}">
+                <a16:creationId xmlns:a16="http://schemas.microsoft.com/office/drawing/2014/main" id="{3F4FCBA7-B138-4807-8919-5252A121FFC4}"/>
+              </a:ext>
+            </a:extLst>
+          </p:cNvPr>
+          <p:cNvSpPr/>
+          <p:nvPr/>
+        </p:nvSpPr>
+        <p:spPr>
+          <a:xfrm>
+            <a:off x="3611880" y="2630105"/>
             <a:ext cx="1554480" cy="1539240"/>
           </a:xfrm>
           <a:prstGeom prst="rect">
@@ -4687,10 +4533,10 @@
       </p:sp>
       <p:pic>
         <p:nvPicPr>
-          <p:cNvPr id="30" name="Picture 29">
-            <a:extLst>
-              <a:ext uri="{FF2B5EF4-FFF2-40B4-BE49-F238E27FC236}">
-                <a16:creationId xmlns:a16="http://schemas.microsoft.com/office/drawing/2014/main" id="{13D1EFA9-E166-4BE9-AD46-C0781979784F}"/>
+          <p:cNvPr id="14" name="Picture 13">
+            <a:extLst>
+              <a:ext uri="{FF2B5EF4-FFF2-40B4-BE49-F238E27FC236}">
+                <a16:creationId xmlns:a16="http://schemas.microsoft.com/office/drawing/2014/main" id="{14D894ED-5F61-42B5-98CD-FE36626F3D7F}"/>
               </a:ext>
             </a:extLst>
           </p:cNvPr>
@@ -4700,7 +4546,7 @@
           <p:nvPr/>
         </p:nvPicPr>
         <p:blipFill>
-          <a:blip r:embed="rId8">
+          <a:blip r:embed="rId7">
             <a:extLst>
               <a:ext uri="{28A0092B-C50C-407E-A947-70E740481C1C}">
                 <a14:useLocalDpi xmlns:a14="http://schemas.microsoft.com/office/drawing/2010/main" val="0"/>
@@ -4713,7 +4559,7 @@
         </p:blipFill>
         <p:spPr>
           <a:xfrm>
-            <a:off x="1096279" y="2086161"/>
+            <a:off x="5774723" y="2788406"/>
             <a:ext cx="780290" cy="780290"/>
           </a:xfrm>
           <a:prstGeom prst="rect">
@@ -4723,10 +4569,10 @@
       </p:pic>
       <p:sp>
         <p:nvSpPr>
-          <p:cNvPr id="31" name="Rectangle 30">
-            <a:extLst>
-              <a:ext uri="{FF2B5EF4-FFF2-40B4-BE49-F238E27FC236}">
-                <a16:creationId xmlns:a16="http://schemas.microsoft.com/office/drawing/2014/main" id="{CFA4C347-FF29-4F72-9380-7775E51C1C4C}"/>
+          <p:cNvPr id="15" name="Rectangle 14">
+            <a:extLst>
+              <a:ext uri="{FF2B5EF4-FFF2-40B4-BE49-F238E27FC236}">
+                <a16:creationId xmlns:a16="http://schemas.microsoft.com/office/drawing/2014/main" id="{FE69F70C-8290-469F-A7A9-7BE4BD4ED761}"/>
               </a:ext>
             </a:extLst>
           </p:cNvPr>
@@ -4735,8 +4581,8 @@
         </p:nvSpPr>
         <p:spPr>
           <a:xfrm>
-            <a:off x="496943" y="2812664"/>
-            <a:ext cx="1943100" cy="276999"/>
+            <a:off x="5193318" y="3568696"/>
+            <a:ext cx="1943100" cy="461665"/>
           </a:xfrm>
           <a:prstGeom prst="rect">
             <a:avLst/>
@@ -4750,27 +4596,25 @@
           <a:p>
             <a:pPr algn="ctr"/>
             <a:r>
-              <a:rPr lang="de-CH" sz="1200" dirty="0" err="1"/>
-              <a:t>outlook</a:t>
-            </a:r>
-            <a:r>
               <a:rPr lang="de-CH" sz="1200" dirty="0"/>
-              <a:t> </a:t>
-            </a:r>
-            <a:r>
-              <a:rPr lang="de-CH" sz="1200" dirty="0" err="1"/>
-              <a:t>add-in</a:t>
-            </a:r>
-            <a:endParaRPr lang="de-CH" sz="1200" dirty="0"/>
-          </a:p>
-        </p:txBody>
-      </p:sp>
-      <p:sp>
-        <p:nvSpPr>
-          <p:cNvPr id="32" name="Rectangle 31">
-            <a:extLst>
-              <a:ext uri="{FF2B5EF4-FFF2-40B4-BE49-F238E27FC236}">
-                <a16:creationId xmlns:a16="http://schemas.microsoft.com/office/drawing/2014/main" id="{06A06DFF-137B-44DB-9C29-FBE4D4E95B2C}"/>
+              <a:t>Services</a:t>
+            </a:r>
+          </a:p>
+          <a:p>
+            <a:pPr algn="ctr"/>
+            <a:r>
+              <a:rPr lang="de-CH" sz="1200" dirty="0"/>
+              <a:t>API</a:t>
+            </a:r>
+          </a:p>
+        </p:txBody>
+      </p:sp>
+      <p:sp>
+        <p:nvSpPr>
+          <p:cNvPr id="16" name="Rectangle 15">
+            <a:extLst>
+              <a:ext uri="{FF2B5EF4-FFF2-40B4-BE49-F238E27FC236}">
+                <a16:creationId xmlns:a16="http://schemas.microsoft.com/office/drawing/2014/main" id="{2FF9EB52-6F2B-4248-9FE8-C536E565EDA2}"/>
               </a:ext>
             </a:extLst>
           </p:cNvPr>
@@ -4779,7 +4623,7 @@
         </p:nvSpPr>
         <p:spPr>
           <a:xfrm>
-            <a:off x="724188" y="1927860"/>
+            <a:off x="5374149" y="2630105"/>
             <a:ext cx="1554480" cy="1539240"/>
           </a:xfrm>
           <a:prstGeom prst="rect">
@@ -4814,10 +4658,10 @@
       </p:sp>
       <p:sp>
         <p:nvSpPr>
-          <p:cNvPr id="33" name="Rectangle 32">
-            <a:extLst>
-              <a:ext uri="{FF2B5EF4-FFF2-40B4-BE49-F238E27FC236}">
-                <a16:creationId xmlns:a16="http://schemas.microsoft.com/office/drawing/2014/main" id="{4807283E-086F-47D4-B25A-B36267BF19BB}"/>
+          <p:cNvPr id="20" name="Rectangle 19">
+            <a:extLst>
+              <a:ext uri="{FF2B5EF4-FFF2-40B4-BE49-F238E27FC236}">
+                <a16:creationId xmlns:a16="http://schemas.microsoft.com/office/drawing/2014/main" id="{8FA62892-4557-4EF7-A75B-5412CB951A06}"/>
               </a:ext>
             </a:extLst>
           </p:cNvPr>
@@ -4826,7 +4670,91 @@
         </p:nvSpPr>
         <p:spPr>
           <a:xfrm>
-            <a:off x="724188" y="3694508"/>
+            <a:off x="5206193" y="5285657"/>
+            <a:ext cx="1943100" cy="461665"/>
+          </a:xfrm>
+          <a:prstGeom prst="rect">
+            <a:avLst/>
+          </a:prstGeom>
+        </p:spPr>
+        <p:txBody>
+          <a:bodyPr wrap="square">
+            <a:spAutoFit/>
+          </a:bodyPr>
+          <a:lstStyle/>
+          <a:p>
+            <a:pPr algn="ctr"/>
+            <a:r>
+              <a:rPr lang="de-CH" sz="1200" dirty="0"/>
+              <a:t>Key </a:t>
+            </a:r>
+          </a:p>
+          <a:p>
+            <a:pPr algn="ctr"/>
+            <a:r>
+              <a:rPr lang="de-CH" sz="1200" dirty="0"/>
+              <a:t>Storage</a:t>
+            </a:r>
+          </a:p>
+        </p:txBody>
+      </p:sp>
+      <p:sp>
+        <p:nvSpPr>
+          <p:cNvPr id="21" name="Rectangle 20">
+            <a:extLst>
+              <a:ext uri="{FF2B5EF4-FFF2-40B4-BE49-F238E27FC236}">
+                <a16:creationId xmlns:a16="http://schemas.microsoft.com/office/drawing/2014/main" id="{D998568A-E444-4C66-9A63-C6F0FAF74A1A}"/>
+              </a:ext>
+            </a:extLst>
+          </p:cNvPr>
+          <p:cNvSpPr/>
+          <p:nvPr/>
+        </p:nvSpPr>
+        <p:spPr>
+          <a:xfrm>
+            <a:off x="7418123" y="3576316"/>
+            <a:ext cx="1943100" cy="461665"/>
+          </a:xfrm>
+          <a:prstGeom prst="rect">
+            <a:avLst/>
+          </a:prstGeom>
+        </p:spPr>
+        <p:txBody>
+          <a:bodyPr wrap="square">
+            <a:spAutoFit/>
+          </a:bodyPr>
+          <a:lstStyle/>
+          <a:p>
+            <a:pPr algn="ctr"/>
+            <a:r>
+              <a:rPr lang="de-CH" sz="1200" dirty="0"/>
+              <a:t>Ethereum Client</a:t>
+            </a:r>
+            <a:br>
+              <a:rPr lang="de-CH" sz="1200" dirty="0"/>
+            </a:br>
+            <a:r>
+              <a:rPr lang="de-CH" sz="1200" dirty="0"/>
+              <a:t>geth-rpc </a:t>
+            </a:r>
+          </a:p>
+        </p:txBody>
+      </p:sp>
+      <p:sp>
+        <p:nvSpPr>
+          <p:cNvPr id="22" name="Rectangle 21">
+            <a:extLst>
+              <a:ext uri="{FF2B5EF4-FFF2-40B4-BE49-F238E27FC236}">
+                <a16:creationId xmlns:a16="http://schemas.microsoft.com/office/drawing/2014/main" id="{DC305452-445B-4467-9992-F075A32761AB}"/>
+              </a:ext>
+            </a:extLst>
+          </p:cNvPr>
+          <p:cNvSpPr/>
+          <p:nvPr/>
+        </p:nvSpPr>
+        <p:spPr>
+          <a:xfrm>
+            <a:off x="7586665" y="2630105"/>
             <a:ext cx="1554480" cy="1539240"/>
           </a:xfrm>
           <a:prstGeom prst="rect">
@@ -4861,10 +4789,10 @@
       </p:sp>
       <p:sp>
         <p:nvSpPr>
-          <p:cNvPr id="34" name="Rectangle 33">
-            <a:extLst>
-              <a:ext uri="{FF2B5EF4-FFF2-40B4-BE49-F238E27FC236}">
-                <a16:creationId xmlns:a16="http://schemas.microsoft.com/office/drawing/2014/main" id="{18A1CEBE-3240-4EAD-95EC-0EF614760742}"/>
+          <p:cNvPr id="27" name="Rectangle 26">
+            <a:extLst>
+              <a:ext uri="{FF2B5EF4-FFF2-40B4-BE49-F238E27FC236}">
+                <a16:creationId xmlns:a16="http://schemas.microsoft.com/office/drawing/2014/main" id="{A34993C2-B916-4DF2-92C3-3A7B1A63D96B}"/>
               </a:ext>
             </a:extLst>
           </p:cNvPr>
@@ -4873,50 +4801,7 @@
         </p:nvSpPr>
         <p:spPr>
           <a:xfrm>
-            <a:off x="537589" y="4772083"/>
-            <a:ext cx="1943100" cy="461665"/>
-          </a:xfrm>
-          <a:prstGeom prst="rect">
-            <a:avLst/>
-          </a:prstGeom>
-        </p:spPr>
-        <p:txBody>
-          <a:bodyPr wrap="square">
-            <a:spAutoFit/>
-          </a:bodyPr>
-          <a:lstStyle/>
-          <a:p>
-            <a:pPr algn="ctr"/>
-            <a:r>
-              <a:rPr lang="en-US" sz="1200" dirty="0"/>
-              <a:t>O365 exchange</a:t>
-            </a:r>
-            <a:br>
-              <a:rPr lang="en-US" sz="1200" dirty="0"/>
-            </a:br>
-            <a:r>
-              <a:rPr lang="en-US" sz="1200" dirty="0"/>
-              <a:t> attachment </a:t>
-            </a:r>
-            <a:endParaRPr lang="de-CH" sz="1200" dirty="0"/>
-          </a:p>
-        </p:txBody>
-      </p:sp>
-      <p:sp>
-        <p:nvSpPr>
-          <p:cNvPr id="35" name="Rectangle 34">
-            <a:extLst>
-              <a:ext uri="{FF2B5EF4-FFF2-40B4-BE49-F238E27FC236}">
-                <a16:creationId xmlns:a16="http://schemas.microsoft.com/office/drawing/2014/main" id="{F8143A06-E77C-43B9-B27E-4E2782A5FC87}"/>
-              </a:ext>
-            </a:extLst>
-          </p:cNvPr>
-          <p:cNvSpPr/>
-          <p:nvPr/>
-        </p:nvSpPr>
-        <p:spPr>
-          <a:xfrm>
-            <a:off x="5374149" y="76270"/>
+            <a:off x="5379324" y="4406333"/>
             <a:ext cx="1554480" cy="1539240"/>
           </a:xfrm>
           <a:prstGeom prst="rect">
@@ -4949,27 +4834,63 @@
           </a:p>
         </p:txBody>
       </p:sp>
-      <p:sp>
-        <p:nvSpPr>
-          <p:cNvPr id="36" name="Rectangle 35">
-            <a:extLst>
-              <a:ext uri="{FF2B5EF4-FFF2-40B4-BE49-F238E27FC236}">
-                <a16:creationId xmlns:a16="http://schemas.microsoft.com/office/drawing/2014/main" id="{439ACADA-4300-41D5-933B-40880ADCBEF3}"/>
-              </a:ext>
-            </a:extLst>
-          </p:cNvPr>
-          <p:cNvSpPr/>
+      <p:pic>
+        <p:nvPicPr>
+          <p:cNvPr id="30" name="Picture 29">
+            <a:extLst>
+              <a:ext uri="{FF2B5EF4-FFF2-40B4-BE49-F238E27FC236}">
+                <a16:creationId xmlns:a16="http://schemas.microsoft.com/office/drawing/2014/main" id="{13D1EFA9-E166-4BE9-AD46-C0781979784F}"/>
+              </a:ext>
+            </a:extLst>
+          </p:cNvPr>
+          <p:cNvPicPr>
+            <a:picLocks noChangeAspect="1"/>
+          </p:cNvPicPr>
           <p:nvPr/>
-        </p:nvSpPr>
+        </p:nvPicPr>
+        <p:blipFill>
+          <a:blip r:embed="rId8">
+            <a:extLst>
+              <a:ext uri="{28A0092B-C50C-407E-A947-70E740481C1C}">
+                <a14:useLocalDpi xmlns:a14="http://schemas.microsoft.com/office/drawing/2010/main" val="0"/>
+              </a:ext>
+            </a:extLst>
+          </a:blip>
+          <a:stretch>
+            <a:fillRect/>
+          </a:stretch>
+        </p:blipFill>
         <p:spPr>
           <a:xfrm>
-            <a:off x="5176836" y="1249660"/>
-            <a:ext cx="1943100" cy="276999"/>
+            <a:off x="1096279" y="2796026"/>
+            <a:ext cx="780290" cy="780290"/>
           </a:xfrm>
           <a:prstGeom prst="rect">
             <a:avLst/>
           </a:prstGeom>
         </p:spPr>
+      </p:pic>
+      <p:sp>
+        <p:nvSpPr>
+          <p:cNvPr id="31" name="Rectangle 30">
+            <a:extLst>
+              <a:ext uri="{FF2B5EF4-FFF2-40B4-BE49-F238E27FC236}">
+                <a16:creationId xmlns:a16="http://schemas.microsoft.com/office/drawing/2014/main" id="{CFA4C347-FF29-4F72-9380-7775E51C1C4C}"/>
+              </a:ext>
+            </a:extLst>
+          </p:cNvPr>
+          <p:cNvSpPr/>
+          <p:nvPr/>
+        </p:nvSpPr>
+        <p:spPr>
+          <a:xfrm>
+            <a:off x="496943" y="3522529"/>
+            <a:ext cx="1943100" cy="461665"/>
+          </a:xfrm>
+          <a:prstGeom prst="rect">
+            <a:avLst/>
+          </a:prstGeom>
+        </p:spPr>
         <p:txBody>
           <a:bodyPr wrap="square">
             <a:spAutoFit/>
@@ -4978,23 +4899,25 @@
           <a:p>
             <a:pPr algn="ctr"/>
             <a:r>
-              <a:rPr lang="en-US" sz="1200" dirty="0" err="1"/>
-              <a:t>iBera</a:t>
-            </a:r>
-            <a:r>
-              <a:rPr lang="en-US" sz="1200" dirty="0"/>
-              <a:t> app</a:t>
-            </a:r>
-            <a:endParaRPr lang="de-CH" sz="1200" dirty="0"/>
-          </a:p>
-        </p:txBody>
-      </p:sp>
-      <p:sp>
-        <p:nvSpPr>
-          <p:cNvPr id="41" name="Rectangle 40">
-            <a:extLst>
-              <a:ext uri="{FF2B5EF4-FFF2-40B4-BE49-F238E27FC236}">
-                <a16:creationId xmlns:a16="http://schemas.microsoft.com/office/drawing/2014/main" id="{7183C806-C3E0-4FE8-85D5-CD523D5D80F2}"/>
+              <a:rPr lang="de-CH" sz="1200" dirty="0"/>
+              <a:t>Outlook </a:t>
+            </a:r>
+          </a:p>
+          <a:p>
+            <a:pPr algn="ctr"/>
+            <a:r>
+              <a:rPr lang="de-CH" sz="1200" dirty="0"/>
+              <a:t>Add-in</a:t>
+            </a:r>
+          </a:p>
+        </p:txBody>
+      </p:sp>
+      <p:sp>
+        <p:nvSpPr>
+          <p:cNvPr id="33" name="Rectangle 32">
+            <a:extLst>
+              <a:ext uri="{FF2B5EF4-FFF2-40B4-BE49-F238E27FC236}">
+                <a16:creationId xmlns:a16="http://schemas.microsoft.com/office/drawing/2014/main" id="{4807283E-086F-47D4-B25A-B36267BF19BB}"/>
               </a:ext>
             </a:extLst>
           </p:cNvPr>
@@ -5003,161 +4926,174 @@
         </p:nvSpPr>
         <p:spPr>
           <a:xfrm>
-            <a:off x="7764780" y="3656306"/>
-            <a:ext cx="1943100" cy="276999"/>
+            <a:off x="724188" y="4404373"/>
+            <a:ext cx="1554480" cy="1539240"/>
           </a:xfrm>
           <a:prstGeom prst="rect">
             <a:avLst/>
           </a:prstGeom>
-        </p:spPr>
-        <p:txBody>
-          <a:bodyPr wrap="square">
-            <a:spAutoFit/>
-          </a:bodyPr>
-          <a:lstStyle/>
-          <a:p>
-            <a:pPr algn="ctr"/>
-            <a:r>
-              <a:rPr lang="de-CH" sz="1200" dirty="0"/>
-              <a:t>private VPN</a:t>
-            </a:r>
-          </a:p>
-        </p:txBody>
-      </p:sp>
-      <p:sp>
-        <p:nvSpPr>
-          <p:cNvPr id="42" name="Rectangle 41">
-            <a:extLst>
-              <a:ext uri="{FF2B5EF4-FFF2-40B4-BE49-F238E27FC236}">
-                <a16:creationId xmlns:a16="http://schemas.microsoft.com/office/drawing/2014/main" id="{01049360-ABE4-4001-AD5B-2C6BDED5F3E9}"/>
-              </a:ext>
-            </a:extLst>
-          </p:cNvPr>
-          <p:cNvSpPr/>
-          <p:nvPr/>
-        </p:nvSpPr>
-        <p:spPr>
-          <a:xfrm>
-            <a:off x="3489223" y="5402626"/>
-            <a:ext cx="3505937" cy="276999"/>
-          </a:xfrm>
-          <a:prstGeom prst="rect">
-            <a:avLst/>
-          </a:prstGeom>
-        </p:spPr>
-        <p:txBody>
-          <a:bodyPr wrap="square">
-            <a:spAutoFit/>
-          </a:bodyPr>
-          <a:lstStyle/>
-          <a:p>
-            <a:pPr algn="ctr"/>
-            <a:r>
-              <a:rPr lang="en-US" sz="1200" dirty="0"/>
-              <a:t>App Service Environment</a:t>
-            </a:r>
-            <a:endParaRPr lang="de-CH" sz="1200" dirty="0"/>
-          </a:p>
-        </p:txBody>
-      </p:sp>
-      <p:sp>
-        <p:nvSpPr>
-          <p:cNvPr id="47" name="Rectangle 46">
-            <a:extLst>
-              <a:ext uri="{FF2B5EF4-FFF2-40B4-BE49-F238E27FC236}">
-                <a16:creationId xmlns:a16="http://schemas.microsoft.com/office/drawing/2014/main" id="{21767841-136B-403D-B57D-478FB0BF8226}"/>
-              </a:ext>
-            </a:extLst>
-          </p:cNvPr>
-          <p:cNvSpPr/>
-          <p:nvPr/>
-        </p:nvSpPr>
-        <p:spPr>
-          <a:xfrm>
-            <a:off x="6507768" y="2951128"/>
-            <a:ext cx="1943100" cy="276999"/>
-          </a:xfrm>
-          <a:prstGeom prst="rect">
-            <a:avLst/>
-          </a:prstGeom>
-        </p:spPr>
-        <p:txBody>
-          <a:bodyPr wrap="square">
-            <a:spAutoFit/>
-          </a:bodyPr>
-          <a:lstStyle/>
-          <a:p>
-            <a:pPr algn="ctr"/>
-            <a:r>
-              <a:rPr lang="en-US" sz="1200" dirty="0"/>
-              <a:t>gateway</a:t>
-            </a:r>
-            <a:endParaRPr lang="de-CH" sz="1200" dirty="0"/>
-          </a:p>
-        </p:txBody>
-      </p:sp>
-      <p:cxnSp>
-        <p:nvCxnSpPr>
-          <p:cNvPr id="51" name="Straight Arrow Connector 50">
-            <a:extLst>
-              <a:ext uri="{FF2B5EF4-FFF2-40B4-BE49-F238E27FC236}">
-                <a16:creationId xmlns:a16="http://schemas.microsoft.com/office/drawing/2014/main" id="{B0473EEF-ACF5-4D49-9BD0-DC92268425B7}"/>
-              </a:ext>
-            </a:extLst>
-          </p:cNvPr>
-          <p:cNvCxnSpPr>
-            <a:cxnSpLocks/>
-            <a:stCxn id="32" idx="3"/>
-          </p:cNvCxnSpPr>
-          <p:nvPr/>
-        </p:nvCxnSpPr>
-        <p:spPr>
-          <a:xfrm>
-            <a:off x="2278668" y="2697480"/>
-            <a:ext cx="1333212" cy="0"/>
-          </a:xfrm>
-          <a:prstGeom prst="straightConnector1">
-            <a:avLst/>
-          </a:prstGeom>
-          <a:ln>
-            <a:tailEnd type="triangle"/>
-          </a:ln>
+          <a:noFill/>
         </p:spPr>
         <p:style>
-          <a:lnRef idx="1">
-            <a:schemeClr val="accent1"/>
+          <a:lnRef idx="2">
+            <a:schemeClr val="accent1">
+              <a:shade val="50000"/>
+            </a:schemeClr>
           </a:lnRef>
-          <a:fillRef idx="0">
+          <a:fillRef idx="1">
             <a:schemeClr val="accent1"/>
           </a:fillRef>
           <a:effectRef idx="0">
             <a:schemeClr val="accent1"/>
           </a:effectRef>
           <a:fontRef idx="minor">
-            <a:schemeClr val="tx1"/>
+            <a:schemeClr val="lt1"/>
           </a:fontRef>
         </p:style>
-      </p:cxnSp>
+        <p:txBody>
+          <a:bodyPr rtlCol="0" anchor="ctr"/>
+          <a:lstStyle/>
+          <a:p>
+            <a:pPr algn="ctr"/>
+            <a:endParaRPr lang="de-CH"/>
+          </a:p>
+        </p:txBody>
+      </p:sp>
+      <p:sp>
+        <p:nvSpPr>
+          <p:cNvPr id="34" name="Rectangle 33">
+            <a:extLst>
+              <a:ext uri="{FF2B5EF4-FFF2-40B4-BE49-F238E27FC236}">
+                <a16:creationId xmlns:a16="http://schemas.microsoft.com/office/drawing/2014/main" id="{18A1CEBE-3240-4EAD-95EC-0EF614760742}"/>
+              </a:ext>
+            </a:extLst>
+          </p:cNvPr>
+          <p:cNvSpPr/>
+          <p:nvPr/>
+        </p:nvSpPr>
+        <p:spPr>
+          <a:xfrm>
+            <a:off x="529878" y="5375299"/>
+            <a:ext cx="1943100" cy="461665"/>
+          </a:xfrm>
+          <a:prstGeom prst="rect">
+            <a:avLst/>
+          </a:prstGeom>
+        </p:spPr>
+        <p:txBody>
+          <a:bodyPr wrap="square">
+            <a:spAutoFit/>
+          </a:bodyPr>
+          <a:lstStyle/>
+          <a:p>
+            <a:pPr algn="ctr"/>
+            <a:r>
+              <a:rPr lang="en-US" sz="1200" dirty="0"/>
+              <a:t>O365 exchange</a:t>
+            </a:r>
+            <a:br>
+              <a:rPr lang="en-US" sz="1200" dirty="0"/>
+            </a:br>
+            <a:r>
+              <a:rPr lang="en-US" sz="1200" dirty="0"/>
+              <a:t> attachment </a:t>
+            </a:r>
+            <a:endParaRPr lang="de-CH" sz="1200" dirty="0"/>
+          </a:p>
+        </p:txBody>
+      </p:sp>
+      <p:sp>
+        <p:nvSpPr>
+          <p:cNvPr id="36" name="Rectangle 35">
+            <a:extLst>
+              <a:ext uri="{FF2B5EF4-FFF2-40B4-BE49-F238E27FC236}">
+                <a16:creationId xmlns:a16="http://schemas.microsoft.com/office/drawing/2014/main" id="{439ACADA-4300-41D5-933B-40880ADCBEF3}"/>
+              </a:ext>
+            </a:extLst>
+          </p:cNvPr>
+          <p:cNvSpPr/>
+          <p:nvPr/>
+        </p:nvSpPr>
+        <p:spPr>
+          <a:xfrm>
+            <a:off x="5176836" y="1773033"/>
+            <a:ext cx="1943100" cy="276999"/>
+          </a:xfrm>
+          <a:prstGeom prst="rect">
+            <a:avLst/>
+          </a:prstGeom>
+        </p:spPr>
+        <p:txBody>
+          <a:bodyPr wrap="square">
+            <a:spAutoFit/>
+          </a:bodyPr>
+          <a:lstStyle/>
+          <a:p>
+            <a:pPr algn="ctr"/>
+            <a:r>
+              <a:rPr lang="en-US" sz="1200" dirty="0"/>
+              <a:t>Client App</a:t>
+            </a:r>
+            <a:endParaRPr lang="de-CH" sz="1200" dirty="0"/>
+          </a:p>
+        </p:txBody>
+      </p:sp>
+      <p:sp>
+        <p:nvSpPr>
+          <p:cNvPr id="42" name="Rectangle 41">
+            <a:extLst>
+              <a:ext uri="{FF2B5EF4-FFF2-40B4-BE49-F238E27FC236}">
+                <a16:creationId xmlns:a16="http://schemas.microsoft.com/office/drawing/2014/main" id="{01049360-ABE4-4001-AD5B-2C6BDED5F3E9}"/>
+              </a:ext>
+            </a:extLst>
+          </p:cNvPr>
+          <p:cNvSpPr/>
+          <p:nvPr/>
+        </p:nvSpPr>
+        <p:spPr>
+          <a:xfrm>
+            <a:off x="4609753" y="6107990"/>
+            <a:ext cx="3505937" cy="276999"/>
+          </a:xfrm>
+          <a:prstGeom prst="rect">
+            <a:avLst/>
+          </a:prstGeom>
+        </p:spPr>
+        <p:txBody>
+          <a:bodyPr wrap="square">
+            <a:spAutoFit/>
+          </a:bodyPr>
+          <a:lstStyle/>
+          <a:p>
+            <a:pPr algn="ctr"/>
+            <a:r>
+              <a:rPr lang="en-US" sz="1200" b="1" dirty="0"/>
+              <a:t>App Service Environment in Azure</a:t>
+            </a:r>
+            <a:endParaRPr lang="de-CH" sz="1200" b="1" dirty="0"/>
+          </a:p>
+        </p:txBody>
+      </p:sp>
       <p:cxnSp>
         <p:nvCxnSpPr>
-          <p:cNvPr id="54" name="Straight Arrow Connector 53">
-            <a:extLst>
-              <a:ext uri="{FF2B5EF4-FFF2-40B4-BE49-F238E27FC236}">
-                <a16:creationId xmlns:a16="http://schemas.microsoft.com/office/drawing/2014/main" id="{91F1D14E-8DDC-46B2-B9B1-9B8369D71F4D}"/>
+          <p:cNvPr id="51" name="Straight Arrow Connector 50">
+            <a:extLst>
+              <a:ext uri="{FF2B5EF4-FFF2-40B4-BE49-F238E27FC236}">
+                <a16:creationId xmlns:a16="http://schemas.microsoft.com/office/drawing/2014/main" id="{B0473EEF-ACF5-4D49-9BD0-DC92268425B7}"/>
               </a:ext>
             </a:extLst>
           </p:cNvPr>
           <p:cNvCxnSpPr>
             <a:cxnSpLocks/>
             <a:stCxn id="32" idx="3"/>
-            <a:endCxn id="19" idx="1"/>
+            <a:endCxn id="13" idx="1"/>
           </p:cNvCxnSpPr>
           <p:nvPr/>
         </p:nvCxnSpPr>
         <p:spPr>
-          <a:xfrm>
-            <a:off x="2278668" y="2697480"/>
-            <a:ext cx="1338387" cy="1768608"/>
+          <a:xfrm flipV="1">
+            <a:off x="2278668" y="3399725"/>
+            <a:ext cx="1333212" cy="7620"/>
           </a:xfrm>
           <a:prstGeom prst="straightConnector1">
             <a:avLst/>
@@ -5192,58 +5128,15 @@
           </p:cNvPr>
           <p:cNvCxnSpPr>
             <a:cxnSpLocks/>
-            <a:stCxn id="19" idx="1"/>
+            <a:stCxn id="13" idx="1"/>
             <a:endCxn id="33" idx="3"/>
           </p:cNvCxnSpPr>
           <p:nvPr/>
         </p:nvCxnSpPr>
         <p:spPr>
-          <a:xfrm flipH="1" flipV="1">
-            <a:off x="2278668" y="4464128"/>
-            <a:ext cx="1338387" cy="1960"/>
-          </a:xfrm>
-          <a:prstGeom prst="straightConnector1">
-            <a:avLst/>
-          </a:prstGeom>
-          <a:ln>
-            <a:tailEnd type="triangle"/>
-          </a:ln>
-        </p:spPr>
-        <p:style>
-          <a:lnRef idx="1">
-            <a:schemeClr val="accent1"/>
-          </a:lnRef>
-          <a:fillRef idx="0">
-            <a:schemeClr val="accent1"/>
-          </a:fillRef>
-          <a:effectRef idx="0">
-            <a:schemeClr val="accent1"/>
-          </a:effectRef>
-          <a:fontRef idx="minor">
-            <a:schemeClr val="tx1"/>
-          </a:fontRef>
-        </p:style>
-      </p:cxnSp>
-      <p:cxnSp>
-        <p:nvCxnSpPr>
-          <p:cNvPr id="63" name="Straight Arrow Connector 62">
-            <a:extLst>
-              <a:ext uri="{FF2B5EF4-FFF2-40B4-BE49-F238E27FC236}">
-                <a16:creationId xmlns:a16="http://schemas.microsoft.com/office/drawing/2014/main" id="{26842BA1-25A9-41AC-AA2A-2D2543C949E0}"/>
-              </a:ext>
-            </a:extLst>
-          </p:cNvPr>
-          <p:cNvCxnSpPr>
-            <a:cxnSpLocks/>
-            <a:stCxn id="19" idx="3"/>
-            <a:endCxn id="27" idx="1"/>
-          </p:cNvCxnSpPr>
-          <p:nvPr/>
-        </p:nvCxnSpPr>
-        <p:spPr>
-          <a:xfrm>
-            <a:off x="5171535" y="4466088"/>
-            <a:ext cx="207789" cy="0"/>
+          <a:xfrm flipH="1">
+            <a:off x="2278668" y="3399725"/>
+            <a:ext cx="1333212" cy="1774268"/>
           </a:xfrm>
           <a:prstGeom prst="straightConnector1">
             <a:avLst/>
@@ -5279,13 +5172,14 @@
           <p:cNvCxnSpPr>
             <a:cxnSpLocks/>
             <a:stCxn id="13" idx="3"/>
+            <a:endCxn id="16" idx="1"/>
           </p:cNvCxnSpPr>
           <p:nvPr/>
         </p:nvCxnSpPr>
         <p:spPr>
           <a:xfrm>
-            <a:off x="5166360" y="2689860"/>
-            <a:ext cx="233550" cy="0"/>
+            <a:off x="5166360" y="3399725"/>
+            <a:ext cx="207789" cy="0"/>
           </a:xfrm>
           <a:prstGeom prst="straightConnector1">
             <a:avLst/>
@@ -5321,56 +5215,14 @@
           <p:cNvCxnSpPr>
             <a:cxnSpLocks/>
             <a:stCxn id="16" idx="3"/>
+            <a:endCxn id="22" idx="1"/>
           </p:cNvCxnSpPr>
           <p:nvPr/>
         </p:nvCxnSpPr>
         <p:spPr>
           <a:xfrm>
-            <a:off x="6928629" y="2689860"/>
-            <a:ext cx="1100802" cy="7620"/>
-          </a:xfrm>
-          <a:prstGeom prst="straightConnector1">
-            <a:avLst/>
-          </a:prstGeom>
-          <a:ln>
-            <a:tailEnd type="triangle"/>
-          </a:ln>
-        </p:spPr>
-        <p:style>
-          <a:lnRef idx="1">
-            <a:schemeClr val="accent1"/>
-          </a:lnRef>
-          <a:fillRef idx="0">
-            <a:schemeClr val="accent1"/>
-          </a:fillRef>
-          <a:effectRef idx="0">
-            <a:schemeClr val="accent1"/>
-          </a:effectRef>
-          <a:fontRef idx="minor">
-            <a:schemeClr val="tx1"/>
-          </a:fontRef>
-        </p:style>
-      </p:cxnSp>
-      <p:cxnSp>
-        <p:nvCxnSpPr>
-          <p:cNvPr id="77" name="Straight Arrow Connector 76">
-            <a:extLst>
-              <a:ext uri="{FF2B5EF4-FFF2-40B4-BE49-F238E27FC236}">
-                <a16:creationId xmlns:a16="http://schemas.microsoft.com/office/drawing/2014/main" id="{BE4F7B76-F839-4A7B-BC59-CBFC4F6A30C7}"/>
-              </a:ext>
-            </a:extLst>
-          </p:cNvPr>
-          <p:cNvCxnSpPr>
-            <a:cxnSpLocks/>
-            <a:stCxn id="32" idx="2"/>
-            <a:endCxn id="33" idx="0"/>
-          </p:cNvCxnSpPr>
-          <p:nvPr/>
-        </p:nvCxnSpPr>
-        <p:spPr>
-          <a:xfrm>
-            <a:off x="1501428" y="3467100"/>
-            <a:ext cx="0" cy="227408"/>
+            <a:off x="6928629" y="3399725"/>
+            <a:ext cx="658036" cy="0"/>
           </a:xfrm>
           <a:prstGeom prst="straightConnector1">
             <a:avLst/>
@@ -5405,13 +5257,15 @@
           </p:cNvPr>
           <p:cNvCxnSpPr>
             <a:cxnSpLocks/>
+            <a:stCxn id="35" idx="2"/>
+            <a:endCxn id="16" idx="0"/>
           </p:cNvCxnSpPr>
           <p:nvPr/>
         </p:nvCxnSpPr>
         <p:spPr>
           <a:xfrm>
-            <a:off x="6151389" y="1611254"/>
-            <a:ext cx="0" cy="316244"/>
+            <a:off x="6151389" y="2138883"/>
+            <a:ext cx="0" cy="491222"/>
           </a:xfrm>
           <a:prstGeom prst="straightConnector1">
             <a:avLst/>
@@ -5453,8 +5307,176 @@
         </p:nvCxnSpPr>
         <p:spPr>
           <a:xfrm>
-            <a:off x="6151389" y="3459480"/>
+            <a:off x="6151389" y="4169345"/>
             <a:ext cx="5175" cy="236988"/>
+          </a:xfrm>
+          <a:prstGeom prst="straightConnector1">
+            <a:avLst/>
+          </a:prstGeom>
+          <a:ln>
+            <a:tailEnd type="triangle"/>
+          </a:ln>
+        </p:spPr>
+        <p:style>
+          <a:lnRef idx="1">
+            <a:schemeClr val="accent1"/>
+          </a:lnRef>
+          <a:fillRef idx="0">
+            <a:schemeClr val="accent1"/>
+          </a:fillRef>
+          <a:effectRef idx="0">
+            <a:schemeClr val="accent1"/>
+          </a:effectRef>
+          <a:fontRef idx="minor">
+            <a:schemeClr val="tx1"/>
+          </a:fontRef>
+        </p:style>
+      </p:cxnSp>
+      <p:pic>
+        <p:nvPicPr>
+          <p:cNvPr id="43" name="Picture 42">
+            <a:extLst>
+              <a:ext uri="{FF2B5EF4-FFF2-40B4-BE49-F238E27FC236}">
+                <a16:creationId xmlns:a16="http://schemas.microsoft.com/office/drawing/2014/main" id="{7D0C17B6-4538-4F69-AB62-3F84E78EA2BF}"/>
+              </a:ext>
+            </a:extLst>
+          </p:cNvPr>
+          <p:cNvPicPr>
+            <a:picLocks noChangeAspect="1"/>
+          </p:cNvPicPr>
+          <p:nvPr/>
+        </p:nvPicPr>
+        <p:blipFill>
+          <a:blip r:embed="rId6">
+            <a:extLst>
+              <a:ext uri="{28A0092B-C50C-407E-A947-70E740481C1C}">
+                <a14:useLocalDpi xmlns:a14="http://schemas.microsoft.com/office/drawing/2010/main" val="0"/>
+              </a:ext>
+            </a:extLst>
+          </a:blip>
+          <a:stretch>
+            <a:fillRect/>
+          </a:stretch>
+        </p:blipFill>
+        <p:spPr>
+          <a:xfrm>
+            <a:off x="4114039" y="4532687"/>
+            <a:ext cx="780290" cy="780290"/>
+          </a:xfrm>
+          <a:prstGeom prst="rect">
+            <a:avLst/>
+          </a:prstGeom>
+        </p:spPr>
+      </p:pic>
+      <p:sp>
+        <p:nvSpPr>
+          <p:cNvPr id="44" name="Rectangle 43">
+            <a:extLst>
+              <a:ext uri="{FF2B5EF4-FFF2-40B4-BE49-F238E27FC236}">
+                <a16:creationId xmlns:a16="http://schemas.microsoft.com/office/drawing/2014/main" id="{31E83AA1-C677-4874-A295-65DEF32D759D}"/>
+              </a:ext>
+            </a:extLst>
+          </p:cNvPr>
+          <p:cNvSpPr/>
+          <p:nvPr/>
+        </p:nvSpPr>
+        <p:spPr>
+          <a:xfrm>
+            <a:off x="3433574" y="5283697"/>
+            <a:ext cx="1943100" cy="461665"/>
+          </a:xfrm>
+          <a:prstGeom prst="rect">
+            <a:avLst/>
+          </a:prstGeom>
+        </p:spPr>
+        <p:txBody>
+          <a:bodyPr wrap="square">
+            <a:spAutoFit/>
+          </a:bodyPr>
+          <a:lstStyle/>
+          <a:p>
+            <a:pPr algn="ctr"/>
+            <a:r>
+              <a:rPr lang="de-CH" sz="1200" dirty="0"/>
+              <a:t>Documents </a:t>
+            </a:r>
+          </a:p>
+          <a:p>
+            <a:pPr algn="ctr"/>
+            <a:r>
+              <a:rPr lang="de-CH" sz="1200" dirty="0"/>
+              <a:t>Storage</a:t>
+            </a:r>
+          </a:p>
+        </p:txBody>
+      </p:sp>
+      <p:sp>
+        <p:nvSpPr>
+          <p:cNvPr id="45" name="Rectangle 44">
+            <a:extLst>
+              <a:ext uri="{FF2B5EF4-FFF2-40B4-BE49-F238E27FC236}">
+                <a16:creationId xmlns:a16="http://schemas.microsoft.com/office/drawing/2014/main" id="{DFE3C03E-2BB1-4146-96E6-60668699734D}"/>
+              </a:ext>
+            </a:extLst>
+          </p:cNvPr>
+          <p:cNvSpPr/>
+          <p:nvPr/>
+        </p:nvSpPr>
+        <p:spPr>
+          <a:xfrm>
+            <a:off x="3606705" y="4404373"/>
+            <a:ext cx="1554480" cy="1539240"/>
+          </a:xfrm>
+          <a:prstGeom prst="rect">
+            <a:avLst/>
+          </a:prstGeom>
+          <a:noFill/>
+        </p:spPr>
+        <p:style>
+          <a:lnRef idx="2">
+            <a:schemeClr val="accent1">
+              <a:shade val="50000"/>
+            </a:schemeClr>
+          </a:lnRef>
+          <a:fillRef idx="1">
+            <a:schemeClr val="accent1"/>
+          </a:fillRef>
+          <a:effectRef idx="0">
+            <a:schemeClr val="accent1"/>
+          </a:effectRef>
+          <a:fontRef idx="minor">
+            <a:schemeClr val="lt1"/>
+          </a:fontRef>
+        </p:style>
+        <p:txBody>
+          <a:bodyPr rtlCol="0" anchor="ctr"/>
+          <a:lstStyle/>
+          <a:p>
+            <a:pPr algn="ctr"/>
+            <a:endParaRPr lang="de-CH"/>
+          </a:p>
+        </p:txBody>
+      </p:sp>
+      <p:cxnSp>
+        <p:nvCxnSpPr>
+          <p:cNvPr id="46" name="Straight Arrow Connector 45">
+            <a:extLst>
+              <a:ext uri="{FF2B5EF4-FFF2-40B4-BE49-F238E27FC236}">
+                <a16:creationId xmlns:a16="http://schemas.microsoft.com/office/drawing/2014/main" id="{C8E75BBF-6994-4772-AB2D-B28E80D73D85}"/>
+              </a:ext>
+            </a:extLst>
+          </p:cNvPr>
+          <p:cNvCxnSpPr>
+            <a:cxnSpLocks/>
+            <a:stCxn id="13" idx="2"/>
+            <a:endCxn id="45" idx="0"/>
+          </p:cNvCxnSpPr>
+          <p:nvPr/>
+        </p:nvCxnSpPr>
+        <p:spPr>
+          <a:xfrm flipH="1">
+            <a:off x="4383945" y="4169345"/>
+            <a:ext cx="5175" cy="235028"/>
           </a:xfrm>
           <a:prstGeom prst="straightConnector1">
             <a:avLst/>
@@ -5488,6 +5510,1382 @@
   <p:clrMapOvr>
     <a:masterClrMapping/>
   </p:clrMapOvr>
+</p:sld>
+</file>
+
+<file path=ppt/slides/slide2.xml><?xml version="1.0" encoding="utf-8"?>
+<p:sld xmlns:a="http://schemas.openxmlformats.org/drawingml/2006/main" xmlns:r="http://schemas.openxmlformats.org/officeDocument/2006/relationships" xmlns:p="http://schemas.openxmlformats.org/presentationml/2006/main">
+  <p:cSld>
+    <p:spTree>
+      <p:nvGrpSpPr>
+        <p:cNvPr id="1" name=""/>
+        <p:cNvGrpSpPr/>
+        <p:nvPr/>
+      </p:nvGrpSpPr>
+      <p:grpSpPr>
+        <a:xfrm>
+          <a:off x="0" y="0"/>
+          <a:ext cx="0" cy="0"/>
+          <a:chOff x="0" y="0"/>
+          <a:chExt cx="0" cy="0"/>
+        </a:xfrm>
+      </p:grpSpPr>
+      <p:sp>
+        <p:nvSpPr>
+          <p:cNvPr id="72" name="Rectangle 71"/>
+          <p:cNvSpPr/>
+          <p:nvPr/>
+        </p:nvSpPr>
+        <p:spPr bwMode="auto">
+          <a:xfrm>
+            <a:off x="5148247" y="1441681"/>
+            <a:ext cx="6922477" cy="4591628"/>
+          </a:xfrm>
+          <a:prstGeom prst="rect">
+            <a:avLst/>
+          </a:prstGeom>
+          <a:solidFill>
+            <a:srgbClr val="BFBFBF"/>
+          </a:solidFill>
+          <a:ln w="28575">
+            <a:solidFill>
+              <a:schemeClr val="accent5"/>
+            </a:solidFill>
+            <a:headEnd type="none" w="med" len="med"/>
+            <a:tailEnd type="none" w="med" len="med"/>
+          </a:ln>
+          <a:effectLst/>
+        </p:spPr>
+        <p:style>
+          <a:lnRef idx="1">
+            <a:schemeClr val="accent2"/>
+          </a:lnRef>
+          <a:fillRef idx="3">
+            <a:schemeClr val="accent2"/>
+          </a:fillRef>
+          <a:effectRef idx="2">
+            <a:schemeClr val="accent2"/>
+          </a:effectRef>
+          <a:fontRef idx="minor">
+            <a:schemeClr val="lt1"/>
+          </a:fontRef>
+        </p:style>
+        <p:txBody>
+          <a:bodyPr rot="0" spcFirstLastPara="0" vertOverflow="overflow" horzOverflow="overflow" vert="horz" wrap="square" lIns="182880" tIns="146304" rIns="182880" bIns="146304" numCol="1" spcCol="0" rtlCol="0" fromWordArt="0" anchor="t" anchorCtr="0" forceAA="0" compatLnSpc="1">
+            <a:prstTxWarp prst="textNoShape">
+              <a:avLst/>
+            </a:prstTxWarp>
+            <a:noAutofit/>
+          </a:bodyPr>
+          <a:lstStyle/>
+          <a:p>
+            <a:pPr algn="ctr" defTabSz="932472" fontAlgn="base">
+              <a:lnSpc>
+                <a:spcPct val="90000"/>
+              </a:lnSpc>
+              <a:spcBef>
+                <a:spcPct val="0"/>
+              </a:spcBef>
+              <a:spcAft>
+                <a:spcPct val="0"/>
+              </a:spcAft>
+            </a:pPr>
+            <a:r>
+              <a:rPr lang="en-US" sz="2400" dirty="0">
+                <a:ln w="0"/>
+                <a:solidFill>
+                  <a:schemeClr val="tx1"/>
+                </a:solidFill>
+                <a:effectLst>
+                  <a:outerShdw blurRad="38100" dist="19050" dir="2700000" algn="tl" rotWithShape="0">
+                    <a:schemeClr val="dk1">
+                      <a:alpha val="40000"/>
+                    </a:schemeClr>
+                  </a:outerShdw>
+                </a:effectLst>
+                <a:ea typeface="Segoe UI" pitchFamily="34" charset="0"/>
+                <a:cs typeface="Segoe UI" pitchFamily="34" charset="0"/>
+              </a:rPr>
+              <a:t>Services operated by </a:t>
+            </a:r>
+            <a:r>
+              <a:rPr lang="en-US" sz="2400" dirty="0" err="1">
+                <a:ln w="0"/>
+                <a:solidFill>
+                  <a:schemeClr val="tx1"/>
+                </a:solidFill>
+                <a:effectLst>
+                  <a:outerShdw blurRad="38100" dist="19050" dir="2700000" algn="tl" rotWithShape="0">
+                    <a:schemeClr val="dk1">
+                      <a:alpha val="40000"/>
+                    </a:schemeClr>
+                  </a:outerShdw>
+                </a:effectLst>
+                <a:ea typeface="Segoe UI" pitchFamily="34" charset="0"/>
+                <a:cs typeface="Segoe UI" pitchFamily="34" charset="0"/>
+              </a:rPr>
+              <a:t>iBera</a:t>
+            </a:r>
+            <a:r>
+              <a:rPr lang="en-US" sz="2400" dirty="0">
+                <a:ln w="0"/>
+                <a:solidFill>
+                  <a:schemeClr val="tx1"/>
+                </a:solidFill>
+                <a:effectLst>
+                  <a:outerShdw blurRad="38100" dist="19050" dir="2700000" algn="tl" rotWithShape="0">
+                    <a:schemeClr val="dk1">
+                      <a:alpha val="40000"/>
+                    </a:schemeClr>
+                  </a:outerShdw>
+                </a:effectLst>
+                <a:ea typeface="Segoe UI" pitchFamily="34" charset="0"/>
+                <a:cs typeface="Segoe UI" pitchFamily="34" charset="0"/>
+              </a:rPr>
+              <a:t> on Azure</a:t>
+            </a:r>
+            <a:endParaRPr lang="de-CH" sz="2400" dirty="0" err="1">
+              <a:ln w="0"/>
+              <a:solidFill>
+                <a:schemeClr val="tx1"/>
+              </a:solidFill>
+              <a:effectLst>
+                <a:outerShdw blurRad="38100" dist="19050" dir="2700000" algn="tl" rotWithShape="0">
+                  <a:schemeClr val="dk1">
+                    <a:alpha val="40000"/>
+                  </a:schemeClr>
+                </a:outerShdw>
+              </a:effectLst>
+              <a:ea typeface="Segoe UI" pitchFamily="34" charset="0"/>
+              <a:cs typeface="Segoe UI" pitchFamily="34" charset="0"/>
+            </a:endParaRPr>
+          </a:p>
+        </p:txBody>
+      </p:sp>
+      <p:sp>
+        <p:nvSpPr>
+          <p:cNvPr id="34" name="Rectangle 33"/>
+          <p:cNvSpPr/>
+          <p:nvPr/>
+        </p:nvSpPr>
+        <p:spPr bwMode="auto">
+          <a:xfrm>
+            <a:off x="2589829" y="3150434"/>
+            <a:ext cx="1717433" cy="764642"/>
+          </a:xfrm>
+          <a:prstGeom prst="rect">
+            <a:avLst/>
+          </a:prstGeom>
+          <a:solidFill>
+            <a:srgbClr val="7030A0"/>
+          </a:solidFill>
+          <a:ln w="19050">
+            <a:solidFill>
+              <a:schemeClr val="tx1"/>
+            </a:solidFill>
+            <a:headEnd type="none" w="med" len="med"/>
+            <a:tailEnd type="none" w="med" len="med"/>
+          </a:ln>
+          <a:effectLst/>
+        </p:spPr>
+        <p:style>
+          <a:lnRef idx="1">
+            <a:schemeClr val="accent2"/>
+          </a:lnRef>
+          <a:fillRef idx="3">
+            <a:schemeClr val="accent2"/>
+          </a:fillRef>
+          <a:effectRef idx="2">
+            <a:schemeClr val="accent2"/>
+          </a:effectRef>
+          <a:fontRef idx="minor">
+            <a:schemeClr val="lt1"/>
+          </a:fontRef>
+        </p:style>
+        <p:txBody>
+          <a:bodyPr rot="0" spcFirstLastPara="0" vertOverflow="overflow" horzOverflow="overflow" vert="horz" wrap="square" lIns="182880" tIns="146304" rIns="182880" bIns="146304" numCol="1" spcCol="0" rtlCol="0" fromWordArt="0" anchor="ctr" anchorCtr="0" forceAA="0" compatLnSpc="1">
+            <a:prstTxWarp prst="textNoShape">
+              <a:avLst/>
+            </a:prstTxWarp>
+            <a:noAutofit/>
+          </a:bodyPr>
+          <a:lstStyle/>
+          <a:p>
+            <a:pPr algn="ctr" defTabSz="932472" fontAlgn="base">
+              <a:lnSpc>
+                <a:spcPct val="90000"/>
+              </a:lnSpc>
+              <a:spcBef>
+                <a:spcPct val="0"/>
+              </a:spcBef>
+              <a:spcAft>
+                <a:spcPct val="0"/>
+              </a:spcAft>
+            </a:pPr>
+            <a:r>
+              <a:rPr lang="en-US" sz="1600" dirty="0">
+                <a:gradFill>
+                  <a:gsLst>
+                    <a:gs pos="0">
+                      <a:srgbClr val="FFFFFF"/>
+                    </a:gs>
+                    <a:gs pos="100000">
+                      <a:srgbClr val="FFFFFF"/>
+                    </a:gs>
+                  </a:gsLst>
+                  <a:lin ang="5400000" scaled="0"/>
+                </a:gradFill>
+                <a:ea typeface="Segoe UI" pitchFamily="34" charset="0"/>
+                <a:cs typeface="Segoe UI" pitchFamily="34" charset="0"/>
+              </a:rPr>
+              <a:t>Outlook </a:t>
+            </a:r>
+            <a:br>
+              <a:rPr lang="en-US" sz="1600" dirty="0">
+                <a:gradFill>
+                  <a:gsLst>
+                    <a:gs pos="0">
+                      <a:srgbClr val="FFFFFF"/>
+                    </a:gs>
+                    <a:gs pos="100000">
+                      <a:srgbClr val="FFFFFF"/>
+                    </a:gs>
+                  </a:gsLst>
+                  <a:lin ang="5400000" scaled="0"/>
+                </a:gradFill>
+                <a:ea typeface="Segoe UI" pitchFamily="34" charset="0"/>
+                <a:cs typeface="Segoe UI" pitchFamily="34" charset="0"/>
+              </a:rPr>
+            </a:br>
+            <a:r>
+              <a:rPr lang="en-US" sz="1600" dirty="0">
+                <a:gradFill>
+                  <a:gsLst>
+                    <a:gs pos="0">
+                      <a:srgbClr val="FFFFFF"/>
+                    </a:gs>
+                    <a:gs pos="100000">
+                      <a:srgbClr val="FFFFFF"/>
+                    </a:gs>
+                  </a:gsLst>
+                  <a:lin ang="5400000" scaled="0"/>
+                </a:gradFill>
+                <a:ea typeface="Segoe UI" pitchFamily="34" charset="0"/>
+                <a:cs typeface="Segoe UI" pitchFamily="34" charset="0"/>
+              </a:rPr>
+              <a:t>Add-In</a:t>
+            </a:r>
+            <a:endParaRPr lang="de-CH" sz="1600" dirty="0" err="1">
+              <a:gradFill>
+                <a:gsLst>
+                  <a:gs pos="0">
+                    <a:srgbClr val="FFFFFF"/>
+                  </a:gs>
+                  <a:gs pos="100000">
+                    <a:srgbClr val="FFFFFF"/>
+                  </a:gs>
+                </a:gsLst>
+                <a:lin ang="5400000" scaled="0"/>
+              </a:gradFill>
+              <a:ea typeface="Segoe UI" pitchFamily="34" charset="0"/>
+              <a:cs typeface="Segoe UI" pitchFamily="34" charset="0"/>
+            </a:endParaRPr>
+          </a:p>
+        </p:txBody>
+      </p:sp>
+      <p:sp>
+        <p:nvSpPr>
+          <p:cNvPr id="35" name="Rectangle 34"/>
+          <p:cNvSpPr/>
+          <p:nvPr/>
+        </p:nvSpPr>
+        <p:spPr bwMode="auto">
+          <a:xfrm>
+            <a:off x="5661673" y="3015190"/>
+            <a:ext cx="1770184" cy="1027519"/>
+          </a:xfrm>
+          <a:prstGeom prst="rect">
+            <a:avLst/>
+          </a:prstGeom>
+          <a:solidFill>
+            <a:schemeClr val="accent1"/>
+          </a:solidFill>
+          <a:ln w="19050">
+            <a:solidFill>
+              <a:schemeClr val="tx1"/>
+            </a:solidFill>
+            <a:headEnd type="none" w="med" len="med"/>
+            <a:tailEnd type="none" w="med" len="med"/>
+          </a:ln>
+          <a:effectLst/>
+        </p:spPr>
+        <p:style>
+          <a:lnRef idx="1">
+            <a:schemeClr val="accent2"/>
+          </a:lnRef>
+          <a:fillRef idx="3">
+            <a:schemeClr val="accent2"/>
+          </a:fillRef>
+          <a:effectRef idx="2">
+            <a:schemeClr val="accent2"/>
+          </a:effectRef>
+          <a:fontRef idx="minor">
+            <a:schemeClr val="lt1"/>
+          </a:fontRef>
+        </p:style>
+        <p:txBody>
+          <a:bodyPr rot="0" spcFirstLastPara="0" vertOverflow="overflow" horzOverflow="overflow" vert="horz" wrap="square" lIns="182880" tIns="146304" rIns="182880" bIns="146304" numCol="1" spcCol="0" rtlCol="0" fromWordArt="0" anchor="ctr" anchorCtr="0" forceAA="0" compatLnSpc="1">
+            <a:prstTxWarp prst="textNoShape">
+              <a:avLst/>
+            </a:prstTxWarp>
+            <a:noAutofit/>
+          </a:bodyPr>
+          <a:lstStyle/>
+          <a:p>
+            <a:pPr algn="ctr" defTabSz="932472" fontAlgn="base">
+              <a:lnSpc>
+                <a:spcPct val="90000"/>
+              </a:lnSpc>
+              <a:spcBef>
+                <a:spcPct val="0"/>
+              </a:spcBef>
+              <a:spcAft>
+                <a:spcPct val="0"/>
+              </a:spcAft>
+            </a:pPr>
+            <a:r>
+              <a:rPr lang="en-US" dirty="0">
+                <a:gradFill>
+                  <a:gsLst>
+                    <a:gs pos="0">
+                      <a:srgbClr val="FFFFFF"/>
+                    </a:gs>
+                    <a:gs pos="100000">
+                      <a:srgbClr val="FFFFFF"/>
+                    </a:gs>
+                  </a:gsLst>
+                  <a:lin ang="5400000" scaled="0"/>
+                </a:gradFill>
+                <a:ea typeface="Segoe UI" pitchFamily="34" charset="0"/>
+                <a:cs typeface="Segoe UI" pitchFamily="34" charset="0"/>
+              </a:rPr>
+              <a:t>Outlook Integration API</a:t>
+            </a:r>
+            <a:endParaRPr lang="de-CH" dirty="0" err="1">
+              <a:gradFill>
+                <a:gsLst>
+                  <a:gs pos="0">
+                    <a:srgbClr val="FFFFFF"/>
+                  </a:gs>
+                  <a:gs pos="100000">
+                    <a:srgbClr val="FFFFFF"/>
+                  </a:gs>
+                </a:gsLst>
+                <a:lin ang="5400000" scaled="0"/>
+              </a:gradFill>
+              <a:ea typeface="Segoe UI" pitchFamily="34" charset="0"/>
+              <a:cs typeface="Segoe UI" pitchFamily="34" charset="0"/>
+            </a:endParaRPr>
+          </a:p>
+        </p:txBody>
+      </p:sp>
+      <p:sp>
+        <p:nvSpPr>
+          <p:cNvPr id="37" name="Rectangle 36"/>
+          <p:cNvSpPr/>
+          <p:nvPr/>
+        </p:nvSpPr>
+        <p:spPr bwMode="auto">
+          <a:xfrm>
+            <a:off x="7908284" y="3015189"/>
+            <a:ext cx="1770184" cy="1027519"/>
+          </a:xfrm>
+          <a:prstGeom prst="rect">
+            <a:avLst/>
+          </a:prstGeom>
+          <a:solidFill>
+            <a:schemeClr val="accent1"/>
+          </a:solidFill>
+          <a:ln w="19050">
+            <a:solidFill>
+              <a:schemeClr val="tx1"/>
+            </a:solidFill>
+            <a:headEnd type="none" w="med" len="med"/>
+            <a:tailEnd type="none" w="med" len="med"/>
+          </a:ln>
+          <a:effectLst/>
+        </p:spPr>
+        <p:style>
+          <a:lnRef idx="1">
+            <a:schemeClr val="accent2"/>
+          </a:lnRef>
+          <a:fillRef idx="3">
+            <a:schemeClr val="accent2"/>
+          </a:fillRef>
+          <a:effectRef idx="2">
+            <a:schemeClr val="accent2"/>
+          </a:effectRef>
+          <a:fontRef idx="minor">
+            <a:schemeClr val="lt1"/>
+          </a:fontRef>
+        </p:style>
+        <p:txBody>
+          <a:bodyPr rot="0" spcFirstLastPara="0" vertOverflow="overflow" horzOverflow="overflow" vert="horz" wrap="square" lIns="182880" tIns="146304" rIns="182880" bIns="146304" numCol="1" spcCol="0" rtlCol="0" fromWordArt="0" anchor="ctr" anchorCtr="0" forceAA="0" compatLnSpc="1">
+            <a:prstTxWarp prst="textNoShape">
+              <a:avLst/>
+            </a:prstTxWarp>
+            <a:noAutofit/>
+          </a:bodyPr>
+          <a:lstStyle/>
+          <a:p>
+            <a:pPr algn="ctr" defTabSz="932472" fontAlgn="base">
+              <a:lnSpc>
+                <a:spcPct val="90000"/>
+              </a:lnSpc>
+              <a:spcBef>
+                <a:spcPct val="0"/>
+              </a:spcBef>
+              <a:spcAft>
+                <a:spcPct val="0"/>
+              </a:spcAft>
+            </a:pPr>
+            <a:r>
+              <a:rPr lang="en-US" dirty="0">
+                <a:gradFill>
+                  <a:gsLst>
+                    <a:gs pos="0">
+                      <a:srgbClr val="FFFFFF"/>
+                    </a:gs>
+                    <a:gs pos="100000">
+                      <a:srgbClr val="FFFFFF"/>
+                    </a:gs>
+                  </a:gsLst>
+                  <a:lin ang="5400000" scaled="0"/>
+                </a:gradFill>
+                <a:ea typeface="Segoe UI" pitchFamily="34" charset="0"/>
+                <a:cs typeface="Segoe UI" pitchFamily="34" charset="0"/>
+              </a:rPr>
+              <a:t>Service</a:t>
+            </a:r>
+          </a:p>
+          <a:p>
+            <a:pPr algn="ctr" defTabSz="932472" fontAlgn="base">
+              <a:lnSpc>
+                <a:spcPct val="90000"/>
+              </a:lnSpc>
+              <a:spcBef>
+                <a:spcPct val="0"/>
+              </a:spcBef>
+              <a:spcAft>
+                <a:spcPct val="0"/>
+              </a:spcAft>
+            </a:pPr>
+            <a:r>
+              <a:rPr lang="en-US" dirty="0">
+                <a:gradFill>
+                  <a:gsLst>
+                    <a:gs pos="0">
+                      <a:srgbClr val="FFFFFF"/>
+                    </a:gs>
+                    <a:gs pos="100000">
+                      <a:srgbClr val="FFFFFF"/>
+                    </a:gs>
+                  </a:gsLst>
+                  <a:lin ang="5400000" scaled="0"/>
+                </a:gradFill>
+                <a:ea typeface="Segoe UI" pitchFamily="34" charset="0"/>
+                <a:cs typeface="Segoe UI" pitchFamily="34" charset="0"/>
+              </a:rPr>
+              <a:t>API</a:t>
+            </a:r>
+            <a:endParaRPr lang="de-CH" dirty="0" err="1">
+              <a:gradFill>
+                <a:gsLst>
+                  <a:gs pos="0">
+                    <a:srgbClr val="FFFFFF"/>
+                  </a:gs>
+                  <a:gs pos="100000">
+                    <a:srgbClr val="FFFFFF"/>
+                  </a:gs>
+                </a:gsLst>
+                <a:lin ang="5400000" scaled="0"/>
+              </a:gradFill>
+              <a:ea typeface="Segoe UI" pitchFamily="34" charset="0"/>
+              <a:cs typeface="Segoe UI" pitchFamily="34" charset="0"/>
+            </a:endParaRPr>
+          </a:p>
+        </p:txBody>
+      </p:sp>
+      <p:sp>
+        <p:nvSpPr>
+          <p:cNvPr id="39" name="Rectangle 38"/>
+          <p:cNvSpPr/>
+          <p:nvPr/>
+        </p:nvSpPr>
+        <p:spPr bwMode="auto">
+          <a:xfrm>
+            <a:off x="10154896" y="3015189"/>
+            <a:ext cx="1770184" cy="1027519"/>
+          </a:xfrm>
+          <a:prstGeom prst="rect">
+            <a:avLst/>
+          </a:prstGeom>
+          <a:solidFill>
+            <a:srgbClr val="FFC000"/>
+          </a:solidFill>
+          <a:ln w="19050">
+            <a:solidFill>
+              <a:schemeClr val="tx1"/>
+            </a:solidFill>
+            <a:headEnd type="none" w="med" len="med"/>
+            <a:tailEnd type="none" w="med" len="med"/>
+          </a:ln>
+          <a:effectLst/>
+        </p:spPr>
+        <p:style>
+          <a:lnRef idx="1">
+            <a:schemeClr val="accent2"/>
+          </a:lnRef>
+          <a:fillRef idx="3">
+            <a:schemeClr val="accent2"/>
+          </a:fillRef>
+          <a:effectRef idx="2">
+            <a:schemeClr val="accent2"/>
+          </a:effectRef>
+          <a:fontRef idx="minor">
+            <a:schemeClr val="lt1"/>
+          </a:fontRef>
+        </p:style>
+        <p:txBody>
+          <a:bodyPr rot="0" spcFirstLastPara="0" vertOverflow="overflow" horzOverflow="overflow" vert="horz" wrap="square" lIns="182880" tIns="146304" rIns="182880" bIns="146304" numCol="1" spcCol="0" rtlCol="0" fromWordArt="0" anchor="ctr" anchorCtr="0" forceAA="0" compatLnSpc="1">
+            <a:prstTxWarp prst="textNoShape">
+              <a:avLst/>
+            </a:prstTxWarp>
+            <a:noAutofit/>
+          </a:bodyPr>
+          <a:lstStyle/>
+          <a:p>
+            <a:pPr algn="ctr" defTabSz="932472" fontAlgn="base">
+              <a:lnSpc>
+                <a:spcPct val="90000"/>
+              </a:lnSpc>
+              <a:spcBef>
+                <a:spcPct val="0"/>
+              </a:spcBef>
+              <a:spcAft>
+                <a:spcPct val="0"/>
+              </a:spcAft>
+            </a:pPr>
+            <a:r>
+              <a:rPr lang="en-US" dirty="0">
+                <a:solidFill>
+                  <a:schemeClr val="tx2"/>
+                </a:solidFill>
+                <a:ea typeface="Segoe UI" pitchFamily="34" charset="0"/>
+                <a:cs typeface="Segoe UI" pitchFamily="34" charset="0"/>
+              </a:rPr>
+              <a:t>Ethereum client</a:t>
+            </a:r>
+            <a:br>
+              <a:rPr lang="en-US" dirty="0">
+                <a:solidFill>
+                  <a:schemeClr val="tx2"/>
+                </a:solidFill>
+                <a:ea typeface="Segoe UI" pitchFamily="34" charset="0"/>
+                <a:cs typeface="Segoe UI" pitchFamily="34" charset="0"/>
+              </a:rPr>
+            </a:br>
+            <a:r>
+              <a:rPr lang="en-US" dirty="0">
+                <a:solidFill>
+                  <a:schemeClr val="tx2"/>
+                </a:solidFill>
+                <a:ea typeface="Segoe UI" pitchFamily="34" charset="0"/>
+                <a:cs typeface="Segoe UI" pitchFamily="34" charset="0"/>
+              </a:rPr>
+              <a:t>geth-rpc </a:t>
+            </a:r>
+            <a:endParaRPr lang="de-CH" dirty="0" err="1">
+              <a:solidFill>
+                <a:schemeClr val="tx2"/>
+              </a:solidFill>
+              <a:ea typeface="Segoe UI" pitchFamily="34" charset="0"/>
+              <a:cs typeface="Segoe UI" pitchFamily="34" charset="0"/>
+            </a:endParaRPr>
+          </a:p>
+        </p:txBody>
+      </p:sp>
+      <p:cxnSp>
+        <p:nvCxnSpPr>
+          <p:cNvPr id="44" name="Straight Arrow Connector 43"/>
+          <p:cNvCxnSpPr>
+            <a:cxnSpLocks/>
+            <a:stCxn id="34" idx="3"/>
+            <a:endCxn id="35" idx="1"/>
+          </p:cNvCxnSpPr>
+          <p:nvPr/>
+        </p:nvCxnSpPr>
+        <p:spPr>
+          <a:xfrm flipV="1">
+            <a:off x="4307262" y="3528950"/>
+            <a:ext cx="1354411" cy="3805"/>
+          </a:xfrm>
+          <a:prstGeom prst="straightConnector1">
+            <a:avLst/>
+          </a:prstGeom>
+          <a:ln w="28575">
+            <a:solidFill>
+              <a:srgbClr val="7030A0"/>
+            </a:solidFill>
+            <a:headEnd type="none"/>
+            <a:tailEnd type="triangle"/>
+          </a:ln>
+        </p:spPr>
+        <p:style>
+          <a:lnRef idx="1">
+            <a:schemeClr val="accent1"/>
+          </a:lnRef>
+          <a:fillRef idx="0">
+            <a:schemeClr val="accent1"/>
+          </a:fillRef>
+          <a:effectRef idx="0">
+            <a:schemeClr val="accent1"/>
+          </a:effectRef>
+          <a:fontRef idx="minor">
+            <a:schemeClr val="tx1"/>
+          </a:fontRef>
+        </p:style>
+      </p:cxnSp>
+      <p:cxnSp>
+        <p:nvCxnSpPr>
+          <p:cNvPr id="46" name="Straight Arrow Connector 45"/>
+          <p:cNvCxnSpPr>
+            <a:cxnSpLocks/>
+            <a:stCxn id="64" idx="3"/>
+            <a:endCxn id="37" idx="0"/>
+          </p:cNvCxnSpPr>
+          <p:nvPr/>
+        </p:nvCxnSpPr>
+        <p:spPr>
+          <a:xfrm>
+            <a:off x="4307262" y="2281222"/>
+            <a:ext cx="4486114" cy="733967"/>
+          </a:xfrm>
+          <a:prstGeom prst="bentConnector2">
+            <a:avLst/>
+          </a:prstGeom>
+          <a:ln w="28575">
+            <a:solidFill>
+              <a:schemeClr val="tx2"/>
+            </a:solidFill>
+            <a:headEnd type="none"/>
+            <a:tailEnd type="triangle"/>
+          </a:ln>
+        </p:spPr>
+        <p:style>
+          <a:lnRef idx="1">
+            <a:schemeClr val="accent1"/>
+          </a:lnRef>
+          <a:fillRef idx="0">
+            <a:schemeClr val="accent1"/>
+          </a:fillRef>
+          <a:effectRef idx="0">
+            <a:schemeClr val="accent1"/>
+          </a:effectRef>
+          <a:fontRef idx="minor">
+            <a:schemeClr val="tx1"/>
+          </a:fontRef>
+        </p:style>
+      </p:cxnSp>
+      <p:cxnSp>
+        <p:nvCxnSpPr>
+          <p:cNvPr id="49" name="Straight Arrow Connector 48"/>
+          <p:cNvCxnSpPr>
+            <a:cxnSpLocks/>
+            <a:stCxn id="35" idx="3"/>
+            <a:endCxn id="37" idx="1"/>
+          </p:cNvCxnSpPr>
+          <p:nvPr/>
+        </p:nvCxnSpPr>
+        <p:spPr>
+          <a:xfrm flipV="1">
+            <a:off x="7431857" y="3528949"/>
+            <a:ext cx="476427" cy="1"/>
+          </a:xfrm>
+          <a:prstGeom prst="straightConnector1">
+            <a:avLst/>
+          </a:prstGeom>
+          <a:ln w="28575">
+            <a:solidFill>
+              <a:srgbClr val="7030A0"/>
+            </a:solidFill>
+            <a:headEnd type="none"/>
+            <a:tailEnd type="triangle"/>
+          </a:ln>
+        </p:spPr>
+        <p:style>
+          <a:lnRef idx="1">
+            <a:schemeClr val="accent1"/>
+          </a:lnRef>
+          <a:fillRef idx="0">
+            <a:schemeClr val="accent1"/>
+          </a:fillRef>
+          <a:effectRef idx="0">
+            <a:schemeClr val="accent1"/>
+          </a:effectRef>
+          <a:fontRef idx="minor">
+            <a:schemeClr val="tx1"/>
+          </a:fontRef>
+        </p:style>
+      </p:cxnSp>
+      <p:cxnSp>
+        <p:nvCxnSpPr>
+          <p:cNvPr id="59" name="Straight Arrow Connector 58"/>
+          <p:cNvCxnSpPr>
+            <a:cxnSpLocks/>
+            <a:stCxn id="35" idx="2"/>
+            <a:endCxn id="78" idx="1"/>
+          </p:cNvCxnSpPr>
+          <p:nvPr/>
+        </p:nvCxnSpPr>
+        <p:spPr>
+          <a:xfrm flipH="1">
+            <a:off x="6544236" y="4042709"/>
+            <a:ext cx="2529" cy="540313"/>
+          </a:xfrm>
+          <a:prstGeom prst="straightConnector1">
+            <a:avLst/>
+          </a:prstGeom>
+          <a:ln w="28575">
+            <a:solidFill>
+              <a:srgbClr val="7030A0"/>
+            </a:solidFill>
+            <a:headEnd type="none"/>
+            <a:tailEnd type="triangle"/>
+          </a:ln>
+        </p:spPr>
+        <p:style>
+          <a:lnRef idx="1">
+            <a:schemeClr val="accent1"/>
+          </a:lnRef>
+          <a:fillRef idx="0">
+            <a:schemeClr val="accent1"/>
+          </a:fillRef>
+          <a:effectRef idx="0">
+            <a:schemeClr val="accent1"/>
+          </a:effectRef>
+          <a:fontRef idx="minor">
+            <a:schemeClr val="tx1"/>
+          </a:fontRef>
+        </p:style>
+      </p:cxnSp>
+      <p:cxnSp>
+        <p:nvCxnSpPr>
+          <p:cNvPr id="62" name="Straight Arrow Connector 61"/>
+          <p:cNvCxnSpPr>
+            <a:cxnSpLocks/>
+            <a:stCxn id="37" idx="3"/>
+            <a:endCxn id="39" idx="1"/>
+          </p:cNvCxnSpPr>
+          <p:nvPr/>
+        </p:nvCxnSpPr>
+        <p:spPr>
+          <a:xfrm>
+            <a:off x="9678468" y="3528949"/>
+            <a:ext cx="476428" cy="0"/>
+          </a:xfrm>
+          <a:prstGeom prst="straightConnector1">
+            <a:avLst/>
+          </a:prstGeom>
+          <a:ln w="28575">
+            <a:solidFill>
+              <a:srgbClr val="7030A0"/>
+            </a:solidFill>
+            <a:headEnd type="none"/>
+            <a:tailEnd type="triangle"/>
+          </a:ln>
+        </p:spPr>
+        <p:style>
+          <a:lnRef idx="1">
+            <a:schemeClr val="accent1"/>
+          </a:lnRef>
+          <a:fillRef idx="0">
+            <a:schemeClr val="accent1"/>
+          </a:fillRef>
+          <a:effectRef idx="0">
+            <a:schemeClr val="accent1"/>
+          </a:effectRef>
+          <a:fontRef idx="minor">
+            <a:schemeClr val="tx1"/>
+          </a:fontRef>
+        </p:style>
+      </p:cxnSp>
+      <p:sp>
+        <p:nvSpPr>
+          <p:cNvPr id="41" name="Rectangle 40">
+            <a:extLst>
+              <a:ext uri="{FF2B5EF4-FFF2-40B4-BE49-F238E27FC236}">
+                <a16:creationId xmlns:a16="http://schemas.microsoft.com/office/drawing/2014/main" id="{3CB8E2B8-8326-4D0F-A029-105A4C67382C}"/>
+              </a:ext>
+            </a:extLst>
+          </p:cNvPr>
+          <p:cNvSpPr/>
+          <p:nvPr/>
+        </p:nvSpPr>
+        <p:spPr bwMode="auto">
+          <a:xfrm>
+            <a:off x="2662518" y="1617164"/>
+            <a:ext cx="1339944" cy="718516"/>
+          </a:xfrm>
+          <a:prstGeom prst="rect">
+            <a:avLst/>
+          </a:prstGeom>
+          <a:solidFill>
+            <a:schemeClr val="bg2"/>
+          </a:solidFill>
+          <a:ln w="19050">
+            <a:solidFill>
+              <a:schemeClr val="tx1"/>
+            </a:solidFill>
+            <a:headEnd type="none" w="med" len="med"/>
+            <a:tailEnd type="none" w="med" len="med"/>
+          </a:ln>
+          <a:effectLst/>
+        </p:spPr>
+        <p:style>
+          <a:lnRef idx="1">
+            <a:schemeClr val="accent2"/>
+          </a:lnRef>
+          <a:fillRef idx="3">
+            <a:schemeClr val="accent2"/>
+          </a:fillRef>
+          <a:effectRef idx="2">
+            <a:schemeClr val="accent2"/>
+          </a:effectRef>
+          <a:fontRef idx="minor">
+            <a:schemeClr val="lt1"/>
+          </a:fontRef>
+        </p:style>
+        <p:txBody>
+          <a:bodyPr rot="0" spcFirstLastPara="0" vertOverflow="overflow" horzOverflow="overflow" vert="horz" wrap="square" lIns="182880" tIns="146304" rIns="182880" bIns="146304" numCol="1" spcCol="0" rtlCol="0" fromWordArt="0" anchor="t" anchorCtr="0" forceAA="0" compatLnSpc="1">
+            <a:prstTxWarp prst="textNoShape">
+              <a:avLst/>
+            </a:prstTxWarp>
+            <a:noAutofit/>
+          </a:bodyPr>
+          <a:lstStyle/>
+          <a:p>
+            <a:pPr algn="ctr" defTabSz="932472" fontAlgn="base">
+              <a:lnSpc>
+                <a:spcPct val="90000"/>
+              </a:lnSpc>
+              <a:spcBef>
+                <a:spcPct val="0"/>
+              </a:spcBef>
+              <a:spcAft>
+                <a:spcPct val="0"/>
+              </a:spcAft>
+            </a:pPr>
+            <a:endParaRPr lang="de-CH" dirty="0" err="1">
+              <a:solidFill>
+                <a:schemeClr val="accent5"/>
+              </a:solidFill>
+              <a:ea typeface="Segoe UI" pitchFamily="34" charset="0"/>
+              <a:cs typeface="Segoe UI" pitchFamily="34" charset="0"/>
+            </a:endParaRPr>
+          </a:p>
+        </p:txBody>
+      </p:sp>
+      <p:sp>
+        <p:nvSpPr>
+          <p:cNvPr id="63" name="Rectangle 62">
+            <a:extLst>
+              <a:ext uri="{FF2B5EF4-FFF2-40B4-BE49-F238E27FC236}">
+                <a16:creationId xmlns:a16="http://schemas.microsoft.com/office/drawing/2014/main" id="{63D29716-23DE-45E6-88ED-8156B2A78158}"/>
+              </a:ext>
+            </a:extLst>
+          </p:cNvPr>
+          <p:cNvSpPr/>
+          <p:nvPr/>
+        </p:nvSpPr>
+        <p:spPr bwMode="auto">
+          <a:xfrm>
+            <a:off x="2814918" y="1769564"/>
+            <a:ext cx="1339944" cy="718516"/>
+          </a:xfrm>
+          <a:prstGeom prst="rect">
+            <a:avLst/>
+          </a:prstGeom>
+          <a:solidFill>
+            <a:schemeClr val="bg2"/>
+          </a:solidFill>
+          <a:ln w="19050">
+            <a:solidFill>
+              <a:schemeClr val="tx1"/>
+            </a:solidFill>
+            <a:headEnd type="none" w="med" len="med"/>
+            <a:tailEnd type="none" w="med" len="med"/>
+          </a:ln>
+          <a:effectLst/>
+        </p:spPr>
+        <p:style>
+          <a:lnRef idx="1">
+            <a:schemeClr val="accent2"/>
+          </a:lnRef>
+          <a:fillRef idx="3">
+            <a:schemeClr val="accent2"/>
+          </a:fillRef>
+          <a:effectRef idx="2">
+            <a:schemeClr val="accent2"/>
+          </a:effectRef>
+          <a:fontRef idx="minor">
+            <a:schemeClr val="lt1"/>
+          </a:fontRef>
+        </p:style>
+        <p:txBody>
+          <a:bodyPr rot="0" spcFirstLastPara="0" vertOverflow="overflow" horzOverflow="overflow" vert="horz" wrap="square" lIns="182880" tIns="146304" rIns="182880" bIns="146304" numCol="1" spcCol="0" rtlCol="0" fromWordArt="0" anchor="t" anchorCtr="0" forceAA="0" compatLnSpc="1">
+            <a:prstTxWarp prst="textNoShape">
+              <a:avLst/>
+            </a:prstTxWarp>
+            <a:noAutofit/>
+          </a:bodyPr>
+          <a:lstStyle/>
+          <a:p>
+            <a:pPr algn="ctr" defTabSz="932472" fontAlgn="base">
+              <a:lnSpc>
+                <a:spcPct val="90000"/>
+              </a:lnSpc>
+              <a:spcBef>
+                <a:spcPct val="0"/>
+              </a:spcBef>
+              <a:spcAft>
+                <a:spcPct val="0"/>
+              </a:spcAft>
+            </a:pPr>
+            <a:endParaRPr lang="de-CH" dirty="0" err="1">
+              <a:solidFill>
+                <a:schemeClr val="accent5"/>
+              </a:solidFill>
+              <a:ea typeface="Segoe UI" pitchFamily="34" charset="0"/>
+              <a:cs typeface="Segoe UI" pitchFamily="34" charset="0"/>
+            </a:endParaRPr>
+          </a:p>
+        </p:txBody>
+      </p:sp>
+      <p:sp>
+        <p:nvSpPr>
+          <p:cNvPr id="64" name="Rectangle 63">
+            <a:extLst>
+              <a:ext uri="{FF2B5EF4-FFF2-40B4-BE49-F238E27FC236}">
+                <a16:creationId xmlns:a16="http://schemas.microsoft.com/office/drawing/2014/main" id="{97C4DBC3-E594-4439-89CC-E334F319D150}"/>
+              </a:ext>
+            </a:extLst>
+          </p:cNvPr>
+          <p:cNvSpPr/>
+          <p:nvPr/>
+        </p:nvSpPr>
+        <p:spPr bwMode="auto">
+          <a:xfrm>
+            <a:off x="2976282" y="1921964"/>
+            <a:ext cx="1330980" cy="718516"/>
+          </a:xfrm>
+          <a:prstGeom prst="rect">
+            <a:avLst/>
+          </a:prstGeom>
+          <a:solidFill>
+            <a:schemeClr val="bg2"/>
+          </a:solidFill>
+          <a:ln w="19050">
+            <a:solidFill>
+              <a:schemeClr val="tx1"/>
+            </a:solidFill>
+            <a:headEnd type="none" w="med" len="med"/>
+            <a:tailEnd type="none" w="med" len="med"/>
+          </a:ln>
+          <a:effectLst/>
+        </p:spPr>
+        <p:style>
+          <a:lnRef idx="1">
+            <a:schemeClr val="accent2"/>
+          </a:lnRef>
+          <a:fillRef idx="3">
+            <a:schemeClr val="accent2"/>
+          </a:fillRef>
+          <a:effectRef idx="2">
+            <a:schemeClr val="accent2"/>
+          </a:effectRef>
+          <a:fontRef idx="minor">
+            <a:schemeClr val="lt1"/>
+          </a:fontRef>
+        </p:style>
+        <p:txBody>
+          <a:bodyPr rot="0" spcFirstLastPara="0" vertOverflow="overflow" horzOverflow="overflow" vert="horz" wrap="square" lIns="182880" tIns="146304" rIns="182880" bIns="146304" numCol="1" spcCol="0" rtlCol="0" fromWordArt="0" anchor="t" anchorCtr="0" forceAA="0" compatLnSpc="1">
+            <a:prstTxWarp prst="textNoShape">
+              <a:avLst/>
+            </a:prstTxWarp>
+            <a:noAutofit/>
+          </a:bodyPr>
+          <a:lstStyle/>
+          <a:p>
+            <a:pPr algn="ctr" defTabSz="932472" fontAlgn="base">
+              <a:lnSpc>
+                <a:spcPct val="90000"/>
+              </a:lnSpc>
+              <a:spcBef>
+                <a:spcPct val="0"/>
+              </a:spcBef>
+              <a:spcAft>
+                <a:spcPct val="0"/>
+              </a:spcAft>
+            </a:pPr>
+            <a:r>
+              <a:rPr lang="en-US" dirty="0">
+                <a:solidFill>
+                  <a:schemeClr val="tx2"/>
+                </a:solidFill>
+                <a:ea typeface="Segoe UI" pitchFamily="34" charset="0"/>
+                <a:cs typeface="Segoe UI" pitchFamily="34" charset="0"/>
+              </a:rPr>
+              <a:t>Client App</a:t>
+            </a:r>
+            <a:endParaRPr lang="de-CH" dirty="0" err="1">
+              <a:solidFill>
+                <a:schemeClr val="tx2"/>
+              </a:solidFill>
+              <a:ea typeface="Segoe UI" pitchFamily="34" charset="0"/>
+              <a:cs typeface="Segoe UI" pitchFamily="34" charset="0"/>
+            </a:endParaRPr>
+          </a:p>
+        </p:txBody>
+      </p:sp>
+      <p:cxnSp>
+        <p:nvCxnSpPr>
+          <p:cNvPr id="71" name="Straight Arrow Connector 70"/>
+          <p:cNvCxnSpPr>
+            <a:cxnSpLocks/>
+            <a:stCxn id="37" idx="2"/>
+            <a:endCxn id="79" idx="1"/>
+          </p:cNvCxnSpPr>
+          <p:nvPr/>
+        </p:nvCxnSpPr>
+        <p:spPr>
+          <a:xfrm>
+            <a:off x="8793376" y="4042708"/>
+            <a:ext cx="0" cy="535268"/>
+          </a:xfrm>
+          <a:prstGeom prst="straightConnector1">
+            <a:avLst/>
+          </a:prstGeom>
+          <a:ln w="28575">
+            <a:solidFill>
+              <a:srgbClr val="7030A0"/>
+            </a:solidFill>
+            <a:headEnd type="none"/>
+            <a:tailEnd type="triangle"/>
+          </a:ln>
+        </p:spPr>
+        <p:style>
+          <a:lnRef idx="1">
+            <a:schemeClr val="accent1"/>
+          </a:lnRef>
+          <a:fillRef idx="0">
+            <a:schemeClr val="accent1"/>
+          </a:fillRef>
+          <a:effectRef idx="0">
+            <a:schemeClr val="accent1"/>
+          </a:effectRef>
+          <a:fontRef idx="minor">
+            <a:schemeClr val="tx1"/>
+          </a:fontRef>
+        </p:style>
+      </p:cxnSp>
+      <p:sp>
+        <p:nvSpPr>
+          <p:cNvPr id="78" name="Flowchart: Magnetic Disk 77">
+            <a:extLst>
+              <a:ext uri="{FF2B5EF4-FFF2-40B4-BE49-F238E27FC236}">
+                <a16:creationId xmlns:a16="http://schemas.microsoft.com/office/drawing/2014/main" id="{E6E8D3B7-EAF7-4EF4-9A0B-0E5D2C25246F}"/>
+              </a:ext>
+            </a:extLst>
+          </p:cNvPr>
+          <p:cNvSpPr/>
+          <p:nvPr/>
+        </p:nvSpPr>
+        <p:spPr bwMode="auto">
+          <a:xfrm>
+            <a:off x="5880848" y="4583022"/>
+            <a:ext cx="1326776" cy="1136460"/>
+          </a:xfrm>
+          <a:prstGeom prst="flowChartMagneticDisk">
+            <a:avLst/>
+          </a:prstGeom>
+          <a:solidFill>
+            <a:schemeClr val="accent2">
+              <a:lumMod val="75000"/>
+            </a:schemeClr>
+          </a:solidFill>
+          <a:ln>
+            <a:solidFill>
+              <a:schemeClr val="tx2"/>
+            </a:solidFill>
+            <a:headEnd type="none" w="med" len="med"/>
+            <a:tailEnd type="none" w="med" len="med"/>
+          </a:ln>
+          <a:effectLst/>
+        </p:spPr>
+        <p:style>
+          <a:lnRef idx="1">
+            <a:schemeClr val="accent2"/>
+          </a:lnRef>
+          <a:fillRef idx="3">
+            <a:schemeClr val="accent2"/>
+          </a:fillRef>
+          <a:effectRef idx="2">
+            <a:schemeClr val="accent2"/>
+          </a:effectRef>
+          <a:fontRef idx="minor">
+            <a:schemeClr val="lt1"/>
+          </a:fontRef>
+        </p:style>
+        <p:txBody>
+          <a:bodyPr rot="0" spcFirstLastPara="0" vertOverflow="overflow" horzOverflow="overflow" vert="horz" wrap="square" lIns="182880" tIns="146304" rIns="182880" bIns="146304" numCol="1" spcCol="0" rtlCol="0" fromWordArt="0" anchor="t" anchorCtr="0" forceAA="0" compatLnSpc="1">
+            <a:prstTxWarp prst="textNoShape">
+              <a:avLst/>
+            </a:prstTxWarp>
+            <a:noAutofit/>
+          </a:bodyPr>
+          <a:lstStyle/>
+          <a:p>
+            <a:pPr algn="ctr" defTabSz="932472" fontAlgn="base">
+              <a:lnSpc>
+                <a:spcPct val="90000"/>
+              </a:lnSpc>
+              <a:spcBef>
+                <a:spcPct val="0"/>
+              </a:spcBef>
+              <a:spcAft>
+                <a:spcPct val="0"/>
+              </a:spcAft>
+            </a:pPr>
+            <a:r>
+              <a:rPr lang="en-US" sz="1600" dirty="0">
+                <a:gradFill>
+                  <a:gsLst>
+                    <a:gs pos="0">
+                      <a:srgbClr val="FFFFFF"/>
+                    </a:gs>
+                    <a:gs pos="100000">
+                      <a:srgbClr val="FFFFFF"/>
+                    </a:gs>
+                  </a:gsLst>
+                  <a:lin ang="5400000" scaled="0"/>
+                </a:gradFill>
+                <a:ea typeface="Segoe UI" pitchFamily="34" charset="0"/>
+                <a:cs typeface="Segoe UI" pitchFamily="34" charset="0"/>
+              </a:rPr>
+              <a:t>Document  Store</a:t>
+            </a:r>
+          </a:p>
+          <a:p>
+            <a:pPr algn="ctr" defTabSz="932472" fontAlgn="base">
+              <a:lnSpc>
+                <a:spcPct val="90000"/>
+              </a:lnSpc>
+              <a:spcBef>
+                <a:spcPct val="0"/>
+              </a:spcBef>
+              <a:spcAft>
+                <a:spcPct val="0"/>
+              </a:spcAft>
+            </a:pPr>
+            <a:endParaRPr lang="en-US" sz="1600" dirty="0">
+              <a:gradFill>
+                <a:gsLst>
+                  <a:gs pos="0">
+                    <a:srgbClr val="FFFFFF"/>
+                  </a:gs>
+                  <a:gs pos="100000">
+                    <a:srgbClr val="FFFFFF"/>
+                  </a:gs>
+                </a:gsLst>
+                <a:lin ang="5400000" scaled="0"/>
+              </a:gradFill>
+              <a:ea typeface="Segoe UI" pitchFamily="34" charset="0"/>
+              <a:cs typeface="Segoe UI" pitchFamily="34" charset="0"/>
+            </a:endParaRPr>
+          </a:p>
+        </p:txBody>
+      </p:sp>
+      <p:sp>
+        <p:nvSpPr>
+          <p:cNvPr id="79" name="Flowchart: Magnetic Disk 78">
+            <a:extLst>
+              <a:ext uri="{FF2B5EF4-FFF2-40B4-BE49-F238E27FC236}">
+                <a16:creationId xmlns:a16="http://schemas.microsoft.com/office/drawing/2014/main" id="{4EEEE5D7-B219-44FE-940D-B897A64197FF}"/>
+              </a:ext>
+            </a:extLst>
+          </p:cNvPr>
+          <p:cNvSpPr/>
+          <p:nvPr/>
+        </p:nvSpPr>
+        <p:spPr bwMode="auto">
+          <a:xfrm>
+            <a:off x="8129988" y="4577976"/>
+            <a:ext cx="1326776" cy="1141506"/>
+          </a:xfrm>
+          <a:prstGeom prst="flowChartMagneticDisk">
+            <a:avLst/>
+          </a:prstGeom>
+          <a:solidFill>
+            <a:schemeClr val="accent2">
+              <a:lumMod val="75000"/>
+            </a:schemeClr>
+          </a:solidFill>
+          <a:ln>
+            <a:solidFill>
+              <a:schemeClr val="tx2"/>
+            </a:solidFill>
+            <a:headEnd type="none" w="med" len="med"/>
+            <a:tailEnd type="none" w="med" len="med"/>
+          </a:ln>
+          <a:effectLst/>
+        </p:spPr>
+        <p:style>
+          <a:lnRef idx="1">
+            <a:schemeClr val="accent2"/>
+          </a:lnRef>
+          <a:fillRef idx="3">
+            <a:schemeClr val="accent2"/>
+          </a:fillRef>
+          <a:effectRef idx="2">
+            <a:schemeClr val="accent2"/>
+          </a:effectRef>
+          <a:fontRef idx="minor">
+            <a:schemeClr val="lt1"/>
+          </a:fontRef>
+        </p:style>
+        <p:txBody>
+          <a:bodyPr rot="0" spcFirstLastPara="0" vertOverflow="overflow" horzOverflow="overflow" vert="horz" wrap="square" lIns="182880" tIns="146304" rIns="182880" bIns="146304" numCol="1" spcCol="0" rtlCol="0" fromWordArt="0" anchor="t" anchorCtr="0" forceAA="0" compatLnSpc="1">
+            <a:prstTxWarp prst="textNoShape">
+              <a:avLst/>
+            </a:prstTxWarp>
+            <a:noAutofit/>
+          </a:bodyPr>
+          <a:lstStyle/>
+          <a:p>
+            <a:pPr algn="ctr" defTabSz="932472" fontAlgn="base">
+              <a:lnSpc>
+                <a:spcPct val="90000"/>
+              </a:lnSpc>
+              <a:spcBef>
+                <a:spcPct val="0"/>
+              </a:spcBef>
+              <a:spcAft>
+                <a:spcPct val="0"/>
+              </a:spcAft>
+            </a:pPr>
+            <a:r>
+              <a:rPr lang="en-US" sz="1600" dirty="0">
+                <a:gradFill>
+                  <a:gsLst>
+                    <a:gs pos="0">
+                      <a:srgbClr val="FFFFFF"/>
+                    </a:gs>
+                    <a:gs pos="100000">
+                      <a:srgbClr val="FFFFFF"/>
+                    </a:gs>
+                  </a:gsLst>
+                  <a:lin ang="5400000" scaled="0"/>
+                </a:gradFill>
+                <a:ea typeface="Segoe UI" pitchFamily="34" charset="0"/>
+                <a:cs typeface="Segoe UI" pitchFamily="34" charset="0"/>
+              </a:rPr>
+              <a:t>Key</a:t>
+            </a:r>
+          </a:p>
+          <a:p>
+            <a:pPr algn="ctr" defTabSz="932472" fontAlgn="base">
+              <a:lnSpc>
+                <a:spcPct val="90000"/>
+              </a:lnSpc>
+              <a:spcBef>
+                <a:spcPct val="0"/>
+              </a:spcBef>
+              <a:spcAft>
+                <a:spcPct val="0"/>
+              </a:spcAft>
+            </a:pPr>
+            <a:r>
+              <a:rPr lang="en-US" sz="1600" dirty="0">
+                <a:gradFill>
+                  <a:gsLst>
+                    <a:gs pos="0">
+                      <a:srgbClr val="FFFFFF"/>
+                    </a:gs>
+                    <a:gs pos="100000">
+                      <a:srgbClr val="FFFFFF"/>
+                    </a:gs>
+                  </a:gsLst>
+                  <a:lin ang="5400000" scaled="0"/>
+                </a:gradFill>
+                <a:ea typeface="Segoe UI" pitchFamily="34" charset="0"/>
+                <a:cs typeface="Segoe UI" pitchFamily="34" charset="0"/>
+              </a:rPr>
+              <a:t>Store</a:t>
+            </a:r>
+          </a:p>
+          <a:p>
+            <a:pPr algn="ctr" defTabSz="932472" fontAlgn="base">
+              <a:lnSpc>
+                <a:spcPct val="90000"/>
+              </a:lnSpc>
+              <a:spcBef>
+                <a:spcPct val="0"/>
+              </a:spcBef>
+              <a:spcAft>
+                <a:spcPct val="0"/>
+              </a:spcAft>
+            </a:pPr>
+            <a:endParaRPr lang="en-US" sz="1600" dirty="0">
+              <a:gradFill>
+                <a:gsLst>
+                  <a:gs pos="0">
+                    <a:srgbClr val="FFFFFF"/>
+                  </a:gs>
+                  <a:gs pos="100000">
+                    <a:srgbClr val="FFFFFF"/>
+                  </a:gs>
+                </a:gsLst>
+                <a:lin ang="5400000" scaled="0"/>
+              </a:gradFill>
+              <a:ea typeface="Segoe UI" pitchFamily="34" charset="0"/>
+              <a:cs typeface="Segoe UI" pitchFamily="34" charset="0"/>
+            </a:endParaRPr>
+          </a:p>
+        </p:txBody>
+      </p:sp>
+    </p:spTree>
+    <p:extLst>
+      <p:ext uri="{BB962C8B-B14F-4D97-AF65-F5344CB8AC3E}">
+        <p14:creationId xmlns:p14="http://schemas.microsoft.com/office/powerpoint/2010/main" val="3824758673"/>
+      </p:ext>
+    </p:extLst>
+  </p:cSld>
+  <p:clrMapOvr>
+    <a:masterClrMapping/>
+  </p:clrMapOvr>
+  <mc:AlternateContent xmlns:mc="http://schemas.openxmlformats.org/markup-compatibility/2006" xmlns:p14="http://schemas.microsoft.com/office/powerpoint/2010/main">
+    <mc:Choice Requires="p14">
+      <p:transition p14:dur="250">
+        <p:fade/>
+      </p:transition>
+    </mc:Choice>
+    <mc:Fallback xmlns="">
+      <p:transition>
+        <p:fade/>
+      </p:transition>
+    </mc:Fallback>
+  </mc:AlternateContent>
 </p:sld>
 </file>
 
